--- a/05.Building SharePoint Add-ins using Search/Hook into Apps for SharePoint.pptx
+++ b/05.Building SharePoint Add-ins using Search/Hook into Apps for SharePoint.pptx
@@ -6,54 +6,52 @@
     <p:sldMasterId id="2147484046" r:id="rId5"/>
   </p:sldMasterIdLst>
   <p:notesMasterIdLst>
-    <p:notesMasterId r:id="rId48"/>
+    <p:notesMasterId r:id="rId46"/>
   </p:notesMasterIdLst>
   <p:handoutMasterIdLst>
-    <p:handoutMasterId r:id="rId49"/>
+    <p:handoutMasterId r:id="rId47"/>
   </p:handoutMasterIdLst>
   <p:sldIdLst>
-    <p:sldId id="778" r:id="rId6"/>
-    <p:sldId id="891" r:id="rId7"/>
-    <p:sldId id="780" r:id="rId8"/>
-    <p:sldId id="788" r:id="rId9"/>
-    <p:sldId id="783" r:id="rId10"/>
-    <p:sldId id="854" r:id="rId11"/>
-    <p:sldId id="873" r:id="rId12"/>
-    <p:sldId id="871" r:id="rId13"/>
-    <p:sldId id="855" r:id="rId14"/>
-    <p:sldId id="857" r:id="rId15"/>
-    <p:sldId id="909" r:id="rId16"/>
-    <p:sldId id="910" r:id="rId17"/>
-    <p:sldId id="893" r:id="rId18"/>
-    <p:sldId id="894" r:id="rId19"/>
-    <p:sldId id="895" r:id="rId20"/>
-    <p:sldId id="896" r:id="rId21"/>
-    <p:sldId id="897" r:id="rId22"/>
-    <p:sldId id="898" r:id="rId23"/>
-    <p:sldId id="899" r:id="rId24"/>
-    <p:sldId id="900" r:id="rId25"/>
-    <p:sldId id="901" r:id="rId26"/>
-    <p:sldId id="902" r:id="rId27"/>
-    <p:sldId id="903" r:id="rId28"/>
-    <p:sldId id="904" r:id="rId29"/>
-    <p:sldId id="905" r:id="rId30"/>
-    <p:sldId id="865" r:id="rId31"/>
-    <p:sldId id="906" r:id="rId32"/>
-    <p:sldId id="907" r:id="rId33"/>
-    <p:sldId id="908" r:id="rId34"/>
-    <p:sldId id="866" r:id="rId35"/>
-    <p:sldId id="867" r:id="rId36"/>
-    <p:sldId id="868" r:id="rId37"/>
-    <p:sldId id="869" r:id="rId38"/>
-    <p:sldId id="870" r:id="rId39"/>
-    <p:sldId id="859" r:id="rId40"/>
-    <p:sldId id="874" r:id="rId41"/>
-    <p:sldId id="875" r:id="rId42"/>
-    <p:sldId id="876" r:id="rId43"/>
-    <p:sldId id="877" r:id="rId44"/>
-    <p:sldId id="878" r:id="rId45"/>
-    <p:sldId id="892" r:id="rId46"/>
-    <p:sldId id="654" r:id="rId47"/>
+    <p:sldId id="780" r:id="rId6"/>
+    <p:sldId id="788" r:id="rId7"/>
+    <p:sldId id="783" r:id="rId8"/>
+    <p:sldId id="854" r:id="rId9"/>
+    <p:sldId id="873" r:id="rId10"/>
+    <p:sldId id="871" r:id="rId11"/>
+    <p:sldId id="855" r:id="rId12"/>
+    <p:sldId id="857" r:id="rId13"/>
+    <p:sldId id="909" r:id="rId14"/>
+    <p:sldId id="910" r:id="rId15"/>
+    <p:sldId id="893" r:id="rId16"/>
+    <p:sldId id="894" r:id="rId17"/>
+    <p:sldId id="895" r:id="rId18"/>
+    <p:sldId id="896" r:id="rId19"/>
+    <p:sldId id="897" r:id="rId20"/>
+    <p:sldId id="898" r:id="rId21"/>
+    <p:sldId id="899" r:id="rId22"/>
+    <p:sldId id="900" r:id="rId23"/>
+    <p:sldId id="901" r:id="rId24"/>
+    <p:sldId id="902" r:id="rId25"/>
+    <p:sldId id="903" r:id="rId26"/>
+    <p:sldId id="904" r:id="rId27"/>
+    <p:sldId id="905" r:id="rId28"/>
+    <p:sldId id="865" r:id="rId29"/>
+    <p:sldId id="906" r:id="rId30"/>
+    <p:sldId id="907" r:id="rId31"/>
+    <p:sldId id="908" r:id="rId32"/>
+    <p:sldId id="866" r:id="rId33"/>
+    <p:sldId id="867" r:id="rId34"/>
+    <p:sldId id="868" r:id="rId35"/>
+    <p:sldId id="869" r:id="rId36"/>
+    <p:sldId id="870" r:id="rId37"/>
+    <p:sldId id="859" r:id="rId38"/>
+    <p:sldId id="874" r:id="rId39"/>
+    <p:sldId id="875" r:id="rId40"/>
+    <p:sldId id="876" r:id="rId41"/>
+    <p:sldId id="877" r:id="rId42"/>
+    <p:sldId id="878" r:id="rId43"/>
+    <p:sldId id="892" r:id="rId44"/>
+    <p:sldId id="654" r:id="rId45"/>
   </p:sldIdLst>
   <p:sldSz cx="12188825" cy="6858000"/>
   <p:notesSz cx="6858000" cy="9144000"/>
@@ -356,7 +354,7 @@
           <a:p>
             <a:fld id="{DE219B1A-AE41-483B-A766-69B9363DDA6A}" type="datetimeFigureOut">
               <a:rPr lang="en-US" smtClean="0"/>
-              <a:t>10/24/2014</a:t>
+              <a:t>5/31/2015</a:t>
             </a:fld>
             <a:endParaRPr lang="en-US"/>
           </a:p>
@@ -638,7 +636,7 @@
           <a:p>
             <a:fld id="{D51B1278-D92B-4AF3-A9C1-71DD298190CE}" type="datetimeFigureOut">
               <a:rPr lang="en-US" smtClean="0"/>
-              <a:t>10/24/2014</a:t>
+              <a:t>5/31/2015</a:t>
             </a:fld>
             <a:endParaRPr lang="en-US"/>
           </a:p>
@@ -1105,18 +1103,18 @@
           <a:bodyPr/>
           <a:lstStyle/>
           <a:p>
-            <a:endParaRPr lang="en-US"/>
-          </a:p>
-        </p:txBody>
-      </p:sp>
-      <p:sp>
-        <p:nvSpPr>
-          <p:cNvPr id="4" name="Slide Number Placeholder 3"/>
+            <a:endParaRPr lang="en-US" dirty="0"/>
+          </a:p>
+        </p:txBody>
+      </p:sp>
+      <p:sp>
+        <p:nvSpPr>
+          <p:cNvPr id="4" name="Footer Placeholder 3"/>
           <p:cNvSpPr>
             <a:spLocks noGrp="1"/>
           </p:cNvSpPr>
           <p:nvPr>
-            <p:ph type="sldNum" sz="quarter" idx="10"/>
+            <p:ph type="ftr" sz="quarter" idx="10"/>
           </p:nvPr>
         </p:nvSpPr>
         <p:spPr/>
@@ -1124,27 +1122,119 @@
           <a:bodyPr/>
           <a:lstStyle/>
           <a:p>
-            <a:fld id="{977827E0-75C2-4762-9602-52F8A16E59DD}" type="slidenum">
-              <a:rPr lang="en-US" smtClean="0">
-                <a:solidFill>
-                  <a:prstClr val="black"/>
-                </a:solidFill>
+            <a:pPr defTabSz="914099" eaLnBrk="0" hangingPunct="0"/>
+            <a:r>
+              <a:rPr lang="en-US" sz="400" smtClean="0">
+                <a:gradFill>
+                  <a:gsLst>
+                    <a:gs pos="0">
+                      <a:prstClr val="black"/>
+                    </a:gs>
+                    <a:gs pos="100000">
+                      <a:prstClr val="black"/>
+                    </a:gs>
+                  </a:gsLst>
+                  <a:lin ang="5400000" scaled="0"/>
+                </a:gradFill>
+                <a:latin typeface="Segoe UI" pitchFamily="34" charset="0"/>
+                <a:ea typeface="Segoe UI" pitchFamily="34" charset="0"/>
+                <a:cs typeface="Segoe UI" pitchFamily="34" charset="0"/>
               </a:rPr>
+              <a:t>© 2014 Microsoft Corporation. All rights reserved. Microsoft, Windows, and other product names are or may be registered trademarks and/or trademarks in the U.S. and/or other countries. The information herein is for informational purposes only and represents the current view of Microsoft Corporation as of the date of this presentation.  Because Microsoft must respond to changing market conditions, it should not be interpreted to be a commitment on the part of Microsoft, and Microsoft cannot guarantee the accuracy of any information provided after the date of this presentation.  MICROSOFT MAKES NO WARRANTIES, EXPRESS, IMPLIED OR STATUTORY, AS TO THE INFORMATION IN THIS PRESENTATION.</a:t>
+            </a:r>
+            <a:endParaRPr lang="en-US" sz="400" dirty="0" smtClean="0">
+              <a:gradFill>
+                <a:gsLst>
+                  <a:gs pos="0">
+                    <a:prstClr val="black"/>
+                  </a:gs>
+                  <a:gs pos="100000">
+                    <a:prstClr val="black"/>
+                  </a:gs>
+                </a:gsLst>
+                <a:lin ang="5400000" scaled="0"/>
+              </a:gradFill>
+              <a:latin typeface="Segoe UI" pitchFamily="34" charset="0"/>
+              <a:ea typeface="Segoe UI" pitchFamily="34" charset="0"/>
+              <a:cs typeface="Segoe UI" pitchFamily="34" charset="0"/>
+            </a:endParaRPr>
+          </a:p>
+        </p:txBody>
+      </p:sp>
+      <p:sp>
+        <p:nvSpPr>
+          <p:cNvPr id="5" name="Date Placeholder 4"/>
+          <p:cNvSpPr>
+            <a:spLocks noGrp="1"/>
+          </p:cNvSpPr>
+          <p:nvPr>
+            <p:ph type="dt" idx="11"/>
+          </p:nvPr>
+        </p:nvSpPr>
+        <p:spPr/>
+        <p:txBody>
+          <a:bodyPr/>
+          <a:lstStyle/>
+          <a:p>
+            <a:fld id="{B079C3B8-7366-4A44-A34B-3977080C19E7}" type="datetime1">
+              <a:rPr lang="en-US" smtClean="0"/>
+              <a:t>5/31/2015</a:t>
+            </a:fld>
+            <a:endParaRPr lang="en-US" dirty="0"/>
+          </a:p>
+        </p:txBody>
+      </p:sp>
+      <p:sp>
+        <p:nvSpPr>
+          <p:cNvPr id="6" name="Slide Number Placeholder 5"/>
+          <p:cNvSpPr>
+            <a:spLocks noGrp="1"/>
+          </p:cNvSpPr>
+          <p:nvPr>
+            <p:ph type="sldNum" sz="quarter" idx="12"/>
+          </p:nvPr>
+        </p:nvSpPr>
+        <p:spPr/>
+        <p:txBody>
+          <a:bodyPr/>
+          <a:lstStyle/>
+          <a:p>
+            <a:fld id="{B4008EB6-D09E-4580-8CD6-DDB14511944F}" type="slidenum">
+              <a:rPr lang="en-US" smtClean="0"/>
               <a:pPr/>
-              <a:t>1</a:t>
+              <a:t>2</a:t>
             </a:fld>
-            <a:endParaRPr lang="en-US">
-              <a:solidFill>
-                <a:prstClr val="black"/>
-              </a:solidFill>
-            </a:endParaRPr>
+            <a:endParaRPr lang="en-US" dirty="0"/>
+          </a:p>
+        </p:txBody>
+      </p:sp>
+      <p:sp>
+        <p:nvSpPr>
+          <p:cNvPr id="7" name="Header Placeholder 6"/>
+          <p:cNvSpPr>
+            <a:spLocks noGrp="1"/>
+          </p:cNvSpPr>
+          <p:nvPr>
+            <p:ph type="hdr" sz="quarter" idx="13"/>
+          </p:nvPr>
+        </p:nvSpPr>
+        <p:spPr/>
+        <p:txBody>
+          <a:bodyPr/>
+          <a:lstStyle/>
+          <a:p>
+            <a:r>
+              <a:rPr lang="en-US" smtClean="0"/>
+              <a:t>Build 2014</a:t>
+            </a:r>
+            <a:endParaRPr lang="en-US" dirty="0"/>
           </a:p>
         </p:txBody>
       </p:sp>
     </p:spTree>
     <p:extLst>
       <p:ext uri="{BB962C8B-B14F-4D97-AF65-F5344CB8AC3E}">
-        <p14:creationId xmlns:p14="http://schemas.microsoft.com/office/powerpoint/2010/main" val="2050352593"/>
+        <p14:creationId xmlns:p14="http://schemas.microsoft.com/office/powerpoint/2010/main" val="909838491"/>
       </p:ext>
     </p:extLst>
   </p:cSld>
@@ -1198,10 +1288,6 @@
           <a:bodyPr/>
           <a:lstStyle/>
           <a:p>
-            <a:r>
-              <a:rPr lang="en-US" dirty="0" smtClean="0"/>
-              <a:t>Apps must be registered with SharePoint. This page will generate a new client ID and secret for the app. If deployed to Azure, use that information to fill out the rest of the form.</a:t>
-            </a:r>
             <a:endParaRPr lang="en-US" dirty="0"/>
           </a:p>
         </p:txBody>
@@ -1221,9 +1307,9 @@
           <a:bodyPr/>
           <a:lstStyle/>
           <a:p>
-            <a:fld id="{130F6A78-FCFE-4D45-B005-38A37DBDA5FF}" type="datetime1">
+            <a:fld id="{8A515E4B-48A0-498D-B44A-AAB8296969D7}" type="datetime1">
               <a:rPr lang="en-US" smtClean="0"/>
-              <a:t>10/24/2014</a:t>
+              <a:t>5/31/2015</a:t>
             </a:fld>
             <a:endParaRPr lang="en-US"/>
           </a:p>
@@ -1246,7 +1332,7 @@
           <a:p>
             <a:fld id="{B4008EB6-D09E-4580-8CD6-DDB14511944F}" type="slidenum">
               <a:rPr lang="en-US" smtClean="0"/>
-              <a:t>14</a:t>
+              <a:t>13</a:t>
             </a:fld>
             <a:endParaRPr lang="en-US" dirty="0"/>
           </a:p>
@@ -1354,7 +1440,7 @@
     </p:spTree>
     <p:extLst>
       <p:ext uri="{BB962C8B-B14F-4D97-AF65-F5344CB8AC3E}">
-        <p14:creationId xmlns:p14="http://schemas.microsoft.com/office/powerpoint/2010/main" val="92928577"/>
+        <p14:creationId xmlns:p14="http://schemas.microsoft.com/office/powerpoint/2010/main" val="2902237423"/>
       </p:ext>
     </p:extLst>
   </p:cSld>
@@ -1427,9 +1513,9 @@
           <a:bodyPr/>
           <a:lstStyle/>
           <a:p>
-            <a:fld id="{8A515E4B-48A0-498D-B44A-AAB8296969D7}" type="datetime1">
+            <a:fld id="{676707B7-EE71-47B8-B3DA-B599B395A08A}" type="datetime1">
               <a:rPr lang="en-US" smtClean="0"/>
-              <a:t>10/24/2014</a:t>
+              <a:t>5/31/2015</a:t>
             </a:fld>
             <a:endParaRPr lang="en-US"/>
           </a:p>
@@ -1452,7 +1538,7 @@
           <a:p>
             <a:fld id="{B4008EB6-D09E-4580-8CD6-DDB14511944F}" type="slidenum">
               <a:rPr lang="en-US" smtClean="0"/>
-              <a:t>15</a:t>
+              <a:t>22</a:t>
             </a:fld>
             <a:endParaRPr lang="en-US" dirty="0"/>
           </a:p>
@@ -1560,7 +1646,7 @@
     </p:spTree>
     <p:extLst>
       <p:ext uri="{BB962C8B-B14F-4D97-AF65-F5344CB8AC3E}">
-        <p14:creationId xmlns:p14="http://schemas.microsoft.com/office/powerpoint/2010/main" val="2902237423"/>
+        <p14:creationId xmlns:p14="http://schemas.microsoft.com/office/powerpoint/2010/main" val="1248379490"/>
       </p:ext>
     </p:extLst>
   </p:cSld>
@@ -1635,7 +1721,7 @@
           <a:p>
             <a:fld id="{676707B7-EE71-47B8-B3DA-B599B395A08A}" type="datetime1">
               <a:rPr lang="en-US" smtClean="0"/>
-              <a:t>10/24/2014</a:t>
+              <a:t>5/31/2015</a:t>
             </a:fld>
             <a:endParaRPr lang="en-US"/>
           </a:p>
@@ -1658,7 +1744,7 @@
           <a:p>
             <a:fld id="{B4008EB6-D09E-4580-8CD6-DDB14511944F}" type="slidenum">
               <a:rPr lang="en-US" smtClean="0"/>
-              <a:t>24</a:t>
+              <a:t>23</a:t>
             </a:fld>
             <a:endParaRPr lang="en-US" dirty="0"/>
           </a:p>
@@ -1766,7 +1852,7 @@
     </p:spTree>
     <p:extLst>
       <p:ext uri="{BB962C8B-B14F-4D97-AF65-F5344CB8AC3E}">
-        <p14:creationId xmlns:p14="http://schemas.microsoft.com/office/powerpoint/2010/main" val="1248379490"/>
+        <p14:creationId xmlns:p14="http://schemas.microsoft.com/office/powerpoint/2010/main" val="179522906"/>
       </p:ext>
     </p:extLst>
   </p:cSld>
@@ -1820,6 +1906,42 @@
           <a:bodyPr/>
           <a:lstStyle/>
           <a:p>
+            <a:r>
+              <a:rPr lang="en-US" dirty="0" smtClean="0"/>
+              <a:t>The </a:t>
+            </a:r>
+            <a:r>
+              <a:rPr lang="en-US" dirty="0" err="1" smtClean="0"/>
+              <a:t>SharePointContext</a:t>
+            </a:r>
+            <a:r>
+              <a:rPr lang="en-US" baseline="0" dirty="0" err="1" smtClean="0"/>
+              <a:t>Provider</a:t>
+            </a:r>
+            <a:r>
+              <a:rPr lang="en-US" baseline="0" dirty="0" smtClean="0"/>
+              <a:t> simplifies the management of context, and tokens</a:t>
+            </a:r>
+          </a:p>
+          <a:p>
+            <a:r>
+              <a:rPr lang="en-US" dirty="0" smtClean="0"/>
+              <a:t>It uses a cookie to store the </a:t>
+            </a:r>
+            <a:r>
+              <a:rPr lang="en-US" dirty="0" err="1" smtClean="0"/>
+              <a:t>CacheKey</a:t>
+            </a:r>
+            <a:r>
+              <a:rPr lang="en-US" dirty="0" smtClean="0"/>
+              <a:t>, and stores the actual token in session state on the server referenced by the cache key</a:t>
+            </a:r>
+          </a:p>
+          <a:p>
+            <a:r>
+              <a:rPr lang="en-US" dirty="0" smtClean="0"/>
+              <a:t>All of this improves performance and makes programming easier</a:t>
+            </a:r>
             <a:endParaRPr lang="en-US" dirty="0"/>
           </a:p>
         </p:txBody>
@@ -1839,9 +1961,9 @@
           <a:bodyPr/>
           <a:lstStyle/>
           <a:p>
-            <a:fld id="{676707B7-EE71-47B8-B3DA-B599B395A08A}" type="datetime1">
+            <a:fld id="{89BD0C63-4500-46F0-B671-0411AD55F261}" type="datetime1">
               <a:rPr lang="en-US" smtClean="0"/>
-              <a:t>10/24/2014</a:t>
+              <a:t>5/31/2015</a:t>
             </a:fld>
             <a:endParaRPr lang="en-US"/>
           </a:p>
@@ -1864,7 +1986,7 @@
           <a:p>
             <a:fld id="{B4008EB6-D09E-4580-8CD6-DDB14511944F}" type="slidenum">
               <a:rPr lang="en-US" smtClean="0"/>
-              <a:t>25</a:t>
+              <a:t>24</a:t>
             </a:fld>
             <a:endParaRPr lang="en-US" dirty="0"/>
           </a:p>
@@ -1972,7 +2094,7 @@
     </p:spTree>
     <p:extLst>
       <p:ext uri="{BB962C8B-B14F-4D97-AF65-F5344CB8AC3E}">
-        <p14:creationId xmlns:p14="http://schemas.microsoft.com/office/powerpoint/2010/main" val="179522906"/>
+        <p14:creationId xmlns:p14="http://schemas.microsoft.com/office/powerpoint/2010/main" val="835942355"/>
       </p:ext>
     </p:extLst>
   </p:cSld>
@@ -2028,39 +2150,7 @@
           <a:p>
             <a:r>
               <a:rPr lang="en-US" dirty="0" smtClean="0"/>
-              <a:t>The </a:t>
-            </a:r>
-            <a:r>
-              <a:rPr lang="en-US" dirty="0" err="1" smtClean="0"/>
-              <a:t>SharePointContext</a:t>
-            </a:r>
-            <a:r>
-              <a:rPr lang="en-US" baseline="0" dirty="0" err="1" smtClean="0"/>
-              <a:t>Provider</a:t>
-            </a:r>
-            <a:r>
-              <a:rPr lang="en-US" baseline="0" dirty="0" smtClean="0"/>
-              <a:t> simplifies the management of context, and tokens</a:t>
-            </a:r>
-          </a:p>
-          <a:p>
-            <a:r>
-              <a:rPr lang="en-US" dirty="0" smtClean="0"/>
-              <a:t>It uses a cookie to store the </a:t>
-            </a:r>
-            <a:r>
-              <a:rPr lang="en-US" dirty="0" err="1" smtClean="0"/>
-              <a:t>CacheKey</a:t>
-            </a:r>
-            <a:r>
-              <a:rPr lang="en-US" dirty="0" smtClean="0"/>
-              <a:t>, and stores the actual token in session state on the server referenced by the cache key</a:t>
-            </a:r>
-          </a:p>
-          <a:p>
-            <a:r>
-              <a:rPr lang="en-US" dirty="0" smtClean="0"/>
-              <a:t>All of this improves performance and makes programming easier</a:t>
+              <a:t>Abstracts the management of tokens to make it easier</a:t>
             </a:r>
             <a:endParaRPr lang="en-US" dirty="0"/>
           </a:p>
@@ -2081,9 +2171,9 @@
           <a:bodyPr/>
           <a:lstStyle/>
           <a:p>
-            <a:fld id="{89BD0C63-4500-46F0-B671-0411AD55F261}" type="datetime1">
+            <a:fld id="{65036D97-0781-4CB4-8310-DBE67BB75DC2}" type="datetime1">
               <a:rPr lang="en-US" smtClean="0"/>
-              <a:t>10/24/2014</a:t>
+              <a:t>5/31/2015</a:t>
             </a:fld>
             <a:endParaRPr lang="en-US"/>
           </a:p>
@@ -2106,7 +2196,7 @@
           <a:p>
             <a:fld id="{B4008EB6-D09E-4580-8CD6-DDB14511944F}" type="slidenum">
               <a:rPr lang="en-US" smtClean="0"/>
-              <a:t>26</a:t>
+              <a:t>25</a:t>
             </a:fld>
             <a:endParaRPr lang="en-US" dirty="0"/>
           </a:p>
@@ -2214,7 +2304,7 @@
     </p:spTree>
     <p:extLst>
       <p:ext uri="{BB962C8B-B14F-4D97-AF65-F5344CB8AC3E}">
-        <p14:creationId xmlns:p14="http://schemas.microsoft.com/office/powerpoint/2010/main" val="835942355"/>
+        <p14:creationId xmlns:p14="http://schemas.microsoft.com/office/powerpoint/2010/main" val="753889496"/>
       </p:ext>
     </p:extLst>
   </p:cSld>
@@ -2270,7 +2360,40 @@
           <a:p>
             <a:r>
               <a:rPr lang="en-US" dirty="0" smtClean="0"/>
-              <a:t>Abstracts the management of tokens to make it easier</a:t>
+              <a:t>ASP.NET Web Forms uses the </a:t>
+            </a:r>
+            <a:r>
+              <a:rPr lang="en-US" dirty="0" err="1" smtClean="0"/>
+              <a:t>PreInit</a:t>
+            </a:r>
+            <a:r>
+              <a:rPr lang="en-US" dirty="0" smtClean="0"/>
+              <a:t> method to validate the Context Token</a:t>
+            </a:r>
+          </a:p>
+          <a:p>
+            <a:r>
+              <a:rPr lang="en-US" dirty="0" smtClean="0"/>
+              <a:t>Notice how it will redirect if the token is not valid</a:t>
+            </a:r>
+          </a:p>
+          <a:p>
+            <a:endParaRPr lang="en-US" dirty="0" smtClean="0"/>
+          </a:p>
+          <a:p>
+            <a:r>
+              <a:rPr lang="en-US" dirty="0" smtClean="0"/>
+              <a:t>ASP.NET MVC 5 uses a filter to run essentially the same code</a:t>
+            </a:r>
+          </a:p>
+          <a:p>
+            <a:r>
+              <a:rPr lang="en-US" dirty="0" smtClean="0"/>
+              <a:t>Notice how the</a:t>
+            </a:r>
+            <a:r>
+              <a:rPr lang="en-US" baseline="0" dirty="0" smtClean="0"/>
+              <a:t> filter attribute is applied to the controller</a:t>
             </a:r>
             <a:endParaRPr lang="en-US" dirty="0"/>
           </a:p>
@@ -2291,9 +2414,9 @@
           <a:bodyPr/>
           <a:lstStyle/>
           <a:p>
-            <a:fld id="{65036D97-0781-4CB4-8310-DBE67BB75DC2}" type="datetime1">
+            <a:fld id="{71F2E3B6-EB4C-45C4-A447-56FB08D12314}" type="datetime1">
               <a:rPr lang="en-US" smtClean="0"/>
-              <a:t>10/24/2014</a:t>
+              <a:t>5/31/2015</a:t>
             </a:fld>
             <a:endParaRPr lang="en-US"/>
           </a:p>
@@ -2316,7 +2439,7 @@
           <a:p>
             <a:fld id="{B4008EB6-D09E-4580-8CD6-DDB14511944F}" type="slidenum">
               <a:rPr lang="en-US" smtClean="0"/>
-              <a:t>27</a:t>
+              <a:t>28</a:t>
             </a:fld>
             <a:endParaRPr lang="en-US" dirty="0"/>
           </a:p>
@@ -2424,7 +2547,7 @@
     </p:spTree>
     <p:extLst>
       <p:ext uri="{BB962C8B-B14F-4D97-AF65-F5344CB8AC3E}">
-        <p14:creationId xmlns:p14="http://schemas.microsoft.com/office/powerpoint/2010/main" val="753889496"/>
+        <p14:creationId xmlns:p14="http://schemas.microsoft.com/office/powerpoint/2010/main" val="2863341221"/>
       </p:ext>
     </p:extLst>
   </p:cSld>
@@ -2479,41 +2602,31 @@
           <a:lstStyle/>
           <a:p>
             <a:r>
+              <a:rPr lang="en-US" dirty="0" err="1" smtClean="0"/>
+              <a:t>SharePointAcsContext</a:t>
+            </a:r>
+            <a:r>
               <a:rPr lang="en-US" dirty="0" smtClean="0"/>
-              <a:t>ASP.NET Web Forms uses the </a:t>
+              <a:t> and </a:t>
             </a:r>
             <a:r>
               <a:rPr lang="en-US" dirty="0" err="1" smtClean="0"/>
-              <a:t>PreInit</a:t>
+              <a:t>SharePointHightTrustContext</a:t>
             </a:r>
             <a:r>
               <a:rPr lang="en-US" dirty="0" smtClean="0"/>
-              <a:t> method to validate the Context Token</a:t>
-            </a:r>
+              <a:t> both inherit from </a:t>
+            </a:r>
+            <a:r>
+              <a:rPr lang="en-US" dirty="0" err="1" smtClean="0"/>
+              <a:t>SharePointContext</a:t>
+            </a:r>
+            <a:endParaRPr lang="en-US" dirty="0" smtClean="0"/>
           </a:p>
           <a:p>
             <a:r>
               <a:rPr lang="en-US" dirty="0" smtClean="0"/>
-              <a:t>Notice how it will redirect if the token is not valid</a:t>
-            </a:r>
-          </a:p>
-          <a:p>
-            <a:endParaRPr lang="en-US" dirty="0" smtClean="0"/>
-          </a:p>
-          <a:p>
-            <a:r>
-              <a:rPr lang="en-US" dirty="0" smtClean="0"/>
-              <a:t>ASP.NET MVC 5 uses a filter to run essentially the same code</a:t>
-            </a:r>
-          </a:p>
-          <a:p>
-            <a:r>
-              <a:rPr lang="en-US" dirty="0" smtClean="0"/>
-              <a:t>Notice how the</a:t>
-            </a:r>
-            <a:r>
-              <a:rPr lang="en-US" baseline="0" dirty="0" smtClean="0"/>
-              <a:t> filter attribute is applied to the controller</a:t>
+              <a:t>This means that the same code works in both cloud and on-premises environments</a:t>
             </a:r>
             <a:endParaRPr lang="en-US" dirty="0"/>
           </a:p>
@@ -2534,9 +2647,9 @@
           <a:bodyPr/>
           <a:lstStyle/>
           <a:p>
-            <a:fld id="{71F2E3B6-EB4C-45C4-A447-56FB08D12314}" type="datetime1">
+            <a:fld id="{978E40F9-06EC-432F-9301-2E07F244FD92}" type="datetime1">
               <a:rPr lang="en-US" smtClean="0"/>
-              <a:t>10/24/2014</a:t>
+              <a:t>5/31/2015</a:t>
             </a:fld>
             <a:endParaRPr lang="en-US"/>
           </a:p>
@@ -2559,7 +2672,7 @@
           <a:p>
             <a:fld id="{B4008EB6-D09E-4580-8CD6-DDB14511944F}" type="slidenum">
               <a:rPr lang="en-US" smtClean="0"/>
-              <a:t>30</a:t>
+              <a:t>29</a:t>
             </a:fld>
             <a:endParaRPr lang="en-US" dirty="0"/>
           </a:p>
@@ -2667,7 +2780,7 @@
     </p:spTree>
     <p:extLst>
       <p:ext uri="{BB962C8B-B14F-4D97-AF65-F5344CB8AC3E}">
-        <p14:creationId xmlns:p14="http://schemas.microsoft.com/office/powerpoint/2010/main" val="2863341221"/>
+        <p14:creationId xmlns:p14="http://schemas.microsoft.com/office/powerpoint/2010/main" val="1314518799"/>
       </p:ext>
     </p:extLst>
   </p:cSld>
@@ -2722,31 +2835,16 @@
           <a:lstStyle/>
           <a:p>
             <a:r>
-              <a:rPr lang="en-US" dirty="0" err="1" smtClean="0"/>
-              <a:t>SharePointAcsContext</a:t>
-            </a:r>
-            <a:r>
               <a:rPr lang="en-US" dirty="0" smtClean="0"/>
-              <a:t> and </a:t>
-            </a:r>
-            <a:r>
-              <a:rPr lang="en-US" dirty="0" err="1" smtClean="0"/>
-              <a:t>SharePointHightTrustContext</a:t>
-            </a:r>
-            <a:r>
-              <a:rPr lang="en-US" dirty="0" smtClean="0"/>
-              <a:t> both inherit from </a:t>
+              <a:t>The </a:t>
             </a:r>
             <a:r>
               <a:rPr lang="en-US" dirty="0" err="1" smtClean="0"/>
               <a:t>SharePointContext</a:t>
             </a:r>
-            <a:endParaRPr lang="en-US" dirty="0" smtClean="0"/>
-          </a:p>
-          <a:p>
-            <a:r>
-              <a:rPr lang="en-US" dirty="0" smtClean="0"/>
-              <a:t>This means that the same code works in both cloud and on-premises environments</a:t>
+            <a:r>
+              <a:rPr lang="en-US" baseline="0" dirty="0" smtClean="0"/>
+              <a:t> makes it easy to get the tokens you need</a:t>
             </a:r>
             <a:endParaRPr lang="en-US" dirty="0"/>
           </a:p>
@@ -2767,9 +2865,9 @@
           <a:bodyPr/>
           <a:lstStyle/>
           <a:p>
-            <a:fld id="{978E40F9-06EC-432F-9301-2E07F244FD92}" type="datetime1">
+            <a:fld id="{20E03D06-7C91-4981-946C-5F87F4FCF9AD}" type="datetime1">
               <a:rPr lang="en-US" smtClean="0"/>
-              <a:t>10/24/2014</a:t>
+              <a:t>5/31/2015</a:t>
             </a:fld>
             <a:endParaRPr lang="en-US"/>
           </a:p>
@@ -2792,7 +2890,7 @@
           <a:p>
             <a:fld id="{B4008EB6-D09E-4580-8CD6-DDB14511944F}" type="slidenum">
               <a:rPr lang="en-US" smtClean="0"/>
-              <a:t>31</a:t>
+              <a:t>30</a:t>
             </a:fld>
             <a:endParaRPr lang="en-US" dirty="0"/>
           </a:p>
@@ -2900,7 +2998,7 @@
     </p:spTree>
     <p:extLst>
       <p:ext uri="{BB962C8B-B14F-4D97-AF65-F5344CB8AC3E}">
-        <p14:creationId xmlns:p14="http://schemas.microsoft.com/office/powerpoint/2010/main" val="1314518799"/>
+        <p14:creationId xmlns:p14="http://schemas.microsoft.com/office/powerpoint/2010/main" val="1364623966"/>
       </p:ext>
     </p:extLst>
   </p:cSld>
@@ -2954,18 +3052,6 @@
           <a:bodyPr/>
           <a:lstStyle/>
           <a:p>
-            <a:r>
-              <a:rPr lang="en-US" dirty="0" smtClean="0"/>
-              <a:t>The </a:t>
-            </a:r>
-            <a:r>
-              <a:rPr lang="en-US" dirty="0" err="1" smtClean="0"/>
-              <a:t>SharePointContext</a:t>
-            </a:r>
-            <a:r>
-              <a:rPr lang="en-US" baseline="0" dirty="0" smtClean="0"/>
-              <a:t> makes it easy to get the tokens you need</a:t>
-            </a:r>
             <a:endParaRPr lang="en-US" dirty="0"/>
           </a:p>
         </p:txBody>
@@ -2985,9 +3071,9 @@
           <a:bodyPr/>
           <a:lstStyle/>
           <a:p>
-            <a:fld id="{20E03D06-7C91-4981-946C-5F87F4FCF9AD}" type="datetime1">
+            <a:fld id="{94EE102F-BBA5-47B5-B3E7-AF35CCCF9F4D}" type="datetime1">
               <a:rPr lang="en-US" smtClean="0"/>
-              <a:t>10/24/2014</a:t>
+              <a:t>5/31/2015</a:t>
             </a:fld>
             <a:endParaRPr lang="en-US"/>
           </a:p>
@@ -3118,7 +3204,7 @@
     </p:spTree>
     <p:extLst>
       <p:ext uri="{BB962C8B-B14F-4D97-AF65-F5344CB8AC3E}">
-        <p14:creationId xmlns:p14="http://schemas.microsoft.com/office/powerpoint/2010/main" val="1364623966"/>
+        <p14:creationId xmlns:p14="http://schemas.microsoft.com/office/powerpoint/2010/main" val="1113436874"/>
       </p:ext>
     </p:extLst>
   </p:cSld>
@@ -3172,6 +3258,10 @@
           <a:bodyPr/>
           <a:lstStyle/>
           <a:p>
+            <a:r>
+              <a:rPr lang="en-US" dirty="0" smtClean="0"/>
+              <a:t>Makes it possible to call the app web or host web from JavaScript in the remote web</a:t>
+            </a:r>
             <a:endParaRPr lang="en-US" dirty="0"/>
           </a:p>
         </p:txBody>
@@ -3191,9 +3281,9 @@
           <a:bodyPr/>
           <a:lstStyle/>
           <a:p>
-            <a:fld id="{94EE102F-BBA5-47B5-B3E7-AF35CCCF9F4D}" type="datetime1">
+            <a:fld id="{4ADE35DD-7265-41C6-9E2A-205ADF0B08D5}" type="datetime1">
               <a:rPr lang="en-US" smtClean="0"/>
-              <a:t>10/24/2014</a:t>
+              <a:t>5/31/2015</a:t>
             </a:fld>
             <a:endParaRPr lang="en-US"/>
           </a:p>
@@ -3324,7 +3414,7 @@
     </p:spTree>
     <p:extLst>
       <p:ext uri="{BB962C8B-B14F-4D97-AF65-F5344CB8AC3E}">
-        <p14:creationId xmlns:p14="http://schemas.microsoft.com/office/powerpoint/2010/main" val="1113436874"/>
+        <p14:creationId xmlns:p14="http://schemas.microsoft.com/office/powerpoint/2010/main" val="2842563969"/>
       </p:ext>
     </p:extLst>
   </p:cSld>
@@ -3378,18 +3468,62 @@
           <a:bodyPr/>
           <a:lstStyle/>
           <a:p>
+            <a:r>
+              <a:rPr lang="en-US" dirty="0" smtClean="0"/>
+              <a:t>Remote web is deployed on separate infrastructure</a:t>
+            </a:r>
+          </a:p>
+          <a:p>
+            <a:r>
+              <a:rPr lang="en-US" dirty="0" smtClean="0"/>
+              <a:t>Typically this is Azure web sites, but can be anything</a:t>
+            </a:r>
+          </a:p>
+          <a:p>
+            <a:r>
+              <a:rPr lang="en-US" dirty="0" smtClean="0"/>
+              <a:t>Solution may or may not have an App Web depending upon whether anything is deployed (like</a:t>
+            </a:r>
+            <a:r>
+              <a:rPr lang="en-US" baseline="0" dirty="0" smtClean="0"/>
+              <a:t> lists or libraries in the App Web)</a:t>
+            </a:r>
+          </a:p>
+          <a:p>
+            <a:r>
+              <a:rPr lang="en-US" baseline="0" dirty="0" smtClean="0"/>
+              <a:t>Host web can be accessed by remote web using </a:t>
+            </a:r>
+            <a:r>
+              <a:rPr lang="en-US" baseline="0" dirty="0" err="1" smtClean="0"/>
+              <a:t>OAuth</a:t>
+            </a:r>
+            <a:r>
+              <a:rPr lang="en-US" baseline="0" dirty="0" smtClean="0"/>
+              <a:t> or cross-domain library</a:t>
+            </a:r>
+          </a:p>
+          <a:p>
+            <a:r>
+              <a:rPr lang="en-US" dirty="0" smtClean="0"/>
+              <a:t>Additional assets like SQL Azure</a:t>
+            </a:r>
+            <a:r>
+              <a:rPr lang="en-US" baseline="0" dirty="0" smtClean="0"/>
+              <a:t> or web-based REST services can be accessed from the remote web and incorporated into the solution</a:t>
+            </a:r>
             <a:endParaRPr lang="en-US" dirty="0"/>
           </a:p>
         </p:txBody>
       </p:sp>
       <p:sp>
         <p:nvSpPr>
-          <p:cNvPr id="4" name="Footer Placeholder 3"/>
+          <p:cNvPr id="4" name="Date Placeholder 3"/>
           <p:cNvSpPr>
             <a:spLocks noGrp="1"/>
           </p:cNvSpPr>
           <p:nvPr>
-            <p:ph type="ftr" sz="quarter" idx="10"/>
+            <p:ph type="dt" idx="10"/>
           </p:nvPr>
         </p:nvSpPr>
         <p:spPr/>
@@ -3397,16 +3531,85 @@
           <a:bodyPr/>
           <a:lstStyle/>
           <a:p>
-            <a:pPr defTabSz="914099" eaLnBrk="0" hangingPunct="0"/>
-            <a:r>
-              <a:rPr lang="en-US" sz="400" smtClean="0">
+            <a:fld id="{0C3C20F7-22CF-4B06-A2C4-710BBA74F6A5}" type="datetime1">
+              <a:rPr lang="en-US" smtClean="0"/>
+              <a:t>5/31/2015</a:t>
+            </a:fld>
+            <a:endParaRPr lang="en-US"/>
+          </a:p>
+        </p:txBody>
+      </p:sp>
+      <p:sp>
+        <p:nvSpPr>
+          <p:cNvPr id="5" name="Slide Number Placeholder 4"/>
+          <p:cNvSpPr>
+            <a:spLocks noGrp="1"/>
+          </p:cNvSpPr>
+          <p:nvPr>
+            <p:ph type="sldNum" sz="quarter" idx="11"/>
+          </p:nvPr>
+        </p:nvSpPr>
+        <p:spPr/>
+        <p:txBody>
+          <a:bodyPr/>
+          <a:lstStyle/>
+          <a:p>
+            <a:fld id="{B4008EB6-D09E-4580-8CD6-DDB14511944F}" type="slidenum">
+              <a:rPr lang="en-US" smtClean="0"/>
+              <a:t>4</a:t>
+            </a:fld>
+            <a:endParaRPr lang="en-US" dirty="0"/>
+          </a:p>
+        </p:txBody>
+      </p:sp>
+      <p:sp>
+        <p:nvSpPr>
+          <p:cNvPr id="6" name="Header Placeholder 5"/>
+          <p:cNvSpPr>
+            <a:spLocks noGrp="1"/>
+          </p:cNvSpPr>
+          <p:nvPr>
+            <p:ph type="hdr" sz="quarter" idx="12"/>
+          </p:nvPr>
+        </p:nvSpPr>
+        <p:spPr/>
+        <p:txBody>
+          <a:bodyPr/>
+          <a:lstStyle/>
+          <a:p>
+            <a:r>
+              <a:rPr lang="en-US" smtClean="0"/>
+              <a:t>Microsoft Office</a:t>
+            </a:r>
+            <a:endParaRPr lang="en-US" dirty="0"/>
+          </a:p>
+        </p:txBody>
+      </p:sp>
+      <p:sp>
+        <p:nvSpPr>
+          <p:cNvPr id="7" name="Footer Placeholder 6"/>
+          <p:cNvSpPr>
+            <a:spLocks noGrp="1"/>
+          </p:cNvSpPr>
+          <p:nvPr>
+            <p:ph type="ftr" sz="quarter" idx="13"/>
+          </p:nvPr>
+        </p:nvSpPr>
+        <p:spPr/>
+        <p:txBody>
+          <a:bodyPr/>
+          <a:lstStyle/>
+          <a:p>
+            <a:pPr marL="231775" defTabSz="914099" eaLnBrk="0" hangingPunct="0"/>
+            <a:r>
+              <a:rPr lang="en-US" sz="500" smtClean="0">
                 <a:gradFill>
                   <a:gsLst>
                     <a:gs pos="0">
-                      <a:prstClr val="black"/>
+                      <a:schemeClr val="tx1"/>
                     </a:gs>
                     <a:gs pos="100000">
-                      <a:prstClr val="black"/>
+                      <a:schemeClr val="tx1"/>
                     </a:gs>
                   </a:gsLst>
                   <a:lin ang="5400000" scaled="0"/>
@@ -3415,16 +3618,38 @@
                 <a:ea typeface="Segoe UI" pitchFamily="34" charset="0"/>
                 <a:cs typeface="Segoe UI" pitchFamily="34" charset="0"/>
               </a:rPr>
-              <a:t>© 2014 Microsoft Corporation. All rights reserved. Microsoft, Windows, and other product names are or may be registered trademarks and/or trademarks in the U.S. and/or other countries. The information herein is for informational purposes only and represents the current view of Microsoft Corporation as of the date of this presentation.  Because Microsoft must respond to changing market conditions, it should not be interpreted to be a commitment on the part of Microsoft, and Microsoft cannot guarantee the accuracy of any information provided after the date of this presentation.  MICROSOFT MAKES NO WARRANTIES, EXPRESS, IMPLIED OR STATUTORY, AS TO THE INFORMATION IN THIS PRESENTATION.</a:t>
-            </a:r>
-            <a:endParaRPr lang="en-US" sz="400" dirty="0" smtClean="0">
+              <a:t>© 2012 Microsoft Corporation. All rights reserved. Microsoft, Windows, and other product names are or may be registered trademarks and/or trademarks in the U.S. and/or other countries.</a:t>
+            </a:r>
+          </a:p>
+          <a:p>
+            <a:pPr marL="231775" defTabSz="914099" eaLnBrk="0" hangingPunct="0"/>
+            <a:r>
+              <a:rPr lang="en-US" sz="500" smtClean="0">
+                <a:gradFill>
+                  <a:gsLst>
+                    <a:gs pos="0">
+                      <a:schemeClr val="tx1"/>
+                    </a:gs>
+                    <a:gs pos="100000">
+                      <a:schemeClr val="tx1"/>
+                    </a:gs>
+                  </a:gsLst>
+                  <a:lin ang="5400000" scaled="0"/>
+                </a:gradFill>
+                <a:latin typeface="Segoe UI" pitchFamily="34" charset="0"/>
+                <a:ea typeface="Segoe UI" pitchFamily="34" charset="0"/>
+                <a:cs typeface="Segoe UI" pitchFamily="34" charset="0"/>
+              </a:rPr>
+              <a:t>The information herein is for informational purposes only and represents the current view of Microsoft Corporation as of the date of this presentation.  Because Microsoft must respond to changing market conditions, it should not be interpreted to be a commitment on the part of Microsoft, and Microsoft cannot guarantee the accuracy of any information provided after the date of this presentation.  MICROSOFT MAKES NO WARRANTIES, EXPRESS, IMPLIED OR STATUTORY, AS TO THE INFORMATION IN THIS PRESENTATION.</a:t>
+            </a:r>
+            <a:endParaRPr lang="en-US" sz="500" dirty="0">
               <a:gradFill>
                 <a:gsLst>
                   <a:gs pos="0">
-                    <a:prstClr val="black"/>
+                    <a:schemeClr val="tx1"/>
                   </a:gs>
                   <a:gs pos="100000">
-                    <a:prstClr val="black"/>
+                    <a:schemeClr val="tx1"/>
                   </a:gs>
                 </a:gsLst>
                 <a:lin ang="5400000" scaled="0"/>
@@ -3436,80 +3661,10 @@
           </a:p>
         </p:txBody>
       </p:sp>
-      <p:sp>
-        <p:nvSpPr>
-          <p:cNvPr id="5" name="Date Placeholder 4"/>
-          <p:cNvSpPr>
-            <a:spLocks noGrp="1"/>
-          </p:cNvSpPr>
-          <p:nvPr>
-            <p:ph type="dt" idx="11"/>
-          </p:nvPr>
-        </p:nvSpPr>
-        <p:spPr/>
-        <p:txBody>
-          <a:bodyPr/>
-          <a:lstStyle/>
-          <a:p>
-            <a:fld id="{B079C3B8-7366-4A44-A34B-3977080C19E7}" type="datetime1">
-              <a:rPr lang="en-US" smtClean="0"/>
-              <a:t>10/24/2014</a:t>
-            </a:fld>
-            <a:endParaRPr lang="en-US" dirty="0"/>
-          </a:p>
-        </p:txBody>
-      </p:sp>
-      <p:sp>
-        <p:nvSpPr>
-          <p:cNvPr id="6" name="Slide Number Placeholder 5"/>
-          <p:cNvSpPr>
-            <a:spLocks noGrp="1"/>
-          </p:cNvSpPr>
-          <p:nvPr>
-            <p:ph type="sldNum" sz="quarter" idx="12"/>
-          </p:nvPr>
-        </p:nvSpPr>
-        <p:spPr/>
-        <p:txBody>
-          <a:bodyPr/>
-          <a:lstStyle/>
-          <a:p>
-            <a:fld id="{B4008EB6-D09E-4580-8CD6-DDB14511944F}" type="slidenum">
-              <a:rPr lang="en-US" smtClean="0"/>
-              <a:pPr/>
-              <a:t>4</a:t>
-            </a:fld>
-            <a:endParaRPr lang="en-US" dirty="0"/>
-          </a:p>
-        </p:txBody>
-      </p:sp>
-      <p:sp>
-        <p:nvSpPr>
-          <p:cNvPr id="7" name="Header Placeholder 6"/>
-          <p:cNvSpPr>
-            <a:spLocks noGrp="1"/>
-          </p:cNvSpPr>
-          <p:nvPr>
-            <p:ph type="hdr" sz="quarter" idx="13"/>
-          </p:nvPr>
-        </p:nvSpPr>
-        <p:spPr/>
-        <p:txBody>
-          <a:bodyPr/>
-          <a:lstStyle/>
-          <a:p>
-            <a:r>
-              <a:rPr lang="en-US" smtClean="0"/>
-              <a:t>Build 2014</a:t>
-            </a:r>
-            <a:endParaRPr lang="en-US" dirty="0"/>
-          </a:p>
-        </p:txBody>
-      </p:sp>
     </p:spTree>
     <p:extLst>
       <p:ext uri="{BB962C8B-B14F-4D97-AF65-F5344CB8AC3E}">
-        <p14:creationId xmlns:p14="http://schemas.microsoft.com/office/powerpoint/2010/main" val="909838491"/>
+        <p14:creationId xmlns:p14="http://schemas.microsoft.com/office/powerpoint/2010/main" val="1537191079"/>
       </p:ext>
     </p:extLst>
   </p:cSld>
@@ -3565,7 +3720,25 @@
           <a:p>
             <a:r>
               <a:rPr lang="en-US" dirty="0" smtClean="0"/>
-              <a:t>Makes it possible to call the app web or host web from JavaScript in the remote web</a:t>
+              <a:t>You’ll also need</a:t>
+            </a:r>
+          </a:p>
+          <a:p>
+            <a:r>
+              <a:rPr lang="en-US" dirty="0" smtClean="0"/>
+              <a:t>Sp.runtime.js</a:t>
+            </a:r>
+          </a:p>
+          <a:p>
+            <a:r>
+              <a:rPr lang="en-US" dirty="0" smtClean="0"/>
+              <a:t>Sp.js</a:t>
+            </a:r>
+          </a:p>
+          <a:p>
+            <a:r>
+              <a:rPr lang="en-US" dirty="0" smtClean="0"/>
+              <a:t>MicrosoftAjax.js</a:t>
             </a:r>
             <a:endParaRPr lang="en-US" dirty="0"/>
           </a:p>
@@ -3586,9 +3759,9 @@
           <a:bodyPr/>
           <a:lstStyle/>
           <a:p>
-            <a:fld id="{4ADE35DD-7265-41C6-9E2A-205ADF0B08D5}" type="datetime1">
+            <a:fld id="{953A25BC-2652-4E9B-8E04-C98C3E52A4F0}" type="datetime1">
               <a:rPr lang="en-US" smtClean="0"/>
-              <a:t>10/24/2014</a:t>
+              <a:t>5/31/2015</a:t>
             </a:fld>
             <a:endParaRPr lang="en-US"/>
           </a:p>
@@ -3611,7 +3784,7 @@
           <a:p>
             <a:fld id="{B4008EB6-D09E-4580-8CD6-DDB14511944F}" type="slidenum">
               <a:rPr lang="en-US" smtClean="0"/>
-              <a:t>36</a:t>
+              <a:t>35</a:t>
             </a:fld>
             <a:endParaRPr lang="en-US" dirty="0"/>
           </a:p>
@@ -3719,7 +3892,7 @@
     </p:spTree>
     <p:extLst>
       <p:ext uri="{BB962C8B-B14F-4D97-AF65-F5344CB8AC3E}">
-        <p14:creationId xmlns:p14="http://schemas.microsoft.com/office/powerpoint/2010/main" val="2842563969"/>
+        <p14:creationId xmlns:p14="http://schemas.microsoft.com/office/powerpoint/2010/main" val="3698973113"/>
       </p:ext>
     </p:extLst>
   </p:cSld>
@@ -3773,27 +3946,81 @@
           <a:bodyPr/>
           <a:lstStyle/>
           <a:p>
+            <a:pPr marL="228600" indent="-228600">
+              <a:buAutoNum type="arabicPeriod"/>
+            </a:pPr>
             <a:r>
               <a:rPr lang="en-US" dirty="0" smtClean="0"/>
-              <a:t>You’ll also need</a:t>
-            </a:r>
-          </a:p>
-          <a:p>
+              <a:t>The remote web loads the SPRequestExecutor.js library</a:t>
+            </a:r>
+          </a:p>
+          <a:p>
+            <a:pPr marL="228600" indent="-228600">
+              <a:buAutoNum type="arabicPeriod"/>
+            </a:pPr>
             <a:r>
               <a:rPr lang="en-US" dirty="0" smtClean="0"/>
-              <a:t>Sp.runtime.js</a:t>
-            </a:r>
-          </a:p>
-          <a:p>
+              <a:t>The remote web create a new </a:t>
+            </a:r>
+            <a:r>
+              <a:rPr lang="en-US" dirty="0" err="1" smtClean="0"/>
+              <a:t>SP.RequestExecutor</a:t>
+            </a:r>
             <a:r>
               <a:rPr lang="en-US" dirty="0" smtClean="0"/>
-              <a:t>Sp.js</a:t>
-            </a:r>
-          </a:p>
-          <a:p>
+              <a:t> object, initializing it with the URL of the app web</a:t>
+            </a:r>
+          </a:p>
+          <a:p>
+            <a:pPr marL="228600" indent="-228600">
+              <a:buAutoNum type="arabicPeriod"/>
+            </a:pPr>
             <a:r>
               <a:rPr lang="en-US" dirty="0" smtClean="0"/>
-              <a:t>MicrosoftAjax.js</a:t>
+              <a:t>This causes a hidden IFRAME to be created, which loads APPWebProxy.aspx from the LAYOUTS directory</a:t>
+            </a:r>
+          </a:p>
+          <a:p>
+            <a:pPr marL="228600" indent="-228600">
+              <a:buAutoNum type="arabicPeriod"/>
+            </a:pPr>
+            <a:r>
+              <a:rPr lang="en-US" dirty="0" smtClean="0"/>
+              <a:t>The </a:t>
+            </a:r>
+            <a:r>
+              <a:rPr lang="en-US" dirty="0" err="1" smtClean="0"/>
+              <a:t>SP.RequestExecutor</a:t>
+            </a:r>
+            <a:r>
+              <a:rPr lang="en-US" dirty="0" smtClean="0"/>
+              <a:t> object uses the HTML5 </a:t>
+            </a:r>
+            <a:r>
+              <a:rPr lang="en-US" dirty="0" err="1" smtClean="0"/>
+              <a:t>postmessage</a:t>
+            </a:r>
+            <a:r>
+              <a:rPr lang="en-US" dirty="0" smtClean="0"/>
+              <a:t> command to send requests from the remote web</a:t>
+            </a:r>
+          </a:p>
+          <a:p>
+            <a:pPr marL="228600" indent="-228600">
+              <a:buAutoNum type="arabicPeriod"/>
+            </a:pPr>
+            <a:r>
+              <a:rPr lang="en-US" dirty="0" smtClean="0"/>
+              <a:t>The request is executed by the AppWebProxy.aspx page</a:t>
+            </a:r>
+          </a:p>
+          <a:p>
+            <a:pPr marL="228600" indent="-228600">
+              <a:buAutoNum type="arabicPeriod"/>
+            </a:pPr>
+            <a:r>
+              <a:rPr lang="en-US" dirty="0" smtClean="0"/>
+              <a:t>The response is returned</a:t>
             </a:r>
             <a:endParaRPr lang="en-US" dirty="0"/>
           </a:p>
@@ -3814,9 +4041,9 @@
           <a:bodyPr/>
           <a:lstStyle/>
           <a:p>
-            <a:fld id="{953A25BC-2652-4E9B-8E04-C98C3E52A4F0}" type="datetime1">
+            <a:fld id="{011330EA-3A2F-4AA6-9551-59328781FD06}" type="datetime1">
               <a:rPr lang="en-US" smtClean="0"/>
-              <a:t>10/24/2014</a:t>
+              <a:t>5/31/2015</a:t>
             </a:fld>
             <a:endParaRPr lang="en-US"/>
           </a:p>
@@ -3839,7 +4066,7 @@
           <a:p>
             <a:fld id="{B4008EB6-D09E-4580-8CD6-DDB14511944F}" type="slidenum">
               <a:rPr lang="en-US" smtClean="0"/>
-              <a:t>37</a:t>
+              <a:t>36</a:t>
             </a:fld>
             <a:endParaRPr lang="en-US" dirty="0"/>
           </a:p>
@@ -3947,7 +4174,7 @@
     </p:spTree>
     <p:extLst>
       <p:ext uri="{BB962C8B-B14F-4D97-AF65-F5344CB8AC3E}">
-        <p14:creationId xmlns:p14="http://schemas.microsoft.com/office/powerpoint/2010/main" val="3698973113"/>
+        <p14:creationId xmlns:p14="http://schemas.microsoft.com/office/powerpoint/2010/main" val="1504649696"/>
       </p:ext>
     </p:extLst>
   </p:cSld>
@@ -4001,81 +4228,9 @@
           <a:bodyPr/>
           <a:lstStyle/>
           <a:p>
-            <a:pPr marL="228600" indent="-228600">
-              <a:buAutoNum type="arabicPeriod"/>
-            </a:pPr>
             <a:r>
               <a:rPr lang="en-US" dirty="0" smtClean="0"/>
-              <a:t>The remote web loads the SPRequestExecutor.js library</a:t>
-            </a:r>
-          </a:p>
-          <a:p>
-            <a:pPr marL="228600" indent="-228600">
-              <a:buAutoNum type="arabicPeriod"/>
-            </a:pPr>
-            <a:r>
-              <a:rPr lang="en-US" dirty="0" smtClean="0"/>
-              <a:t>The remote web create a new </a:t>
-            </a:r>
-            <a:r>
-              <a:rPr lang="en-US" dirty="0" err="1" smtClean="0"/>
-              <a:t>SP.RequestExecutor</a:t>
-            </a:r>
-            <a:r>
-              <a:rPr lang="en-US" dirty="0" smtClean="0"/>
-              <a:t> object, initializing it with the URL of the app web</a:t>
-            </a:r>
-          </a:p>
-          <a:p>
-            <a:pPr marL="228600" indent="-228600">
-              <a:buAutoNum type="arabicPeriod"/>
-            </a:pPr>
-            <a:r>
-              <a:rPr lang="en-US" dirty="0" smtClean="0"/>
-              <a:t>This causes a hidden IFRAME to be created, which loads APPWebProxy.aspx from the LAYOUTS directory</a:t>
-            </a:r>
-          </a:p>
-          <a:p>
-            <a:pPr marL="228600" indent="-228600">
-              <a:buAutoNum type="arabicPeriod"/>
-            </a:pPr>
-            <a:r>
-              <a:rPr lang="en-US" dirty="0" smtClean="0"/>
-              <a:t>The </a:t>
-            </a:r>
-            <a:r>
-              <a:rPr lang="en-US" dirty="0" err="1" smtClean="0"/>
-              <a:t>SP.RequestExecutor</a:t>
-            </a:r>
-            <a:r>
-              <a:rPr lang="en-US" dirty="0" smtClean="0"/>
-              <a:t> object uses the HTML5 </a:t>
-            </a:r>
-            <a:r>
-              <a:rPr lang="en-US" dirty="0" err="1" smtClean="0"/>
-              <a:t>postmessage</a:t>
-            </a:r>
-            <a:r>
-              <a:rPr lang="en-US" dirty="0" smtClean="0"/>
-              <a:t> command to send requests from the remote web</a:t>
-            </a:r>
-          </a:p>
-          <a:p>
-            <a:pPr marL="228600" indent="-228600">
-              <a:buAutoNum type="arabicPeriod"/>
-            </a:pPr>
-            <a:r>
-              <a:rPr lang="en-US" dirty="0" smtClean="0"/>
-              <a:t>The request is executed by the AppWebProxy.aspx page</a:t>
-            </a:r>
-          </a:p>
-          <a:p>
-            <a:pPr marL="228600" indent="-228600">
-              <a:buAutoNum type="arabicPeriod"/>
-            </a:pPr>
-            <a:r>
-              <a:rPr lang="en-US" dirty="0" smtClean="0"/>
-              <a:t>The response is returned</a:t>
+              <a:t>When calling the host web, you must switch the context</a:t>
             </a:r>
             <a:endParaRPr lang="en-US" dirty="0"/>
           </a:p>
@@ -4096,9 +4251,9 @@
           <a:bodyPr/>
           <a:lstStyle/>
           <a:p>
-            <a:fld id="{011330EA-3A2F-4AA6-9551-59328781FD06}" type="datetime1">
+            <a:fld id="{64C927B8-48AC-4209-AA95-18D990AB88E8}" type="datetime1">
               <a:rPr lang="en-US" smtClean="0"/>
-              <a:t>10/24/2014</a:t>
+              <a:t>5/31/2015</a:t>
             </a:fld>
             <a:endParaRPr lang="en-US"/>
           </a:p>
@@ -4121,7 +4276,7 @@
           <a:p>
             <a:fld id="{B4008EB6-D09E-4580-8CD6-DDB14511944F}" type="slidenum">
               <a:rPr lang="en-US" smtClean="0"/>
-              <a:t>38</a:t>
+              <a:t>37</a:t>
             </a:fld>
             <a:endParaRPr lang="en-US" dirty="0"/>
           </a:p>
@@ -4229,7 +4384,7 @@
     </p:spTree>
     <p:extLst>
       <p:ext uri="{BB962C8B-B14F-4D97-AF65-F5344CB8AC3E}">
-        <p14:creationId xmlns:p14="http://schemas.microsoft.com/office/powerpoint/2010/main" val="1504649696"/>
+        <p14:creationId xmlns:p14="http://schemas.microsoft.com/office/powerpoint/2010/main" val="279782320"/>
       </p:ext>
     </p:extLst>
   </p:cSld>
@@ -4283,10 +4438,29 @@
           <a:bodyPr/>
           <a:lstStyle/>
           <a:p>
+            <a:pPr marL="0" marR="0" indent="0" algn="l" defTabSz="914363" rtl="0" eaLnBrk="1" fontAlgn="auto" latinLnBrk="0" hangingPunct="1">
+              <a:lnSpc>
+                <a:spcPct val="90000"/>
+              </a:lnSpc>
+              <a:spcBef>
+                <a:spcPts val="0"/>
+              </a:spcBef>
+              <a:spcAft>
+                <a:spcPts val="333"/>
+              </a:spcAft>
+              <a:buClrTx/>
+              <a:buSzTx/>
+              <a:buFontTx/>
+              <a:buNone/>
+              <a:tabLst/>
+              <a:defRPr/>
+            </a:pPr>
             <a:r>
               <a:rPr lang="en-US" dirty="0" smtClean="0"/>
               <a:t>When calling the host web, you must switch the context</a:t>
             </a:r>
+          </a:p>
+          <a:p>
             <a:endParaRPr lang="en-US" dirty="0"/>
           </a:p>
         </p:txBody>
@@ -4306,9 +4480,9 @@
           <a:bodyPr/>
           <a:lstStyle/>
           <a:p>
-            <a:fld id="{64C927B8-48AC-4209-AA95-18D990AB88E8}" type="datetime1">
+            <a:fld id="{BC8BD616-3C53-4769-B049-3FE930DDEF97}" type="datetime1">
               <a:rPr lang="en-US" smtClean="0"/>
-              <a:t>10/24/2014</a:t>
+              <a:t>5/31/2015</a:t>
             </a:fld>
             <a:endParaRPr lang="en-US"/>
           </a:p>
@@ -4331,7 +4505,7 @@
           <a:p>
             <a:fld id="{B4008EB6-D09E-4580-8CD6-DDB14511944F}" type="slidenum">
               <a:rPr lang="en-US" smtClean="0"/>
-              <a:t>39</a:t>
+              <a:t>38</a:t>
             </a:fld>
             <a:endParaRPr lang="en-US" dirty="0"/>
           </a:p>
@@ -4439,7 +4613,7 @@
     </p:spTree>
     <p:extLst>
       <p:ext uri="{BB962C8B-B14F-4D97-AF65-F5344CB8AC3E}">
-        <p14:creationId xmlns:p14="http://schemas.microsoft.com/office/powerpoint/2010/main" val="279782320"/>
+        <p14:creationId xmlns:p14="http://schemas.microsoft.com/office/powerpoint/2010/main" val="3143704054"/>
       </p:ext>
     </p:extLst>
   </p:cSld>
@@ -4493,41 +4667,18 @@
           <a:bodyPr/>
           <a:lstStyle/>
           <a:p>
-            <a:pPr marL="0" marR="0" indent="0" algn="l" defTabSz="914363" rtl="0" eaLnBrk="1" fontAlgn="auto" latinLnBrk="0" hangingPunct="1">
-              <a:lnSpc>
-                <a:spcPct val="90000"/>
-              </a:lnSpc>
-              <a:spcBef>
-                <a:spcPts val="0"/>
-              </a:spcBef>
-              <a:spcAft>
-                <a:spcPts val="333"/>
-              </a:spcAft>
-              <a:buClrTx/>
-              <a:buSzTx/>
-              <a:buFontTx/>
-              <a:buNone/>
-              <a:tabLst/>
-              <a:defRPr/>
-            </a:pPr>
-            <a:r>
-              <a:rPr lang="en-US" dirty="0" smtClean="0"/>
-              <a:t>When calling the host web, you must switch the context</a:t>
-            </a:r>
-          </a:p>
-          <a:p>
             <a:endParaRPr lang="en-US" dirty="0"/>
           </a:p>
         </p:txBody>
       </p:sp>
       <p:sp>
         <p:nvSpPr>
-          <p:cNvPr id="4" name="Date Placeholder 3"/>
+          <p:cNvPr id="4" name="Footer Placeholder 3"/>
           <p:cNvSpPr>
             <a:spLocks noGrp="1"/>
           </p:cNvSpPr>
           <p:nvPr>
-            <p:ph type="dt" idx="10"/>
+            <p:ph type="ftr" sz="quarter" idx="10"/>
           </p:nvPr>
         </p:nvSpPr>
         <p:spPr/>
@@ -4535,85 +4686,16 @@
           <a:bodyPr/>
           <a:lstStyle/>
           <a:p>
-            <a:fld id="{BC8BD616-3C53-4769-B049-3FE930DDEF97}" type="datetime1">
-              <a:rPr lang="en-US" smtClean="0"/>
-              <a:t>10/24/2014</a:t>
-            </a:fld>
-            <a:endParaRPr lang="en-US"/>
-          </a:p>
-        </p:txBody>
-      </p:sp>
-      <p:sp>
-        <p:nvSpPr>
-          <p:cNvPr id="5" name="Slide Number Placeholder 4"/>
-          <p:cNvSpPr>
-            <a:spLocks noGrp="1"/>
-          </p:cNvSpPr>
-          <p:nvPr>
-            <p:ph type="sldNum" sz="quarter" idx="11"/>
-          </p:nvPr>
-        </p:nvSpPr>
-        <p:spPr/>
-        <p:txBody>
-          <a:bodyPr/>
-          <a:lstStyle/>
-          <a:p>
-            <a:fld id="{B4008EB6-D09E-4580-8CD6-DDB14511944F}" type="slidenum">
-              <a:rPr lang="en-US" smtClean="0"/>
-              <a:t>40</a:t>
-            </a:fld>
-            <a:endParaRPr lang="en-US" dirty="0"/>
-          </a:p>
-        </p:txBody>
-      </p:sp>
-      <p:sp>
-        <p:nvSpPr>
-          <p:cNvPr id="6" name="Header Placeholder 5"/>
-          <p:cNvSpPr>
-            <a:spLocks noGrp="1"/>
-          </p:cNvSpPr>
-          <p:nvPr>
-            <p:ph type="hdr" sz="quarter" idx="12"/>
-          </p:nvPr>
-        </p:nvSpPr>
-        <p:spPr/>
-        <p:txBody>
-          <a:bodyPr/>
-          <a:lstStyle/>
-          <a:p>
-            <a:r>
-              <a:rPr lang="en-US" smtClean="0"/>
-              <a:t>Microsoft Office</a:t>
-            </a:r>
-            <a:endParaRPr lang="en-US" dirty="0"/>
-          </a:p>
-        </p:txBody>
-      </p:sp>
-      <p:sp>
-        <p:nvSpPr>
-          <p:cNvPr id="7" name="Footer Placeholder 6"/>
-          <p:cNvSpPr>
-            <a:spLocks noGrp="1"/>
-          </p:cNvSpPr>
-          <p:nvPr>
-            <p:ph type="ftr" sz="quarter" idx="13"/>
-          </p:nvPr>
-        </p:nvSpPr>
-        <p:spPr/>
-        <p:txBody>
-          <a:bodyPr/>
-          <a:lstStyle/>
-          <a:p>
-            <a:pPr marL="231775" defTabSz="914099" eaLnBrk="0" hangingPunct="0"/>
-            <a:r>
-              <a:rPr lang="en-US" sz="500" smtClean="0">
+            <a:pPr defTabSz="914099" eaLnBrk="0" hangingPunct="0"/>
+            <a:r>
+              <a:rPr lang="en-US" sz="400" smtClean="0">
                 <a:gradFill>
                   <a:gsLst>
                     <a:gs pos="0">
-                      <a:schemeClr val="tx1"/>
+                      <a:prstClr val="black"/>
                     </a:gs>
                     <a:gs pos="100000">
-                      <a:schemeClr val="tx1"/>
+                      <a:prstClr val="black"/>
                     </a:gs>
                   </a:gsLst>
                   <a:lin ang="5400000" scaled="0"/>
@@ -4622,38 +4704,16 @@
                 <a:ea typeface="Segoe UI" pitchFamily="34" charset="0"/>
                 <a:cs typeface="Segoe UI" pitchFamily="34" charset="0"/>
               </a:rPr>
-              <a:t>© 2012 Microsoft Corporation. All rights reserved. Microsoft, Windows, and other product names are or may be registered trademarks and/or trademarks in the U.S. and/or other countries.</a:t>
-            </a:r>
-          </a:p>
-          <a:p>
-            <a:pPr marL="231775" defTabSz="914099" eaLnBrk="0" hangingPunct="0"/>
-            <a:r>
-              <a:rPr lang="en-US" sz="500" smtClean="0">
-                <a:gradFill>
-                  <a:gsLst>
-                    <a:gs pos="0">
-                      <a:schemeClr val="tx1"/>
-                    </a:gs>
-                    <a:gs pos="100000">
-                      <a:schemeClr val="tx1"/>
-                    </a:gs>
-                  </a:gsLst>
-                  <a:lin ang="5400000" scaled="0"/>
-                </a:gradFill>
-                <a:latin typeface="Segoe UI" pitchFamily="34" charset="0"/>
-                <a:ea typeface="Segoe UI" pitchFamily="34" charset="0"/>
-                <a:cs typeface="Segoe UI" pitchFamily="34" charset="0"/>
-              </a:rPr>
-              <a:t>The information herein is for informational purposes only and represents the current view of Microsoft Corporation as of the date of this presentation.  Because Microsoft must respond to changing market conditions, it should not be interpreted to be a commitment on the part of Microsoft, and Microsoft cannot guarantee the accuracy of any information provided after the date of this presentation.  MICROSOFT MAKES NO WARRANTIES, EXPRESS, IMPLIED OR STATUTORY, AS TO THE INFORMATION IN THIS PRESENTATION.</a:t>
-            </a:r>
-            <a:endParaRPr lang="en-US" sz="500" dirty="0">
+              <a:t>© 2014 Microsoft Corporation. All rights reserved. Microsoft, Windows, and other product names are or may be registered trademarks and/or trademarks in the U.S. and/or other countries. The information herein is for informational purposes only and represents the current view of Microsoft Corporation as of the date of this presentation.  Because Microsoft must respond to changing market conditions, it should not be interpreted to be a commitment on the part of Microsoft, and Microsoft cannot guarantee the accuracy of any information provided after the date of this presentation.  MICROSOFT MAKES NO WARRANTIES, EXPRESS, IMPLIED OR STATUTORY, AS TO THE INFORMATION IN THIS PRESENTATION.</a:t>
+            </a:r>
+            <a:endParaRPr lang="en-US" sz="400" dirty="0" smtClean="0">
               <a:gradFill>
                 <a:gsLst>
                   <a:gs pos="0">
-                    <a:schemeClr val="tx1"/>
+                    <a:prstClr val="black"/>
                   </a:gs>
                   <a:gs pos="100000">
-                    <a:schemeClr val="tx1"/>
+                    <a:prstClr val="black"/>
                   </a:gs>
                 </a:gsLst>
                 <a:lin ang="5400000" scaled="0"/>
@@ -4665,10 +4725,80 @@
           </a:p>
         </p:txBody>
       </p:sp>
+      <p:sp>
+        <p:nvSpPr>
+          <p:cNvPr id="5" name="Date Placeholder 4"/>
+          <p:cNvSpPr>
+            <a:spLocks noGrp="1"/>
+          </p:cNvSpPr>
+          <p:nvPr>
+            <p:ph type="dt" idx="11"/>
+          </p:nvPr>
+        </p:nvSpPr>
+        <p:spPr/>
+        <p:txBody>
+          <a:bodyPr/>
+          <a:lstStyle/>
+          <a:p>
+            <a:fld id="{B079C3B8-7366-4A44-A34B-3977080C19E7}" type="datetime1">
+              <a:rPr lang="en-US" smtClean="0"/>
+              <a:t>5/31/2015</a:t>
+            </a:fld>
+            <a:endParaRPr lang="en-US" dirty="0"/>
+          </a:p>
+        </p:txBody>
+      </p:sp>
+      <p:sp>
+        <p:nvSpPr>
+          <p:cNvPr id="6" name="Slide Number Placeholder 5"/>
+          <p:cNvSpPr>
+            <a:spLocks noGrp="1"/>
+          </p:cNvSpPr>
+          <p:nvPr>
+            <p:ph type="sldNum" sz="quarter" idx="12"/>
+          </p:nvPr>
+        </p:nvSpPr>
+        <p:spPr/>
+        <p:txBody>
+          <a:bodyPr/>
+          <a:lstStyle/>
+          <a:p>
+            <a:fld id="{B4008EB6-D09E-4580-8CD6-DDB14511944F}" type="slidenum">
+              <a:rPr lang="en-US" smtClean="0"/>
+              <a:pPr/>
+              <a:t>39</a:t>
+            </a:fld>
+            <a:endParaRPr lang="en-US" dirty="0"/>
+          </a:p>
+        </p:txBody>
+      </p:sp>
+      <p:sp>
+        <p:nvSpPr>
+          <p:cNvPr id="7" name="Header Placeholder 6"/>
+          <p:cNvSpPr>
+            <a:spLocks noGrp="1"/>
+          </p:cNvSpPr>
+          <p:nvPr>
+            <p:ph type="hdr" sz="quarter" idx="13"/>
+          </p:nvPr>
+        </p:nvSpPr>
+        <p:spPr/>
+        <p:txBody>
+          <a:bodyPr/>
+          <a:lstStyle/>
+          <a:p>
+            <a:r>
+              <a:rPr lang="en-US" smtClean="0"/>
+              <a:t>Build 2014</a:t>
+            </a:r>
+            <a:endParaRPr lang="en-US" dirty="0"/>
+          </a:p>
+        </p:txBody>
+      </p:sp>
     </p:spTree>
     <p:extLst>
       <p:ext uri="{BB962C8B-B14F-4D97-AF65-F5344CB8AC3E}">
-        <p14:creationId xmlns:p14="http://schemas.microsoft.com/office/powerpoint/2010/main" val="3143704054"/>
+        <p14:creationId xmlns:p14="http://schemas.microsoft.com/office/powerpoint/2010/main" val="2718827734"/>
       </p:ext>
     </p:extLst>
   </p:cSld>
@@ -4722,21 +4852,56 @@
           <a:bodyPr/>
           <a:lstStyle/>
           <a:p>
+            <a:endParaRPr lang="en-US"/>
+          </a:p>
+        </p:txBody>
+      </p:sp>
+      <p:sp>
+        <p:nvSpPr>
+          <p:cNvPr id="4" name="Header Placeholder 3"/>
+          <p:cNvSpPr>
+            <a:spLocks noGrp="1"/>
+          </p:cNvSpPr>
+          <p:nvPr>
+            <p:ph type="hdr" sz="quarter" idx="10"/>
+          </p:nvPr>
+        </p:nvSpPr>
+        <p:spPr>
+          <a:xfrm>
+            <a:off x="0" y="0"/>
+            <a:ext cx="2971800" cy="457200"/>
+          </a:xfrm>
+          <a:prstGeom prst="rect">
+            <a:avLst/>
+          </a:prstGeom>
+        </p:spPr>
+        <p:txBody>
+          <a:bodyPr/>
+          <a:lstStyle/>
+          <a:p>
             <a:endParaRPr lang="en-US" dirty="0"/>
           </a:p>
         </p:txBody>
       </p:sp>
       <p:sp>
         <p:nvSpPr>
-          <p:cNvPr id="4" name="Footer Placeholder 3"/>
+          <p:cNvPr id="5" name="Footer Placeholder 4"/>
           <p:cNvSpPr>
             <a:spLocks noGrp="1"/>
           </p:cNvSpPr>
           <p:nvPr>
-            <p:ph type="ftr" sz="quarter" idx="10"/>
-          </p:nvPr>
-        </p:nvSpPr>
-        <p:spPr/>
+            <p:ph type="ftr" sz="quarter" idx="11"/>
+          </p:nvPr>
+        </p:nvSpPr>
+        <p:spPr>
+          <a:xfrm>
+            <a:off x="0" y="8686800"/>
+            <a:ext cx="5920740" cy="355964"/>
+          </a:xfrm>
+          <a:prstGeom prst="rect">
+            <a:avLst/>
+          </a:prstGeom>
+        </p:spPr>
         <p:txBody>
           <a:bodyPr/>
           <a:lstStyle/>
@@ -4759,7 +4924,29 @@
                 <a:ea typeface="Segoe UI" pitchFamily="34" charset="0"/>
                 <a:cs typeface="Segoe UI" pitchFamily="34" charset="0"/>
               </a:rPr>
-              <a:t>© 2014 Microsoft Corporation. All rights reserved. Microsoft, Windows, and other product names are or may be registered trademarks and/or trademarks in the U.S. and/or other countries. The information herein is for informational purposes only and represents the current view of Microsoft Corporation as of the date of this presentation.  Because Microsoft must respond to changing market conditions, it should not be interpreted to be a commitment on the part of Microsoft, and Microsoft cannot guarantee the accuracy of any information provided after the date of this presentation.  MICROSOFT MAKES NO WARRANTIES, EXPRESS, IMPLIED OR STATUTORY, AS TO THE INFORMATION IN THIS PRESENTATION.</a:t>
+              <a:t>© 2012 Microsoft Corporation. All rights reserved. Microsoft, Windows, and other product names are or may be registered trademarks and/or trademarks in the U.S. and/or other countries.</a:t>
+            </a:r>
+          </a:p>
+          <a:p>
+            <a:pPr defTabSz="914099" eaLnBrk="0" hangingPunct="0"/>
+            <a:r>
+              <a:rPr lang="en-US" sz="400" smtClean="0">
+                <a:gradFill>
+                  <a:gsLst>
+                    <a:gs pos="0">
+                      <a:prstClr val="black"/>
+                    </a:gs>
+                    <a:gs pos="100000">
+                      <a:prstClr val="black"/>
+                    </a:gs>
+                  </a:gsLst>
+                  <a:lin ang="5400000" scaled="0"/>
+                </a:gradFill>
+                <a:latin typeface="Segoe UI" pitchFamily="34" charset="0"/>
+                <a:ea typeface="Segoe UI" pitchFamily="34" charset="0"/>
+                <a:cs typeface="Segoe UI" pitchFamily="34" charset="0"/>
+              </a:rPr>
+              <a:t>The information herein is for informational purposes only and represents the current view of Microsoft Corporation as of the date of this presentation.  Because Microsoft must respond to changing market conditions, it should not be interpreted to be a commitment on the part of Microsoft, and Microsoft cannot guarantee the accuracy of any information provided after the date of this presentation.  MICROSOFT MAKES NO WARRANTIES, EXPRESS, IMPLIED OR STATUTORY, AS TO THE INFORMATION IN THIS PRESENTATION.</a:t>
             </a:r>
             <a:endParaRPr lang="en-US" sz="400" dirty="0" smtClean="0">
               <a:gradFill>
@@ -4782,12 +4969,12 @@
       </p:sp>
       <p:sp>
         <p:nvSpPr>
-          <p:cNvPr id="5" name="Date Placeholder 4"/>
+          <p:cNvPr id="6" name="Date Placeholder 5"/>
           <p:cNvSpPr>
             <a:spLocks noGrp="1"/>
           </p:cNvSpPr>
           <p:nvPr>
-            <p:ph type="dt" idx="11"/>
+            <p:ph type="dt" idx="12"/>
           </p:nvPr>
         </p:nvSpPr>
         <p:spPr/>
@@ -4795,22 +4982,22 @@
           <a:bodyPr/>
           <a:lstStyle/>
           <a:p>
-            <a:fld id="{B079C3B8-7366-4A44-A34B-3977080C19E7}" type="datetime1">
+            <a:fld id="{0BB6559B-C68D-49B4-97AE-9BB74C417927}" type="datetime1">
               <a:rPr lang="en-US" smtClean="0"/>
-              <a:t>10/24/2014</a:t>
+              <a:t>5/31/2015</a:t>
             </a:fld>
-            <a:endParaRPr lang="en-US" dirty="0"/>
-          </a:p>
-        </p:txBody>
-      </p:sp>
-      <p:sp>
-        <p:nvSpPr>
-          <p:cNvPr id="6" name="Slide Number Placeholder 5"/>
+            <a:endParaRPr lang="en-US"/>
+          </a:p>
+        </p:txBody>
+      </p:sp>
+      <p:sp>
+        <p:nvSpPr>
+          <p:cNvPr id="7" name="Slide Number Placeholder 6"/>
           <p:cNvSpPr>
             <a:spLocks noGrp="1"/>
           </p:cNvSpPr>
           <p:nvPr>
-            <p:ph type="sldNum" sz="quarter" idx="12"/>
+            <p:ph type="sldNum" sz="quarter" idx="13"/>
           </p:nvPr>
         </p:nvSpPr>
         <p:spPr/>
@@ -4820,249 +5007,7 @@
           <a:p>
             <a:fld id="{B4008EB6-D09E-4580-8CD6-DDB14511944F}" type="slidenum">
               <a:rPr lang="en-US" smtClean="0"/>
-              <a:pPr/>
-              <a:t>41</a:t>
-            </a:fld>
-            <a:endParaRPr lang="en-US" dirty="0"/>
-          </a:p>
-        </p:txBody>
-      </p:sp>
-      <p:sp>
-        <p:nvSpPr>
-          <p:cNvPr id="7" name="Header Placeholder 6"/>
-          <p:cNvSpPr>
-            <a:spLocks noGrp="1"/>
-          </p:cNvSpPr>
-          <p:nvPr>
-            <p:ph type="hdr" sz="quarter" idx="13"/>
-          </p:nvPr>
-        </p:nvSpPr>
-        <p:spPr/>
-        <p:txBody>
-          <a:bodyPr/>
-          <a:lstStyle/>
-          <a:p>
-            <a:r>
-              <a:rPr lang="en-US" smtClean="0"/>
-              <a:t>Build 2014</a:t>
-            </a:r>
-            <a:endParaRPr lang="en-US" dirty="0"/>
-          </a:p>
-        </p:txBody>
-      </p:sp>
-    </p:spTree>
-    <p:extLst>
-      <p:ext uri="{BB962C8B-B14F-4D97-AF65-F5344CB8AC3E}">
-        <p14:creationId xmlns:p14="http://schemas.microsoft.com/office/powerpoint/2010/main" val="2718827734"/>
-      </p:ext>
-    </p:extLst>
-  </p:cSld>
-  <p:clrMapOvr>
-    <a:masterClrMapping/>
-  </p:clrMapOvr>
-</p:notes>
-</file>
-
-<file path=ppt/notesSlides/notesSlide26.xml><?xml version="1.0" encoding="utf-8"?>
-<p:notes xmlns:a="http://schemas.openxmlformats.org/drawingml/2006/main" xmlns:r="http://schemas.openxmlformats.org/officeDocument/2006/relationships" xmlns:p="http://schemas.openxmlformats.org/presentationml/2006/main">
-  <p:cSld>
-    <p:spTree>
-      <p:nvGrpSpPr>
-        <p:cNvPr id="1" name=""/>
-        <p:cNvGrpSpPr/>
-        <p:nvPr/>
-      </p:nvGrpSpPr>
-      <p:grpSpPr>
-        <a:xfrm>
-          <a:off x="0" y="0"/>
-          <a:ext cx="0" cy="0"/>
-          <a:chOff x="0" y="0"/>
-          <a:chExt cx="0" cy="0"/>
-        </a:xfrm>
-      </p:grpSpPr>
-      <p:sp>
-        <p:nvSpPr>
-          <p:cNvPr id="2" name="Slide Image Placeholder 1"/>
-          <p:cNvSpPr>
-            <a:spLocks noGrp="1" noRot="1" noChangeAspect="1"/>
-          </p:cNvSpPr>
-          <p:nvPr>
-            <p:ph type="sldImg"/>
-          </p:nvPr>
-        </p:nvSpPr>
-        <p:spPr/>
-      </p:sp>
-      <p:sp>
-        <p:nvSpPr>
-          <p:cNvPr id="3" name="Notes Placeholder 2"/>
-          <p:cNvSpPr>
-            <a:spLocks noGrp="1"/>
-          </p:cNvSpPr>
-          <p:nvPr>
-            <p:ph type="body" idx="1"/>
-          </p:nvPr>
-        </p:nvSpPr>
-        <p:spPr/>
-        <p:txBody>
-          <a:bodyPr/>
-          <a:lstStyle/>
-          <a:p>
-            <a:endParaRPr lang="en-US"/>
-          </a:p>
-        </p:txBody>
-      </p:sp>
-      <p:sp>
-        <p:nvSpPr>
-          <p:cNvPr id="4" name="Header Placeholder 3"/>
-          <p:cNvSpPr>
-            <a:spLocks noGrp="1"/>
-          </p:cNvSpPr>
-          <p:nvPr>
-            <p:ph type="hdr" sz="quarter" idx="10"/>
-          </p:nvPr>
-        </p:nvSpPr>
-        <p:spPr>
-          <a:xfrm>
-            <a:off x="0" y="0"/>
-            <a:ext cx="2971800" cy="457200"/>
-          </a:xfrm>
-          <a:prstGeom prst="rect">
-            <a:avLst/>
-          </a:prstGeom>
-        </p:spPr>
-        <p:txBody>
-          <a:bodyPr/>
-          <a:lstStyle/>
-          <a:p>
-            <a:endParaRPr lang="en-US" dirty="0"/>
-          </a:p>
-        </p:txBody>
-      </p:sp>
-      <p:sp>
-        <p:nvSpPr>
-          <p:cNvPr id="5" name="Footer Placeholder 4"/>
-          <p:cNvSpPr>
-            <a:spLocks noGrp="1"/>
-          </p:cNvSpPr>
-          <p:nvPr>
-            <p:ph type="ftr" sz="quarter" idx="11"/>
-          </p:nvPr>
-        </p:nvSpPr>
-        <p:spPr>
-          <a:xfrm>
-            <a:off x="0" y="8686800"/>
-            <a:ext cx="5920740" cy="355964"/>
-          </a:xfrm>
-          <a:prstGeom prst="rect">
-            <a:avLst/>
-          </a:prstGeom>
-        </p:spPr>
-        <p:txBody>
-          <a:bodyPr/>
-          <a:lstStyle/>
-          <a:p>
-            <a:pPr defTabSz="914099" eaLnBrk="0" hangingPunct="0"/>
-            <a:r>
-              <a:rPr lang="en-US" sz="400" smtClean="0">
-                <a:gradFill>
-                  <a:gsLst>
-                    <a:gs pos="0">
-                      <a:prstClr val="black"/>
-                    </a:gs>
-                    <a:gs pos="100000">
-                      <a:prstClr val="black"/>
-                    </a:gs>
-                  </a:gsLst>
-                  <a:lin ang="5400000" scaled="0"/>
-                </a:gradFill>
-                <a:latin typeface="Segoe UI" pitchFamily="34" charset="0"/>
-                <a:ea typeface="Segoe UI" pitchFamily="34" charset="0"/>
-                <a:cs typeface="Segoe UI" pitchFamily="34" charset="0"/>
-              </a:rPr>
-              <a:t>© 2012 Microsoft Corporation. All rights reserved. Microsoft, Windows, and other product names are or may be registered trademarks and/or trademarks in the U.S. and/or other countries.</a:t>
-            </a:r>
-          </a:p>
-          <a:p>
-            <a:pPr defTabSz="914099" eaLnBrk="0" hangingPunct="0"/>
-            <a:r>
-              <a:rPr lang="en-US" sz="400" smtClean="0">
-                <a:gradFill>
-                  <a:gsLst>
-                    <a:gs pos="0">
-                      <a:prstClr val="black"/>
-                    </a:gs>
-                    <a:gs pos="100000">
-                      <a:prstClr val="black"/>
-                    </a:gs>
-                  </a:gsLst>
-                  <a:lin ang="5400000" scaled="0"/>
-                </a:gradFill>
-                <a:latin typeface="Segoe UI" pitchFamily="34" charset="0"/>
-                <a:ea typeface="Segoe UI" pitchFamily="34" charset="0"/>
-                <a:cs typeface="Segoe UI" pitchFamily="34" charset="0"/>
-              </a:rPr>
-              <a:t>The information herein is for informational purposes only and represents the current view of Microsoft Corporation as of the date of this presentation.  Because Microsoft must respond to changing market conditions, it should not be interpreted to be a commitment on the part of Microsoft, and Microsoft cannot guarantee the accuracy of any information provided after the date of this presentation.  MICROSOFT MAKES NO WARRANTIES, EXPRESS, IMPLIED OR STATUTORY, AS TO THE INFORMATION IN THIS PRESENTATION.</a:t>
-            </a:r>
-            <a:endParaRPr lang="en-US" sz="400" dirty="0" smtClean="0">
-              <a:gradFill>
-                <a:gsLst>
-                  <a:gs pos="0">
-                    <a:prstClr val="black"/>
-                  </a:gs>
-                  <a:gs pos="100000">
-                    <a:prstClr val="black"/>
-                  </a:gs>
-                </a:gsLst>
-                <a:lin ang="5400000" scaled="0"/>
-              </a:gradFill>
-              <a:latin typeface="Segoe UI" pitchFamily="34" charset="0"/>
-              <a:ea typeface="Segoe UI" pitchFamily="34" charset="0"/>
-              <a:cs typeface="Segoe UI" pitchFamily="34" charset="0"/>
-            </a:endParaRPr>
-          </a:p>
-        </p:txBody>
-      </p:sp>
-      <p:sp>
-        <p:nvSpPr>
-          <p:cNvPr id="6" name="Date Placeholder 5"/>
-          <p:cNvSpPr>
-            <a:spLocks noGrp="1"/>
-          </p:cNvSpPr>
-          <p:nvPr>
-            <p:ph type="dt" idx="12"/>
-          </p:nvPr>
-        </p:nvSpPr>
-        <p:spPr/>
-        <p:txBody>
-          <a:bodyPr/>
-          <a:lstStyle/>
-          <a:p>
-            <a:fld id="{0BB6559B-C68D-49B4-97AE-9BB74C417927}" type="datetime1">
-              <a:rPr lang="en-US" smtClean="0"/>
-              <a:t>10/24/2014</a:t>
-            </a:fld>
-            <a:endParaRPr lang="en-US"/>
-          </a:p>
-        </p:txBody>
-      </p:sp>
-      <p:sp>
-        <p:nvSpPr>
-          <p:cNvPr id="7" name="Slide Number Placeholder 6"/>
-          <p:cNvSpPr>
-            <a:spLocks noGrp="1"/>
-          </p:cNvSpPr>
-          <p:nvPr>
-            <p:ph type="sldNum" sz="quarter" idx="13"/>
-          </p:nvPr>
-        </p:nvSpPr>
-        <p:spPr/>
-        <p:txBody>
-          <a:bodyPr/>
-          <a:lstStyle/>
-          <a:p>
-            <a:fld id="{B4008EB6-D09E-4580-8CD6-DDB14511944F}" type="slidenum">
-              <a:rPr lang="en-US" smtClean="0"/>
-              <a:t>42</a:t>
+              <a:t>40</a:t>
             </a:fld>
             <a:endParaRPr lang="en-US" dirty="0"/>
           </a:p>
@@ -5125,50 +5070,6 @@
           <a:bodyPr/>
           <a:lstStyle/>
           <a:p>
-            <a:r>
-              <a:rPr lang="en-US" dirty="0" smtClean="0"/>
-              <a:t>Remote web is deployed on separate infrastructure</a:t>
-            </a:r>
-          </a:p>
-          <a:p>
-            <a:r>
-              <a:rPr lang="en-US" dirty="0" smtClean="0"/>
-              <a:t>Typically this is Azure web sites, but can be anything</a:t>
-            </a:r>
-          </a:p>
-          <a:p>
-            <a:r>
-              <a:rPr lang="en-US" dirty="0" smtClean="0"/>
-              <a:t>Solution may or may not have an App Web depending upon whether anything is deployed (like</a:t>
-            </a:r>
-            <a:r>
-              <a:rPr lang="en-US" baseline="0" dirty="0" smtClean="0"/>
-              <a:t> lists or libraries in the App Web)</a:t>
-            </a:r>
-          </a:p>
-          <a:p>
-            <a:r>
-              <a:rPr lang="en-US" baseline="0" dirty="0" smtClean="0"/>
-              <a:t>Host web can be accessed by remote web using </a:t>
-            </a:r>
-            <a:r>
-              <a:rPr lang="en-US" baseline="0" dirty="0" err="1" smtClean="0"/>
-              <a:t>OAuth</a:t>
-            </a:r>
-            <a:r>
-              <a:rPr lang="en-US" baseline="0" dirty="0" smtClean="0"/>
-              <a:t> or cross-domain library</a:t>
-            </a:r>
-          </a:p>
-          <a:p>
-            <a:r>
-              <a:rPr lang="en-US" dirty="0" smtClean="0"/>
-              <a:t>Additional assets like SQL Azure</a:t>
-            </a:r>
-            <a:r>
-              <a:rPr lang="en-US" baseline="0" dirty="0" smtClean="0"/>
-              <a:t> or web-based REST services can be accessed from the remote web and incorporated into the solution</a:t>
-            </a:r>
             <a:endParaRPr lang="en-US" dirty="0"/>
           </a:p>
         </p:txBody>
@@ -5188,9 +5089,9 @@
           <a:bodyPr/>
           <a:lstStyle/>
           <a:p>
-            <a:fld id="{0C3C20F7-22CF-4B06-A2C4-710BBA74F6A5}" type="datetime1">
+            <a:fld id="{6E50E453-F0F1-4F28-9386-D0CC835A3436}" type="datetime1">
               <a:rPr lang="en-US" smtClean="0"/>
-              <a:t>10/24/2014</a:t>
+              <a:t>5/31/2015</a:t>
             </a:fld>
             <a:endParaRPr lang="en-US"/>
           </a:p>
@@ -5213,7 +5114,7 @@
           <a:p>
             <a:fld id="{B4008EB6-D09E-4580-8CD6-DDB14511944F}" type="slidenum">
               <a:rPr lang="en-US" smtClean="0"/>
-              <a:t>6</a:t>
+              <a:t>5</a:t>
             </a:fld>
             <a:endParaRPr lang="en-US" dirty="0"/>
           </a:p>
@@ -5321,7 +5222,7 @@
     </p:spTree>
     <p:extLst>
       <p:ext uri="{BB962C8B-B14F-4D97-AF65-F5344CB8AC3E}">
-        <p14:creationId xmlns:p14="http://schemas.microsoft.com/office/powerpoint/2010/main" val="1537191079"/>
+        <p14:creationId xmlns:p14="http://schemas.microsoft.com/office/powerpoint/2010/main" val="1819557652"/>
       </p:ext>
     </p:extLst>
   </p:cSld>
@@ -5375,6 +5276,26 @@
           <a:bodyPr/>
           <a:lstStyle/>
           <a:p>
+            <a:r>
+              <a:rPr lang="en-US" dirty="0" smtClean="0"/>
+              <a:t>Provider-hosted</a:t>
+            </a:r>
+            <a:r>
+              <a:rPr lang="en-US" baseline="0" dirty="0" smtClean="0"/>
+              <a:t> apps can use “app only” permissions</a:t>
+            </a:r>
+          </a:p>
+          <a:p>
+            <a:r>
+              <a:rPr lang="en-US" baseline="0" dirty="0" smtClean="0"/>
+              <a:t>Update the App manifest to indicate this is OK</a:t>
+            </a:r>
+          </a:p>
+          <a:p>
+            <a:r>
+              <a:rPr lang="en-US" baseline="0" dirty="0" smtClean="0"/>
+              <a:t>Then you need an app-only token in code</a:t>
+            </a:r>
             <a:endParaRPr lang="en-US" dirty="0"/>
           </a:p>
         </p:txBody>
@@ -5394,9 +5315,9 @@
           <a:bodyPr/>
           <a:lstStyle/>
           <a:p>
-            <a:fld id="{6E50E453-F0F1-4F28-9386-D0CC835A3436}" type="datetime1">
+            <a:fld id="{C032A2CD-423F-467E-9AF6-DEA41E45D21C}" type="datetime1">
               <a:rPr lang="en-US" smtClean="0"/>
-              <a:t>10/24/2014</a:t>
+              <a:t>5/31/2015</a:t>
             </a:fld>
             <a:endParaRPr lang="en-US"/>
           </a:p>
@@ -5419,7 +5340,7 @@
           <a:p>
             <a:fld id="{B4008EB6-D09E-4580-8CD6-DDB14511944F}" type="slidenum">
               <a:rPr lang="en-US" smtClean="0"/>
-              <a:t>7</a:t>
+              <a:t>6</a:t>
             </a:fld>
             <a:endParaRPr lang="en-US" dirty="0"/>
           </a:p>
@@ -5527,7 +5448,7 @@
     </p:spTree>
     <p:extLst>
       <p:ext uri="{BB962C8B-B14F-4D97-AF65-F5344CB8AC3E}">
-        <p14:creationId xmlns:p14="http://schemas.microsoft.com/office/powerpoint/2010/main" val="1819557652"/>
+        <p14:creationId xmlns:p14="http://schemas.microsoft.com/office/powerpoint/2010/main" val="3529177867"/>
       </p:ext>
     </p:extLst>
   </p:cSld>
@@ -5583,23 +5504,83 @@
           <a:p>
             <a:r>
               <a:rPr lang="en-US" dirty="0" smtClean="0"/>
-              <a:t>Provider-hosted</a:t>
+              <a:t>Visual</a:t>
             </a:r>
             <a:r>
               <a:rPr lang="en-US" baseline="0" dirty="0" smtClean="0"/>
-              <a:t> apps can use “app only” permissions</a:t>
-            </a:r>
+              <a:t> Studio supports both ASP.NET Web Forms and MVC5</a:t>
+            </a:r>
+          </a:p>
+          <a:p>
+            <a:endParaRPr lang="en-US" baseline="0" dirty="0" smtClean="0"/>
           </a:p>
           <a:p>
             <a:r>
               <a:rPr lang="en-US" baseline="0" dirty="0" smtClean="0"/>
-              <a:t>Update the App manifest to indicate this is OK</a:t>
+              <a:t>On-premises authorization uses S2S</a:t>
             </a:r>
           </a:p>
           <a:p>
             <a:r>
               <a:rPr lang="en-US" baseline="0" dirty="0" smtClean="0"/>
-              <a:t>Then you need an app-only token in code</a:t>
+              <a:t>Cloud authorization uses </a:t>
+            </a:r>
+            <a:r>
+              <a:rPr lang="en-US" baseline="0" dirty="0" err="1" smtClean="0"/>
+              <a:t>OAuth</a:t>
+            </a:r>
+            <a:r>
+              <a:rPr lang="en-US" baseline="0" dirty="0" smtClean="0"/>
+              <a:t> </a:t>
+            </a:r>
+          </a:p>
+          <a:p>
+            <a:endParaRPr lang="en-US" dirty="0" smtClean="0"/>
+          </a:p>
+          <a:p>
+            <a:r>
+              <a:rPr lang="en-US" dirty="0" smtClean="0"/>
+              <a:t>The </a:t>
+            </a:r>
+            <a:r>
+              <a:rPr lang="en-US" dirty="0" err="1" smtClean="0"/>
+              <a:t>SharePointContextProvider</a:t>
+            </a:r>
+            <a:r>
+              <a:rPr lang="en-US" dirty="0" smtClean="0"/>
+              <a:t> simplifies token management</a:t>
+            </a:r>
+          </a:p>
+          <a:p>
+            <a:r>
+              <a:rPr lang="en-US" dirty="0" smtClean="0"/>
+              <a:t>Managed</a:t>
+            </a:r>
+            <a:r>
+              <a:rPr lang="en-US" baseline="0" dirty="0" smtClean="0"/>
+              <a:t> </a:t>
+            </a:r>
+            <a:r>
+              <a:rPr lang="en-US" baseline="0" dirty="0" err="1" smtClean="0"/>
+              <a:t>CSOm</a:t>
+            </a:r>
+            <a:r>
+              <a:rPr lang="en-US" baseline="0" dirty="0" smtClean="0"/>
+              <a:t> and </a:t>
+            </a:r>
+            <a:r>
+              <a:rPr lang="en-US" baseline="0" dirty="0" err="1" smtClean="0"/>
+              <a:t>RESt</a:t>
+            </a:r>
+            <a:r>
+              <a:rPr lang="en-US" baseline="0" dirty="0" smtClean="0"/>
+              <a:t> can be used directly from the server side</a:t>
+            </a:r>
+          </a:p>
+          <a:p>
+            <a:r>
+              <a:rPr lang="en-US" baseline="0" dirty="0" smtClean="0"/>
+              <a:t>The cross-domain library can be used from JavaScript</a:t>
             </a:r>
             <a:endParaRPr lang="en-US" dirty="0"/>
           </a:p>
@@ -5620,9 +5601,9 @@
           <a:bodyPr/>
           <a:lstStyle/>
           <a:p>
-            <a:fld id="{C032A2CD-423F-467E-9AF6-DEA41E45D21C}" type="datetime1">
+            <a:fld id="{09D58FB4-9AD0-481B-8C84-A17E43C7859F}" type="datetime1">
               <a:rPr lang="en-US" smtClean="0"/>
-              <a:t>10/24/2014</a:t>
+              <a:t>5/31/2015</a:t>
             </a:fld>
             <a:endParaRPr lang="en-US"/>
           </a:p>
@@ -5645,7 +5626,7 @@
           <a:p>
             <a:fld id="{B4008EB6-D09E-4580-8CD6-DDB14511944F}" type="slidenum">
               <a:rPr lang="en-US" smtClean="0"/>
-              <a:t>8</a:t>
+              <a:t>7</a:t>
             </a:fld>
             <a:endParaRPr lang="en-US" dirty="0"/>
           </a:p>
@@ -5753,7 +5734,7 @@
     </p:spTree>
     <p:extLst>
       <p:ext uri="{BB962C8B-B14F-4D97-AF65-F5344CB8AC3E}">
-        <p14:creationId xmlns:p14="http://schemas.microsoft.com/office/powerpoint/2010/main" val="3529177867"/>
+        <p14:creationId xmlns:p14="http://schemas.microsoft.com/office/powerpoint/2010/main" val="582667279"/>
       </p:ext>
     </p:extLst>
   </p:cSld>
@@ -5808,84 +5789,18 @@
           <a:lstStyle/>
           <a:p>
             <a:r>
+              <a:rPr lang="en-US" dirty="0" err="1" smtClean="0"/>
+              <a:t>OAuth</a:t>
+            </a:r>
+            <a:r>
               <a:rPr lang="en-US" dirty="0" smtClean="0"/>
-              <a:t>Visual</a:t>
-            </a:r>
-            <a:r>
-              <a:rPr lang="en-US" baseline="0" dirty="0" smtClean="0"/>
-              <a:t> Studio supports both ASP.NET Web Forms and MVC5</a:t>
-            </a:r>
-          </a:p>
-          <a:p>
-            <a:endParaRPr lang="en-US" baseline="0" dirty="0" smtClean="0"/>
-          </a:p>
-          <a:p>
-            <a:r>
-              <a:rPr lang="en-US" baseline="0" dirty="0" smtClean="0"/>
-              <a:t>On-premises authorization uses S2S</a:t>
-            </a:r>
-          </a:p>
-          <a:p>
-            <a:r>
-              <a:rPr lang="en-US" baseline="0" dirty="0" smtClean="0"/>
-              <a:t>Cloud authorization uses </a:t>
-            </a:r>
-            <a:r>
-              <a:rPr lang="en-US" baseline="0" dirty="0" err="1" smtClean="0"/>
-              <a:t>OAuth</a:t>
-            </a:r>
-            <a:r>
-              <a:rPr lang="en-US" baseline="0" dirty="0" smtClean="0"/>
-              <a:t> </a:t>
-            </a:r>
-          </a:p>
-          <a:p>
-            <a:endParaRPr lang="en-US" dirty="0" smtClean="0"/>
+              <a:t> provides a simple mechanism for end-users to grant a third party access to their data and resources without sharing their passwords. </a:t>
+            </a:r>
           </a:p>
           <a:p>
             <a:r>
               <a:rPr lang="en-US" dirty="0" smtClean="0"/>
-              <a:t>The </a:t>
-            </a:r>
-            <a:r>
-              <a:rPr lang="en-US" dirty="0" err="1" smtClean="0"/>
-              <a:t>SharePointContextProvider</a:t>
-            </a:r>
-            <a:r>
-              <a:rPr lang="en-US" dirty="0" smtClean="0"/>
-              <a:t> simplifies token management</a:t>
-            </a:r>
-          </a:p>
-          <a:p>
-            <a:r>
-              <a:rPr lang="en-US" dirty="0" smtClean="0"/>
-              <a:t>Managed</a:t>
-            </a:r>
-            <a:r>
-              <a:rPr lang="en-US" baseline="0" dirty="0" smtClean="0"/>
-              <a:t> </a:t>
-            </a:r>
-            <a:r>
-              <a:rPr lang="en-US" baseline="0" dirty="0" err="1" smtClean="0"/>
-              <a:t>CSOm</a:t>
-            </a:r>
-            <a:r>
-              <a:rPr lang="en-US" baseline="0" dirty="0" smtClean="0"/>
-              <a:t> and </a:t>
-            </a:r>
-            <a:r>
-              <a:rPr lang="en-US" baseline="0" dirty="0" err="1" smtClean="0"/>
-              <a:t>RESt</a:t>
-            </a:r>
-            <a:r>
-              <a:rPr lang="en-US" baseline="0" dirty="0" smtClean="0"/>
-              <a:t> can be used directly from the server side</a:t>
-            </a:r>
-          </a:p>
-          <a:p>
-            <a:r>
-              <a:rPr lang="en-US" baseline="0" dirty="0" smtClean="0"/>
-              <a:t>The cross-domain library can be used from JavaScript</a:t>
+              <a:t>It also enables the user to grant access limited by scope and duration.</a:t>
             </a:r>
             <a:endParaRPr lang="en-US" dirty="0"/>
           </a:p>
@@ -5906,9 +5821,9 @@
           <a:bodyPr/>
           <a:lstStyle/>
           <a:p>
-            <a:fld id="{09D58FB4-9AD0-481B-8C84-A17E43C7859F}" type="datetime1">
+            <a:fld id="{7A5C1551-8DBF-450A-B3B4-597F4F42AC44}" type="datetime1">
               <a:rPr lang="en-US" smtClean="0"/>
-              <a:t>10/24/2014</a:t>
+              <a:t>5/31/2015</a:t>
             </a:fld>
             <a:endParaRPr lang="en-US"/>
           </a:p>
@@ -6039,7 +5954,7 @@
     </p:spTree>
     <p:extLst>
       <p:ext uri="{BB962C8B-B14F-4D97-AF65-F5344CB8AC3E}">
-        <p14:creationId xmlns:p14="http://schemas.microsoft.com/office/powerpoint/2010/main" val="582667279"/>
+        <p14:creationId xmlns:p14="http://schemas.microsoft.com/office/powerpoint/2010/main" val="1806123175"/>
       </p:ext>
     </p:extLst>
   </p:cSld>
@@ -6094,19 +6009,44 @@
           <a:lstStyle/>
           <a:p>
             <a:r>
+              <a:rPr lang="en-US" dirty="0" smtClean="0"/>
+              <a:t>In the </a:t>
+            </a:r>
+            <a:r>
               <a:rPr lang="en-US" dirty="0" err="1" smtClean="0"/>
               <a:t>OAuth</a:t>
             </a:r>
             <a:r>
               <a:rPr lang="en-US" dirty="0" smtClean="0"/>
-              <a:t> provides a simple mechanism for end-users to grant a third party access to their data and resources without sharing their passwords. </a:t>
-            </a:r>
-          </a:p>
-          <a:p>
+              <a:t> 2.0 model, access to protected resources is done using access tokens —an object with a specific scope, lifetime, and other access attributes. </a:t>
+            </a:r>
+            <a:r>
+              <a:rPr lang="en-US" dirty="0" err="1" smtClean="0"/>
+              <a:t>OAuth</a:t>
+            </a:r>
             <a:r>
               <a:rPr lang="en-US" dirty="0" smtClean="0"/>
-              <a:t>It also enables the user to grant access limited by scope and duration.</a:t>
-            </a:r>
+              <a:t> access tokens are sometimes compared to valet keys. In the same way as a valet key gives restricted access to a car, allowing a valet to drive it but not open the trunk or the glove compartment, the access token allows a client application restricted access to a user’s data at a resource server via tokens issued by an authorization server in response to the user authorizing access.</a:t>
+            </a:r>
+          </a:p>
+          <a:p>
+            <a:endParaRPr lang="en-US" dirty="0" smtClean="0"/>
+          </a:p>
+          <a:p>
+            <a:r>
+              <a:rPr lang="en-US" dirty="0" smtClean="0"/>
+              <a:t>With </a:t>
+            </a:r>
+            <a:r>
+              <a:rPr lang="en-US" dirty="0" err="1" smtClean="0"/>
+              <a:t>OAuth</a:t>
+            </a:r>
+            <a:r>
+              <a:rPr lang="en-US" dirty="0" smtClean="0"/>
+              <a:t> 2.0, a third-party application does not use the resource owner's credentials to access protected resources. Instead, the third-party application obtains an access token. Access tokens are issued to third-party clients by an authorization server with the approval of the resource owner. The client uses the access token to access the protected resources hosted by the resource server.</a:t>
+            </a:r>
+          </a:p>
+          <a:p>
             <a:endParaRPr lang="en-US" dirty="0"/>
           </a:p>
         </p:txBody>
@@ -6126,9 +6066,9 @@
           <a:bodyPr/>
           <a:lstStyle/>
           <a:p>
-            <a:fld id="{7A5C1551-8DBF-450A-B3B4-597F4F42AC44}" type="datetime1">
+            <a:fld id="{E18369E4-77BE-4358-8410-33F33BA75378}" type="datetime1">
               <a:rPr lang="en-US" smtClean="0"/>
-              <a:t>10/24/2014</a:t>
+              <a:t>5/31/2015</a:t>
             </a:fld>
             <a:endParaRPr lang="en-US"/>
           </a:p>
@@ -6151,7 +6091,7 @@
           <a:p>
             <a:fld id="{B4008EB6-D09E-4580-8CD6-DDB14511944F}" type="slidenum">
               <a:rPr lang="en-US" smtClean="0"/>
-              <a:t>11</a:t>
+              <a:t>10</a:t>
             </a:fld>
             <a:endParaRPr lang="en-US" dirty="0"/>
           </a:p>
@@ -6259,7 +6199,7 @@
     </p:spTree>
     <p:extLst>
       <p:ext uri="{BB962C8B-B14F-4D97-AF65-F5344CB8AC3E}">
-        <p14:creationId xmlns:p14="http://schemas.microsoft.com/office/powerpoint/2010/main" val="1806123175"/>
+        <p14:creationId xmlns:p14="http://schemas.microsoft.com/office/powerpoint/2010/main" val="2045486263"/>
       </p:ext>
     </p:extLst>
   </p:cSld>
@@ -6315,43 +6255,18 @@
           <a:p>
             <a:r>
               <a:rPr lang="en-US" dirty="0" smtClean="0"/>
-              <a:t>In the </a:t>
-            </a:r>
-            <a:r>
-              <a:rPr lang="en-US" dirty="0" err="1" smtClean="0"/>
-              <a:t>OAuth</a:t>
-            </a:r>
+              <a:t>Apps are first-class principals in SharePoint</a:t>
+            </a:r>
+          </a:p>
+          <a:p>
             <a:r>
               <a:rPr lang="en-US" dirty="0" smtClean="0"/>
-              <a:t> 2.0 model, access to protected resources is done using access tokens —an object with a specific scope, lifetime, and other access attributes. </a:t>
-            </a:r>
-            <a:r>
-              <a:rPr lang="en-US" dirty="0" err="1" smtClean="0"/>
-              <a:t>OAuth</a:t>
-            </a:r>
-            <a:r>
-              <a:rPr lang="en-US" dirty="0" smtClean="0"/>
-              <a:t> access tokens are sometimes compared to valet keys. In the same way as a valet key gives restricted access to a car, allowing a valet to drive it but not open the trunk or the glove compartment, the access token allows a client application restricted access to a user’s data at a resource server via tokens issued by an authorization server in response to the user authorizing access.</a:t>
-            </a:r>
-          </a:p>
-          <a:p>
-            <a:endParaRPr lang="en-US" dirty="0" smtClean="0"/>
-          </a:p>
-          <a:p>
-            <a:r>
-              <a:rPr lang="en-US" dirty="0" smtClean="0"/>
-              <a:t>With </a:t>
-            </a:r>
-            <a:r>
-              <a:rPr lang="en-US" dirty="0" err="1" smtClean="0"/>
-              <a:t>OAuth</a:t>
-            </a:r>
-            <a:r>
-              <a:rPr lang="en-US" dirty="0" smtClean="0"/>
-              <a:t> 2.0, a third-party application does not use the resource owner's credentials to access protected resources. Instead, the third-party application obtains an access token. Access tokens are issued to third-party clients by an authorization server with the approval of the resource owner. The client uses the access token to access the protected resources hosted by the resource server.</a:t>
-            </a:r>
-          </a:p>
-          <a:p>
+              <a:t>They have an identifier and permissions, which</a:t>
+            </a:r>
+            <a:r>
+              <a:rPr lang="en-US" baseline="0" dirty="0" smtClean="0"/>
+              <a:t> are tracked in SharePoint through the registration and installation process</a:t>
+            </a:r>
             <a:endParaRPr lang="en-US" dirty="0"/>
           </a:p>
         </p:txBody>
@@ -6371,9 +6286,9 @@
           <a:bodyPr/>
           <a:lstStyle/>
           <a:p>
-            <a:fld id="{E18369E4-77BE-4358-8410-33F33BA75378}" type="datetime1">
+            <a:fld id="{E1069F9F-5C72-40FE-A962-D85A4E6A7779}" type="datetime1">
               <a:rPr lang="en-US" smtClean="0"/>
-              <a:t>10/24/2014</a:t>
+              <a:t>5/31/2015</a:t>
             </a:fld>
             <a:endParaRPr lang="en-US"/>
           </a:p>
@@ -6396,7 +6311,7 @@
           <a:p>
             <a:fld id="{B4008EB6-D09E-4580-8CD6-DDB14511944F}" type="slidenum">
               <a:rPr lang="en-US" smtClean="0"/>
-              <a:t>12</a:t>
+              <a:t>11</a:t>
             </a:fld>
             <a:endParaRPr lang="en-US" dirty="0"/>
           </a:p>
@@ -6504,7 +6419,7 @@
     </p:spTree>
     <p:extLst>
       <p:ext uri="{BB962C8B-B14F-4D97-AF65-F5344CB8AC3E}">
-        <p14:creationId xmlns:p14="http://schemas.microsoft.com/office/powerpoint/2010/main" val="2045486263"/>
+        <p14:creationId xmlns:p14="http://schemas.microsoft.com/office/powerpoint/2010/main" val="653619887"/>
       </p:ext>
     </p:extLst>
   </p:cSld>
@@ -6560,17 +6475,7 @@
           <a:p>
             <a:r>
               <a:rPr lang="en-US" dirty="0" smtClean="0"/>
-              <a:t>Apps are first-class principals in SharePoint</a:t>
-            </a:r>
-          </a:p>
-          <a:p>
-            <a:r>
-              <a:rPr lang="en-US" dirty="0" smtClean="0"/>
-              <a:t>They have an identifier and permissions, which</a:t>
-            </a:r>
-            <a:r>
-              <a:rPr lang="en-US" baseline="0" dirty="0" smtClean="0"/>
-              <a:t> are tracked in SharePoint through the registration and installation process</a:t>
+              <a:t>Apps must be registered with SharePoint. This page will generate a new client ID and secret for the app. If deployed to Azure, use that information to fill out the rest of the form.</a:t>
             </a:r>
             <a:endParaRPr lang="en-US" dirty="0"/>
           </a:p>
@@ -6591,9 +6496,9 @@
           <a:bodyPr/>
           <a:lstStyle/>
           <a:p>
-            <a:fld id="{E1069F9F-5C72-40FE-A962-D85A4E6A7779}" type="datetime1">
+            <a:fld id="{130F6A78-FCFE-4D45-B005-38A37DBDA5FF}" type="datetime1">
               <a:rPr lang="en-US" smtClean="0"/>
-              <a:t>10/24/2014</a:t>
+              <a:t>5/31/2015</a:t>
             </a:fld>
             <a:endParaRPr lang="en-US"/>
           </a:p>
@@ -6616,7 +6521,7 @@
           <a:p>
             <a:fld id="{B4008EB6-D09E-4580-8CD6-DDB14511944F}" type="slidenum">
               <a:rPr lang="en-US" smtClean="0"/>
-              <a:t>13</a:t>
+              <a:t>12</a:t>
             </a:fld>
             <a:endParaRPr lang="en-US" dirty="0"/>
           </a:p>
@@ -6724,7 +6629,7 @@
     </p:spTree>
     <p:extLst>
       <p:ext uri="{BB962C8B-B14F-4D97-AF65-F5344CB8AC3E}">
-        <p14:creationId xmlns:p14="http://schemas.microsoft.com/office/powerpoint/2010/main" val="653619887"/>
+        <p14:creationId xmlns:p14="http://schemas.microsoft.com/office/powerpoint/2010/main" val="92928577"/>
       </p:ext>
     </p:extLst>
   </p:cSld>
@@ -10246,220 +10151,6 @@
 </file>
 
 <file path=ppt/slideLayouts/slideLayout21.xml><?xml version="1.0" encoding="utf-8"?>
-<p:sldLayout xmlns:a="http://schemas.openxmlformats.org/drawingml/2006/main" xmlns:r="http://schemas.openxmlformats.org/officeDocument/2006/relationships" xmlns:p="http://schemas.openxmlformats.org/presentationml/2006/main">
-  <p:cSld name="Custom Layout">
-    <p:spTree>
-      <p:nvGrpSpPr>
-        <p:cNvPr id="1" name=""/>
-        <p:cNvGrpSpPr/>
-        <p:nvPr/>
-      </p:nvGrpSpPr>
-      <p:grpSpPr>
-        <a:xfrm>
-          <a:off x="0" y="0"/>
-          <a:ext cx="0" cy="0"/>
-          <a:chOff x="0" y="0"/>
-          <a:chExt cx="0" cy="0"/>
-        </a:xfrm>
-      </p:grpSpPr>
-      <p:sp>
-        <p:nvSpPr>
-          <p:cNvPr id="2" name="Title 1"/>
-          <p:cNvSpPr>
-            <a:spLocks noGrp="1"/>
-          </p:cNvSpPr>
-          <p:nvPr>
-            <p:ph type="title"/>
-          </p:nvPr>
-        </p:nvSpPr>
-        <p:spPr>
-          <a:xfrm>
-            <a:off x="232756" y="157943"/>
-            <a:ext cx="11722682" cy="1205345"/>
-          </a:xfrm>
-          <a:prstGeom prst="rect">
-            <a:avLst/>
-          </a:prstGeom>
-        </p:spPr>
-        <p:txBody>
-          <a:bodyPr/>
-          <a:lstStyle>
-            <a:lvl1pPr>
-              <a:defRPr sz="3999">
-                <a:solidFill>
-                  <a:srgbClr val="002050"/>
-                </a:solidFill>
-                <a:latin typeface="Segoe UI Light" pitchFamily="34" charset="0"/>
-              </a:defRPr>
-            </a:lvl1pPr>
-          </a:lstStyle>
-          <a:p>
-            <a:r>
-              <a:rPr lang="en-US" dirty="0" smtClean="0"/>
-              <a:t>Click to edit Master title style</a:t>
-            </a:r>
-            <a:endParaRPr lang="en-US" dirty="0"/>
-          </a:p>
-        </p:txBody>
-      </p:sp>
-      <p:sp>
-        <p:nvSpPr>
-          <p:cNvPr id="4" name="Content Placeholder 3"/>
-          <p:cNvSpPr>
-            <a:spLocks noGrp="1"/>
-          </p:cNvSpPr>
-          <p:nvPr>
-            <p:ph sz="quarter" idx="10"/>
-          </p:nvPr>
-        </p:nvSpPr>
-        <p:spPr>
-          <a:xfrm>
-            <a:off x="436563" y="1487489"/>
-            <a:ext cx="11533187" cy="5159375"/>
-          </a:xfrm>
-          <a:prstGeom prst="rect">
-            <a:avLst/>
-          </a:prstGeom>
-        </p:spPr>
-        <p:txBody>
-          <a:bodyPr/>
-          <a:lstStyle>
-            <a:lvl1pPr marL="342764" indent="-342764">
-              <a:lnSpc>
-                <a:spcPct val="100000"/>
-              </a:lnSpc>
-              <a:spcBef>
-                <a:spcPts val="1799"/>
-              </a:spcBef>
-              <a:buClr>
-                <a:schemeClr val="accent1"/>
-              </a:buClr>
-              <a:buSzPct val="100000"/>
-              <a:buFont typeface="Arial" pitchFamily="34" charset="0"/>
-              <a:buChar char="•"/>
-              <a:defRPr sz="3199">
-                <a:solidFill>
-                  <a:srgbClr val="002050">
-                    <a:alpha val="99000"/>
-                  </a:srgbClr>
-                </a:solidFill>
-                <a:latin typeface="Segoe UI Light" panose="020B0502040204020203" pitchFamily="34" charset="0"/>
-                <a:cs typeface="Segoe UI Light" panose="020B0502040204020203" pitchFamily="34" charset="0"/>
-              </a:defRPr>
-            </a:lvl1pPr>
-            <a:lvl2pPr marL="807718" indent="-344351">
-              <a:lnSpc>
-                <a:spcPct val="100000"/>
-              </a:lnSpc>
-              <a:spcBef>
-                <a:spcPts val="400"/>
-              </a:spcBef>
-              <a:spcAft>
-                <a:spcPts val="400"/>
-              </a:spcAft>
-              <a:buClr>
-                <a:schemeClr val="tx1">
-                  <a:lumMod val="75000"/>
-                  <a:lumOff val="25000"/>
-                </a:schemeClr>
-              </a:buClr>
-              <a:buSzPct val="85000"/>
-              <a:buFont typeface="Segoe UI" pitchFamily="34" charset="0"/>
-              <a:buChar char="–"/>
-              <a:defRPr sz="2799">
-                <a:solidFill>
-                  <a:schemeClr val="tx1">
-                    <a:alpha val="99000"/>
-                  </a:schemeClr>
-                </a:solidFill>
-                <a:latin typeface="Segoe UI Light" panose="020B0502040204020203" pitchFamily="34" charset="0"/>
-                <a:cs typeface="Segoe UI Light" panose="020B0502040204020203" pitchFamily="34" charset="0"/>
-              </a:defRPr>
-            </a:lvl2pPr>
-            <a:lvl3pPr marL="1198088" indent="-342764">
-              <a:lnSpc>
-                <a:spcPct val="100000"/>
-              </a:lnSpc>
-              <a:spcBef>
-                <a:spcPts val="200"/>
-              </a:spcBef>
-              <a:spcAft>
-                <a:spcPts val="200"/>
-              </a:spcAft>
-              <a:buClr>
-                <a:schemeClr val="tx1">
-                  <a:lumMod val="75000"/>
-                  <a:lumOff val="25000"/>
-                </a:schemeClr>
-              </a:buClr>
-              <a:buSzPct val="85000"/>
-              <a:buFont typeface="Courier New" pitchFamily="49" charset="0"/>
-              <a:buChar char="o"/>
-              <a:defRPr sz="1799">
-                <a:solidFill>
-                  <a:schemeClr val="tx1">
-                    <a:alpha val="99000"/>
-                  </a:schemeClr>
-                </a:solidFill>
-                <a:latin typeface="Segoe UI Light" panose="020B0502040204020203" pitchFamily="34" charset="0"/>
-                <a:cs typeface="Segoe UI Light" panose="020B0502040204020203" pitchFamily="34" charset="0"/>
-              </a:defRPr>
-            </a:lvl3pPr>
-            <a:lvl4pPr>
-              <a:defRPr sz="1999"/>
-            </a:lvl4pPr>
-            <a:lvl5pPr>
-              <a:defRPr sz="1999"/>
-            </a:lvl5pPr>
-          </a:lstStyle>
-          <a:p>
-            <a:pPr lvl="0"/>
-            <a:r>
-              <a:rPr lang="en-US" dirty="0" smtClean="0"/>
-              <a:t>Click to edit Master text styles</a:t>
-            </a:r>
-          </a:p>
-          <a:p>
-            <a:pPr lvl="1"/>
-            <a:r>
-              <a:rPr lang="en-US" dirty="0" smtClean="0"/>
-              <a:t>Second level</a:t>
-            </a:r>
-          </a:p>
-          <a:p>
-            <a:pPr lvl="2"/>
-            <a:r>
-              <a:rPr lang="en-US" dirty="0" smtClean="0"/>
-              <a:t>Third level</a:t>
-            </a:r>
-          </a:p>
-        </p:txBody>
-      </p:sp>
-    </p:spTree>
-    <p:extLst>
-      <p:ext uri="{BB962C8B-B14F-4D97-AF65-F5344CB8AC3E}">
-        <p14:creationId xmlns:p14="http://schemas.microsoft.com/office/powerpoint/2010/main" val="1835484343"/>
-      </p:ext>
-    </p:extLst>
-  </p:cSld>
-  <p:clrMapOvr>
-    <a:masterClrMapping/>
-  </p:clrMapOvr>
-  <p:transition>
-    <p:fade/>
-  </p:transition>
-  <p:timing>
-    <p:tnLst>
-      <p:par>
-        <p:cTn id="1" dur="indefinite" restart="never" nodeType="tmRoot"/>
-      </p:par>
-    </p:tnLst>
-  </p:timing>
-  <p:hf hdr="0"/>
-</p:sldLayout>
-</file>
-
-<file path=ppt/slideLayouts/slideLayout22.xml><?xml version="1.0" encoding="utf-8"?>
 <p:sldLayout xmlns:a="http://schemas.openxmlformats.org/drawingml/2006/main" xmlns:r="http://schemas.openxmlformats.org/officeDocument/2006/relationships" xmlns:p="http://schemas.openxmlformats.org/presentationml/2006/main">
   <p:cSld name="Course Title Layout">
     <p:bg>
@@ -10687,7 +10378,7 @@
 </p:sldLayout>
 </file>
 
-<file path=ppt/slideLayouts/slideLayout23.xml><?xml version="1.0" encoding="utf-8"?>
+<file path=ppt/slideLayouts/slideLayout22.xml><?xml version="1.0" encoding="utf-8"?>
 <p:sldLayout xmlns:a="http://schemas.openxmlformats.org/drawingml/2006/main" xmlns:r="http://schemas.openxmlformats.org/officeDocument/2006/relationships" xmlns:p="http://schemas.openxmlformats.org/presentationml/2006/main" userDrawn="1">
   <p:cSld name="Module Layout">
     <p:bg>
@@ -10914,7 +10605,7 @@
 </p:sldLayout>
 </file>
 
-<file path=ppt/slideLayouts/slideLayout24.xml><?xml version="1.0" encoding="utf-8"?>
+<file path=ppt/slideLayouts/slideLayout23.xml><?xml version="1.0" encoding="utf-8"?>
 <p:sldLayout xmlns:a="http://schemas.openxmlformats.org/drawingml/2006/main" xmlns:r="http://schemas.openxmlformats.org/officeDocument/2006/relationships" xmlns:p="http://schemas.openxmlformats.org/presentationml/2006/main" userDrawn="1">
   <p:cSld name="Picture Shape &amp; Color Background w/ Title">
     <p:spTree>
@@ -11351,7 +11042,7 @@
 </p:sldLayout>
 </file>
 
-<file path=ppt/slideLayouts/slideLayout25.xml><?xml version="1.0" encoding="utf-8"?>
+<file path=ppt/slideLayouts/slideLayout24.xml><?xml version="1.0" encoding="utf-8"?>
 <p:sldLayout xmlns:a="http://schemas.openxmlformats.org/drawingml/2006/main" xmlns:r="http://schemas.openxmlformats.org/officeDocument/2006/relationships" xmlns:p="http://schemas.openxmlformats.org/presentationml/2006/main" type="obj">
   <p:cSld name="Title and Content">
     <p:spTree>
@@ -11504,7 +11195,7 @@
 </p:sldLayout>
 </file>
 
-<file path=ppt/slideLayouts/slideLayout26.xml><?xml version="1.0" encoding="utf-8"?>
+<file path=ppt/slideLayouts/slideLayout25.xml><?xml version="1.0" encoding="utf-8"?>
 <p:sldLayout xmlns:a="http://schemas.openxmlformats.org/drawingml/2006/main" xmlns:r="http://schemas.openxmlformats.org/officeDocument/2006/relationships" xmlns:p="http://schemas.openxmlformats.org/presentationml/2006/main" userDrawn="1">
   <p:cSld name="Blank Layout">
     <p:spTree>
@@ -11557,7 +11248,7 @@
 </p:sldLayout>
 </file>
 
-<file path=ppt/slideLayouts/slideLayout27.xml><?xml version="1.0" encoding="utf-8"?>
+<file path=ppt/slideLayouts/slideLayout26.xml><?xml version="1.0" encoding="utf-8"?>
 <p:sldLayout xmlns:a="http://schemas.openxmlformats.org/drawingml/2006/main" xmlns:r="http://schemas.openxmlformats.org/officeDocument/2006/relationships" xmlns:p="http://schemas.openxmlformats.org/presentationml/2006/main" preserve="1" userDrawn="1">
   <p:cSld name="Divider Slide Orange">
     <p:bg>
@@ -11734,7 +11425,7 @@
 </p:sldLayout>
 </file>
 
-<file path=ppt/slideLayouts/slideLayout28.xml><?xml version="1.0" encoding="utf-8"?>
+<file path=ppt/slideLayouts/slideLayout27.xml><?xml version="1.0" encoding="utf-8"?>
 <p:sldLayout xmlns:a="http://schemas.openxmlformats.org/drawingml/2006/main" xmlns:r="http://schemas.openxmlformats.org/officeDocument/2006/relationships" xmlns:p="http://schemas.openxmlformats.org/presentationml/2006/main" preserve="1" userDrawn="1">
   <p:cSld name="Divider Slide Green">
     <p:bg>
@@ -11911,7 +11602,7 @@
 </p:sldLayout>
 </file>
 
-<file path=ppt/slideLayouts/slideLayout29.xml><?xml version="1.0" encoding="utf-8"?>
+<file path=ppt/slideLayouts/slideLayout28.xml><?xml version="1.0" encoding="utf-8"?>
 <p:sldLayout xmlns:a="http://schemas.openxmlformats.org/drawingml/2006/main" xmlns:r="http://schemas.openxmlformats.org/officeDocument/2006/relationships" xmlns:p="http://schemas.openxmlformats.org/presentationml/2006/main" preserve="1" userDrawn="1">
   <p:cSld name="Divider Slide Blue">
     <p:bg>
@@ -12060,6 +11751,183 @@
     <p:extLst>
       <p:ext uri="{BB962C8B-B14F-4D97-AF65-F5344CB8AC3E}">
         <p14:creationId xmlns:p14="http://schemas.microsoft.com/office/powerpoint/2010/main" val="3587076083"/>
+      </p:ext>
+    </p:extLst>
+  </p:cSld>
+  <p:clrMapOvr>
+    <a:masterClrMapping/>
+  </p:clrMapOvr>
+  <mc:AlternateContent xmlns:mc="http://schemas.openxmlformats.org/markup-compatibility/2006" xmlns:p14="http://schemas.microsoft.com/office/powerpoint/2010/main">
+    <mc:Choice Requires="p14">
+      <p:transition spd="slow" p14:dur="3400">
+        <p14:reveal/>
+      </p:transition>
+    </mc:Choice>
+    <mc:Fallback xmlns="">
+      <p:transition spd="slow">
+        <p:fade/>
+      </p:transition>
+    </mc:Fallback>
+  </mc:AlternateContent>
+  <p:timing>
+    <p:tnLst>
+      <p:par>
+        <p:cTn id="1" dur="indefinite" restart="never" nodeType="tmRoot"/>
+      </p:par>
+    </p:tnLst>
+  </p:timing>
+</p:sldLayout>
+</file>
+
+<file path=ppt/slideLayouts/slideLayout29.xml><?xml version="1.0" encoding="utf-8"?>
+<p:sldLayout xmlns:a="http://schemas.openxmlformats.org/drawingml/2006/main" xmlns:r="http://schemas.openxmlformats.org/officeDocument/2006/relationships" xmlns:p="http://schemas.openxmlformats.org/presentationml/2006/main" preserve="1" userDrawn="1">
+  <p:cSld name="Divider Slide Purple">
+    <p:bg>
+      <p:bgPr>
+        <a:solidFill>
+          <a:srgbClr val="68217A"/>
+        </a:solidFill>
+        <a:effectLst/>
+      </p:bgPr>
+    </p:bg>
+    <p:spTree>
+      <p:nvGrpSpPr>
+        <p:cNvPr id="1" name=""/>
+        <p:cNvGrpSpPr/>
+        <p:nvPr/>
+      </p:nvGrpSpPr>
+      <p:grpSpPr>
+        <a:xfrm>
+          <a:off x="0" y="0"/>
+          <a:ext cx="0" cy="0"/>
+          <a:chOff x="0" y="0"/>
+          <a:chExt cx="0" cy="0"/>
+        </a:xfrm>
+      </p:grpSpPr>
+      <p:sp>
+        <p:nvSpPr>
+          <p:cNvPr id="2" name="Title 1"/>
+          <p:cNvSpPr>
+            <a:spLocks noGrp="1"/>
+          </p:cNvSpPr>
+          <p:nvPr>
+            <p:ph type="title" hasCustomPrompt="1"/>
+          </p:nvPr>
+        </p:nvSpPr>
+        <p:spPr>
+          <a:xfrm>
+            <a:off x="978694" y="2109542"/>
+            <a:ext cx="10237787" cy="997196"/>
+          </a:xfrm>
+          <a:prstGeom prst="rect">
+            <a:avLst/>
+          </a:prstGeom>
+        </p:spPr>
+        <p:txBody>
+          <a:bodyPr anchor="b" anchorCtr="0"/>
+          <a:lstStyle>
+            <a:lvl1pPr>
+              <a:defRPr sz="7200" spc="-150" baseline="0"/>
+            </a:lvl1pPr>
+          </a:lstStyle>
+          <a:p>
+            <a:r>
+              <a:rPr lang="en-US" dirty="0" smtClean="0"/>
+              <a:t>Click to edit title style</a:t>
+            </a:r>
+            <a:endParaRPr lang="en-US" dirty="0"/>
+          </a:p>
+        </p:txBody>
+      </p:sp>
+      <p:sp>
+        <p:nvSpPr>
+          <p:cNvPr id="5" name="Text Placeholder 4"/>
+          <p:cNvSpPr>
+            <a:spLocks noGrp="1"/>
+          </p:cNvSpPr>
+          <p:nvPr>
+            <p:ph type="body" sz="quarter" idx="12" hasCustomPrompt="1"/>
+          </p:nvPr>
+        </p:nvSpPr>
+        <p:spPr>
+          <a:xfrm>
+            <a:off x="978694" y="3425825"/>
+            <a:ext cx="10237787" cy="498598"/>
+          </a:xfrm>
+          <a:prstGeom prst="rect">
+            <a:avLst/>
+          </a:prstGeom>
+        </p:spPr>
+        <p:txBody>
+          <a:bodyPr>
+            <a:noAutofit/>
+          </a:bodyPr>
+          <a:lstStyle>
+            <a:lvl1pPr marL="0" indent="0">
+              <a:spcBef>
+                <a:spcPts val="0"/>
+              </a:spcBef>
+              <a:buNone/>
+              <a:defRPr spc="-70" baseline="0">
+                <a:gradFill>
+                  <a:gsLst>
+                    <a:gs pos="0">
+                      <a:schemeClr val="tx1"/>
+                    </a:gs>
+                    <a:gs pos="100000">
+                      <a:schemeClr val="tx1"/>
+                    </a:gs>
+                  </a:gsLst>
+                  <a:lin ang="5400000" scaled="0"/>
+                </a:gradFill>
+                <a:latin typeface="+mj-lt"/>
+              </a:defRPr>
+            </a:lvl1pPr>
+          </a:lstStyle>
+          <a:p>
+            <a:pPr lvl="0"/>
+            <a:r>
+              <a:rPr lang="en-US" dirty="0" smtClean="0"/>
+              <a:t>Subtitle</a:t>
+            </a:r>
+            <a:endParaRPr lang="en-US" dirty="0"/>
+          </a:p>
+        </p:txBody>
+      </p:sp>
+      <p:pic>
+        <p:nvPicPr>
+          <p:cNvPr id="7" name="Picture 6"/>
+          <p:cNvPicPr>
+            <a:picLocks noChangeAspect="1"/>
+          </p:cNvPicPr>
+          <p:nvPr userDrawn="1"/>
+        </p:nvPicPr>
+        <p:blipFill>
+          <a:blip r:embed="rId2">
+            <a:extLst>
+              <a:ext uri="{28A0092B-C50C-407E-A947-70E740481C1C}">
+                <a14:useLocalDpi xmlns:a14="http://schemas.microsoft.com/office/drawing/2010/main" val="0"/>
+              </a:ext>
+            </a:extLst>
+          </a:blip>
+          <a:stretch>
+            <a:fillRect/>
+          </a:stretch>
+        </p:blipFill>
+        <p:spPr>
+          <a:xfrm>
+            <a:off x="10193312" y="6014913"/>
+            <a:ext cx="1738860" cy="815899"/>
+          </a:xfrm>
+          <a:prstGeom prst="rect">
+            <a:avLst/>
+          </a:prstGeom>
+        </p:spPr>
+      </p:pic>
+    </p:spTree>
+    <p:extLst>
+      <p:ext uri="{BB962C8B-B14F-4D97-AF65-F5344CB8AC3E}">
+        <p14:creationId xmlns:p14="http://schemas.microsoft.com/office/powerpoint/2010/main" val="2167794821"/>
       </p:ext>
     </p:extLst>
   </p:cSld>
@@ -12393,183 +12261,6 @@
 
 <file path=ppt/slideLayouts/slideLayout30.xml><?xml version="1.0" encoding="utf-8"?>
 <p:sldLayout xmlns:a="http://schemas.openxmlformats.org/drawingml/2006/main" xmlns:r="http://schemas.openxmlformats.org/officeDocument/2006/relationships" xmlns:p="http://schemas.openxmlformats.org/presentationml/2006/main" preserve="1" userDrawn="1">
-  <p:cSld name="Divider Slide Purple">
-    <p:bg>
-      <p:bgPr>
-        <a:solidFill>
-          <a:srgbClr val="68217A"/>
-        </a:solidFill>
-        <a:effectLst/>
-      </p:bgPr>
-    </p:bg>
-    <p:spTree>
-      <p:nvGrpSpPr>
-        <p:cNvPr id="1" name=""/>
-        <p:cNvGrpSpPr/>
-        <p:nvPr/>
-      </p:nvGrpSpPr>
-      <p:grpSpPr>
-        <a:xfrm>
-          <a:off x="0" y="0"/>
-          <a:ext cx="0" cy="0"/>
-          <a:chOff x="0" y="0"/>
-          <a:chExt cx="0" cy="0"/>
-        </a:xfrm>
-      </p:grpSpPr>
-      <p:sp>
-        <p:nvSpPr>
-          <p:cNvPr id="2" name="Title 1"/>
-          <p:cNvSpPr>
-            <a:spLocks noGrp="1"/>
-          </p:cNvSpPr>
-          <p:nvPr>
-            <p:ph type="title" hasCustomPrompt="1"/>
-          </p:nvPr>
-        </p:nvSpPr>
-        <p:spPr>
-          <a:xfrm>
-            <a:off x="978694" y="2109542"/>
-            <a:ext cx="10237787" cy="997196"/>
-          </a:xfrm>
-          <a:prstGeom prst="rect">
-            <a:avLst/>
-          </a:prstGeom>
-        </p:spPr>
-        <p:txBody>
-          <a:bodyPr anchor="b" anchorCtr="0"/>
-          <a:lstStyle>
-            <a:lvl1pPr>
-              <a:defRPr sz="7200" spc="-150" baseline="0"/>
-            </a:lvl1pPr>
-          </a:lstStyle>
-          <a:p>
-            <a:r>
-              <a:rPr lang="en-US" dirty="0" smtClean="0"/>
-              <a:t>Click to edit title style</a:t>
-            </a:r>
-            <a:endParaRPr lang="en-US" dirty="0"/>
-          </a:p>
-        </p:txBody>
-      </p:sp>
-      <p:sp>
-        <p:nvSpPr>
-          <p:cNvPr id="5" name="Text Placeholder 4"/>
-          <p:cNvSpPr>
-            <a:spLocks noGrp="1"/>
-          </p:cNvSpPr>
-          <p:nvPr>
-            <p:ph type="body" sz="quarter" idx="12" hasCustomPrompt="1"/>
-          </p:nvPr>
-        </p:nvSpPr>
-        <p:spPr>
-          <a:xfrm>
-            <a:off x="978694" y="3425825"/>
-            <a:ext cx="10237787" cy="498598"/>
-          </a:xfrm>
-          <a:prstGeom prst="rect">
-            <a:avLst/>
-          </a:prstGeom>
-        </p:spPr>
-        <p:txBody>
-          <a:bodyPr>
-            <a:noAutofit/>
-          </a:bodyPr>
-          <a:lstStyle>
-            <a:lvl1pPr marL="0" indent="0">
-              <a:spcBef>
-                <a:spcPts val="0"/>
-              </a:spcBef>
-              <a:buNone/>
-              <a:defRPr spc="-70" baseline="0">
-                <a:gradFill>
-                  <a:gsLst>
-                    <a:gs pos="0">
-                      <a:schemeClr val="tx1"/>
-                    </a:gs>
-                    <a:gs pos="100000">
-                      <a:schemeClr val="tx1"/>
-                    </a:gs>
-                  </a:gsLst>
-                  <a:lin ang="5400000" scaled="0"/>
-                </a:gradFill>
-                <a:latin typeface="+mj-lt"/>
-              </a:defRPr>
-            </a:lvl1pPr>
-          </a:lstStyle>
-          <a:p>
-            <a:pPr lvl="0"/>
-            <a:r>
-              <a:rPr lang="en-US" dirty="0" smtClean="0"/>
-              <a:t>Subtitle</a:t>
-            </a:r>
-            <a:endParaRPr lang="en-US" dirty="0"/>
-          </a:p>
-        </p:txBody>
-      </p:sp>
-      <p:pic>
-        <p:nvPicPr>
-          <p:cNvPr id="7" name="Picture 6"/>
-          <p:cNvPicPr>
-            <a:picLocks noChangeAspect="1"/>
-          </p:cNvPicPr>
-          <p:nvPr userDrawn="1"/>
-        </p:nvPicPr>
-        <p:blipFill>
-          <a:blip r:embed="rId2">
-            <a:extLst>
-              <a:ext uri="{28A0092B-C50C-407E-A947-70E740481C1C}">
-                <a14:useLocalDpi xmlns:a14="http://schemas.microsoft.com/office/drawing/2010/main" val="0"/>
-              </a:ext>
-            </a:extLst>
-          </a:blip>
-          <a:stretch>
-            <a:fillRect/>
-          </a:stretch>
-        </p:blipFill>
-        <p:spPr>
-          <a:xfrm>
-            <a:off x="10193312" y="6014913"/>
-            <a:ext cx="1738860" cy="815899"/>
-          </a:xfrm>
-          <a:prstGeom prst="rect">
-            <a:avLst/>
-          </a:prstGeom>
-        </p:spPr>
-      </p:pic>
-    </p:spTree>
-    <p:extLst>
-      <p:ext uri="{BB962C8B-B14F-4D97-AF65-F5344CB8AC3E}">
-        <p14:creationId xmlns:p14="http://schemas.microsoft.com/office/powerpoint/2010/main" val="2167794821"/>
-      </p:ext>
-    </p:extLst>
-  </p:cSld>
-  <p:clrMapOvr>
-    <a:masterClrMapping/>
-  </p:clrMapOvr>
-  <mc:AlternateContent xmlns:mc="http://schemas.openxmlformats.org/markup-compatibility/2006" xmlns:p14="http://schemas.microsoft.com/office/powerpoint/2010/main">
-    <mc:Choice Requires="p14">
-      <p:transition spd="slow" p14:dur="3400">
-        <p14:reveal/>
-      </p:transition>
-    </mc:Choice>
-    <mc:Fallback xmlns="">
-      <p:transition spd="slow">
-        <p:fade/>
-      </p:transition>
-    </mc:Fallback>
-  </mc:AlternateContent>
-  <p:timing>
-    <p:tnLst>
-      <p:par>
-        <p:cTn id="1" dur="indefinite" restart="never" nodeType="tmRoot"/>
-      </p:par>
-    </p:tnLst>
-  </p:timing>
-</p:sldLayout>
-</file>
-
-<file path=ppt/slideLayouts/slideLayout31.xml><?xml version="1.0" encoding="utf-8"?>
-<p:sldLayout xmlns:a="http://schemas.openxmlformats.org/drawingml/2006/main" xmlns:r="http://schemas.openxmlformats.org/officeDocument/2006/relationships" xmlns:p="http://schemas.openxmlformats.org/presentationml/2006/main" preserve="1" userDrawn="1">
   <p:cSld name="Punchy Slide Orange">
     <p:bg>
       <p:bgPr>
@@ -12693,7 +12384,7 @@
 </p:sldLayout>
 </file>
 
-<file path=ppt/slideLayouts/slideLayout32.xml><?xml version="1.0" encoding="utf-8"?>
+<file path=ppt/slideLayouts/slideLayout31.xml><?xml version="1.0" encoding="utf-8"?>
 <p:sldLayout xmlns:a="http://schemas.openxmlformats.org/drawingml/2006/main" xmlns:r="http://schemas.openxmlformats.org/officeDocument/2006/relationships" xmlns:p="http://schemas.openxmlformats.org/presentationml/2006/main" preserve="1" userDrawn="1">
   <p:cSld name="Punchy Slide Green">
     <p:bg>
@@ -12818,7 +12509,7 @@
 </p:sldLayout>
 </file>
 
-<file path=ppt/slideLayouts/slideLayout33.xml><?xml version="1.0" encoding="utf-8"?>
+<file path=ppt/slideLayouts/slideLayout32.xml><?xml version="1.0" encoding="utf-8"?>
 <p:sldLayout xmlns:a="http://schemas.openxmlformats.org/drawingml/2006/main" xmlns:r="http://schemas.openxmlformats.org/officeDocument/2006/relationships" xmlns:p="http://schemas.openxmlformats.org/presentationml/2006/main" preserve="1" userDrawn="1">
   <p:cSld name="Punchy Slide Blue">
     <p:bg>
@@ -12943,7 +12634,7 @@
 </p:sldLayout>
 </file>
 
-<file path=ppt/slideLayouts/slideLayout34.xml><?xml version="1.0" encoding="utf-8"?>
+<file path=ppt/slideLayouts/slideLayout33.xml><?xml version="1.0" encoding="utf-8"?>
 <p:sldLayout xmlns:a="http://schemas.openxmlformats.org/drawingml/2006/main" xmlns:r="http://schemas.openxmlformats.org/officeDocument/2006/relationships" xmlns:p="http://schemas.openxmlformats.org/presentationml/2006/main" preserve="1" userDrawn="1">
   <p:cSld name="Punchy Slide Purple">
     <p:bg>
@@ -13068,7 +12759,7 @@
 </p:sldLayout>
 </file>
 
-<file path=ppt/slideLayouts/slideLayout35.xml><?xml version="1.0" encoding="utf-8"?>
+<file path=ppt/slideLayouts/slideLayout34.xml><?xml version="1.0" encoding="utf-8"?>
 <p:sldLayout xmlns:a="http://schemas.openxmlformats.org/drawingml/2006/main" xmlns:r="http://schemas.openxmlformats.org/officeDocument/2006/relationships" xmlns:p="http://schemas.openxmlformats.org/presentationml/2006/main" preserve="1" userDrawn="1">
   <p:cSld name="Blank Slide Orange">
     <p:bg>
@@ -13109,7 +12800,7 @@
 </p:sldLayout>
 </file>
 
-<file path=ppt/slideLayouts/slideLayout36.xml><?xml version="1.0" encoding="utf-8"?>
+<file path=ppt/slideLayouts/slideLayout35.xml><?xml version="1.0" encoding="utf-8"?>
 <p:sldLayout xmlns:a="http://schemas.openxmlformats.org/drawingml/2006/main" xmlns:r="http://schemas.openxmlformats.org/officeDocument/2006/relationships" xmlns:p="http://schemas.openxmlformats.org/presentationml/2006/main" preserve="1" userDrawn="1">
   <p:cSld name="Blank Slide Green">
     <p:bg>
@@ -13150,7 +12841,7 @@
 </p:sldLayout>
 </file>
 
-<file path=ppt/slideLayouts/slideLayout37.xml><?xml version="1.0" encoding="utf-8"?>
+<file path=ppt/slideLayouts/slideLayout36.xml><?xml version="1.0" encoding="utf-8"?>
 <p:sldLayout xmlns:a="http://schemas.openxmlformats.org/drawingml/2006/main" xmlns:r="http://schemas.openxmlformats.org/officeDocument/2006/relationships" xmlns:p="http://schemas.openxmlformats.org/presentationml/2006/main" preserve="1" userDrawn="1">
   <p:cSld name="Blank Slide Blue">
     <p:bg>
@@ -13191,7 +12882,7 @@
 </p:sldLayout>
 </file>
 
-<file path=ppt/slideLayouts/slideLayout38.xml><?xml version="1.0" encoding="utf-8"?>
+<file path=ppt/slideLayouts/slideLayout37.xml><?xml version="1.0" encoding="utf-8"?>
 <p:sldLayout xmlns:a="http://schemas.openxmlformats.org/drawingml/2006/main" xmlns:r="http://schemas.openxmlformats.org/officeDocument/2006/relationships" xmlns:p="http://schemas.openxmlformats.org/presentationml/2006/main" preserve="1" userDrawn="1">
   <p:cSld name="Blank Slide Purple">
     <p:bg>
@@ -15843,12 +15534,11 @@
     <p:sldLayoutId id="2147484093" r:id="rId18"/>
     <p:sldLayoutId id="2147484094" r:id="rId19"/>
     <p:sldLayoutId id="2147484096" r:id="rId20"/>
-    <p:sldLayoutId id="2147484144" r:id="rId21"/>
-    <p:sldLayoutId id="2147484145" r:id="rId22"/>
-    <p:sldLayoutId id="2147484147" r:id="rId23"/>
-    <p:sldLayoutId id="2147484148" r:id="rId24"/>
-    <p:sldLayoutId id="2147484149" r:id="rId25"/>
-    <p:sldLayoutId id="2147484150" r:id="rId26"/>
+    <p:sldLayoutId id="2147484145" r:id="rId21"/>
+    <p:sldLayoutId id="2147484147" r:id="rId22"/>
+    <p:sldLayoutId id="2147484148" r:id="rId23"/>
+    <p:sldLayoutId id="2147484149" r:id="rId24"/>
+    <p:sldLayoutId id="2147484150" r:id="rId25"/>
   </p:sldLayoutIdLst>
   <p:transition>
     <p:fade/>
@@ -16649,12 +16339,12 @@
       </p:grpSpPr>
       <p:sp>
         <p:nvSpPr>
-          <p:cNvPr id="2" name="Title 1"/>
+          <p:cNvPr id="4" name="Title 3"/>
           <p:cNvSpPr>
             <a:spLocks noGrp="1"/>
           </p:cNvSpPr>
           <p:nvPr>
-            <p:ph type="title"/>
+            <p:ph type="ctrTitle"/>
           </p:nvPr>
         </p:nvSpPr>
         <p:spPr/>
@@ -16663,32 +16353,36 @@
           <a:lstStyle/>
           <a:p>
             <a:r>
-              <a:rPr lang="en-US" sz="6595" dirty="0"/>
-              <a:t>Office </a:t>
-            </a:r>
-            <a:r>
-              <a:rPr lang="en-US" sz="6595" dirty="0" smtClean="0"/>
-              <a:t>Camp</a:t>
-            </a:r>
-            <a:endParaRPr lang="en-US" sz="6595" dirty="0"/>
-          </a:p>
-        </p:txBody>
-      </p:sp>
-      <p:sp>
-        <p:nvSpPr>
-          <p:cNvPr id="3" name="Text Placeholder 2"/>
+              <a:rPr lang="en-US" dirty="0"/>
+              <a:t>Hooking into Apps for SharePoint</a:t>
+            </a:r>
+          </a:p>
+        </p:txBody>
+      </p:sp>
+      <p:sp>
+        <p:nvSpPr>
+          <p:cNvPr id="5" name="Subtitle 4"/>
           <p:cNvSpPr>
             <a:spLocks noGrp="1"/>
           </p:cNvSpPr>
           <p:nvPr>
-            <p:ph type="body" sz="quarter" idx="12"/>
-          </p:nvPr>
-        </p:nvSpPr>
-        <p:spPr/>
+            <p:ph type="subTitle" idx="1"/>
+          </p:nvPr>
+        </p:nvSpPr>
+        <p:spPr>
+          <a:xfrm>
+            <a:off x="532265" y="4735249"/>
+            <a:ext cx="7640611" cy="1878025"/>
+          </a:xfrm>
+        </p:spPr>
         <p:txBody>
           <a:bodyPr/>
           <a:lstStyle/>
           <a:p>
+            <a:r>
+              <a:rPr lang="en-US" dirty="0" smtClean="0"/>
+              <a:t>Christine</a:t>
+            </a:r>
             <a:endParaRPr lang="en-US" dirty="0"/>
           </a:p>
         </p:txBody>
@@ -16696,25 +16390,16 @@
     </p:spTree>
     <p:extLst>
       <p:ext uri="{BB962C8B-B14F-4D97-AF65-F5344CB8AC3E}">
-        <p14:creationId xmlns:p14="http://schemas.microsoft.com/office/powerpoint/2010/main" val="1166286060"/>
+        <p14:creationId xmlns:p14="http://schemas.microsoft.com/office/powerpoint/2010/main" val="1233982471"/>
       </p:ext>
     </p:extLst>
   </p:cSld>
   <p:clrMapOvr>
     <a:masterClrMapping/>
   </p:clrMapOvr>
-  <mc:AlternateContent xmlns:mc="http://schemas.openxmlformats.org/markup-compatibility/2006" xmlns:p14="http://schemas.microsoft.com/office/powerpoint/2010/main">
-    <mc:Choice Requires="p14">
-      <p:transition spd="slow" p14:dur="3400">
-        <p14:reveal/>
-      </p:transition>
-    </mc:Choice>
-    <mc:Fallback xmlns="">
-      <p:transition spd="slow">
-        <p:fade/>
-      </p:transition>
-    </mc:Fallback>
-  </mc:AlternateContent>
+  <p:transition>
+    <p:fade/>
+  </p:transition>
   <p:timing>
     <p:tnLst>
       <p:par>
@@ -16744,12 +16429,86 @@
       </p:grpSpPr>
       <p:sp>
         <p:nvSpPr>
-          <p:cNvPr id="4" name="Title 3"/>
+          <p:cNvPr id="2" name="Text Placeholder 1"/>
           <p:cNvSpPr>
             <a:spLocks noGrp="1"/>
           </p:cNvSpPr>
           <p:nvPr>
-            <p:ph type="ctrTitle"/>
+            <p:ph type="body" sz="quarter" idx="10"/>
+          </p:nvPr>
+        </p:nvSpPr>
+        <p:spPr>
+          <a:xfrm>
+            <a:off x="519112" y="1447799"/>
+            <a:ext cx="11149013" cy="4812324"/>
+          </a:xfrm>
+        </p:spPr>
+        <p:txBody>
+          <a:bodyPr/>
+          <a:lstStyle/>
+          <a:p>
+            <a:r>
+              <a:rPr lang="en-US" dirty="0" smtClean="0"/>
+              <a:t>Context Token</a:t>
+            </a:r>
+          </a:p>
+          <a:p>
+            <a:pPr lvl="1"/>
+            <a:r>
+              <a:rPr lang="en-US" dirty="0" smtClean="0"/>
+              <a:t>Information about the Resources Owner and Client that can be used to get an Access Token later.</a:t>
+            </a:r>
+          </a:p>
+          <a:p>
+            <a:r>
+              <a:rPr lang="en-US" dirty="0" smtClean="0"/>
+              <a:t>Refresh Token</a:t>
+            </a:r>
+          </a:p>
+          <a:p>
+            <a:pPr lvl="1"/>
+            <a:r>
+              <a:rPr lang="en-US" dirty="0" smtClean="0"/>
+              <a:t>A token used to get an Access Token from the Authorization Server.</a:t>
+            </a:r>
+          </a:p>
+          <a:p>
+            <a:r>
+              <a:rPr lang="en-US" dirty="0" smtClean="0"/>
+              <a:t>Access Token</a:t>
+            </a:r>
+          </a:p>
+          <a:p>
+            <a:pPr lvl="1"/>
+            <a:r>
+              <a:rPr lang="en-US" dirty="0" smtClean="0"/>
+              <a:t>A token passed to the Resource Server authorizing the Client to access resources.</a:t>
+            </a:r>
+          </a:p>
+          <a:p>
+            <a:r>
+              <a:rPr lang="en-US" dirty="0" smtClean="0"/>
+              <a:t>Authorization Code</a:t>
+            </a:r>
+          </a:p>
+          <a:p>
+            <a:pPr lvl="1"/>
+            <a:r>
+              <a:rPr lang="en-US" dirty="0" smtClean="0"/>
+              <a:t>A code that can be used to register an app on-the-fly.</a:t>
+            </a:r>
+            <a:endParaRPr lang="en-US" dirty="0"/>
+          </a:p>
+        </p:txBody>
+      </p:sp>
+      <p:sp>
+        <p:nvSpPr>
+          <p:cNvPr id="3" name="Title 2"/>
+          <p:cNvSpPr>
+            <a:spLocks noGrp="1"/>
+          </p:cNvSpPr>
+          <p:nvPr>
+            <p:ph type="title"/>
           </p:nvPr>
         </p:nvSpPr>
         <p:spPr/>
@@ -16757,26 +16516,26 @@
           <a:bodyPr/>
           <a:lstStyle/>
           <a:p>
-            <a:r>
-              <a:rPr lang="en-US" dirty="0" smtClean="0"/>
-              <a:t>Programming </a:t>
-            </a:r>
             <a:r>
               <a:rPr lang="en-US" dirty="0" err="1" smtClean="0"/>
               <a:t>OAuth</a:t>
             </a:r>
+            <a:r>
+              <a:rPr lang="en-US" dirty="0" smtClean="0"/>
+              <a:t> 2.0 Tokens</a:t>
+            </a:r>
             <a:endParaRPr lang="en-US" dirty="0"/>
           </a:p>
         </p:txBody>
       </p:sp>
       <p:sp>
         <p:nvSpPr>
-          <p:cNvPr id="9" name="Subtitle 4"/>
+          <p:cNvPr id="4" name="Slide Number Placeholder 3"/>
           <p:cNvSpPr>
             <a:spLocks noGrp="1"/>
           </p:cNvSpPr>
           <p:nvPr>
-            <p:ph type="subTitle" idx="1"/>
+            <p:ph type="sldNum" sz="quarter" idx="12"/>
           </p:nvPr>
         </p:nvSpPr>
         <p:spPr/>
@@ -16784,7 +16543,11 @@
           <a:bodyPr/>
           <a:lstStyle/>
           <a:p>
-            <a:pPr lvl="0"/>
+            <a:fld id="{727B4C2D-45E2-4621-8491-2995EB46A674}" type="slidenum">
+              <a:rPr lang="en-US" smtClean="0"/>
+              <a:pPr/>
+              <a:t>10</a:t>
+            </a:fld>
             <a:endParaRPr lang="en-US" dirty="0"/>
           </a:p>
         </p:txBody>
@@ -16792,7 +16555,7 @@
     </p:spTree>
     <p:extLst>
       <p:ext uri="{BB962C8B-B14F-4D97-AF65-F5344CB8AC3E}">
-        <p14:creationId xmlns:p14="http://schemas.microsoft.com/office/powerpoint/2010/main" val="1268031970"/>
+        <p14:creationId xmlns:p14="http://schemas.microsoft.com/office/powerpoint/2010/main" val="3533671556"/>
       </p:ext>
     </p:extLst>
   </p:cSld>
@@ -16802,13 +16565,6 @@
   <p:transition>
     <p:fade/>
   </p:transition>
-  <p:timing>
-    <p:tnLst>
-      <p:par>
-        <p:cTn id="1" dur="indefinite" restart="never" nodeType="tmRoot"/>
-      </p:par>
-    </p:tnLst>
-  </p:timing>
 </p:sld>
 </file>
 
@@ -16842,7 +16598,7 @@
         <p:spPr>
           <a:xfrm>
             <a:off x="519112" y="1447798"/>
-            <a:ext cx="11149013" cy="4159181"/>
+            <a:ext cx="11149013" cy="4611357"/>
           </a:xfrm>
         </p:spPr>
         <p:txBody>
@@ -16851,19 +16607,62 @@
           <a:p>
             <a:r>
               <a:rPr lang="en-US" dirty="0" smtClean="0"/>
-              <a:t>Simple mechanism to grant a third party access to a user’s resources without sharing the user’s password.</a:t>
-            </a:r>
-          </a:p>
-          <a:p>
+              <a:t>Apps must be registered with SharePoint online</a:t>
+            </a:r>
+          </a:p>
+          <a:p>
+            <a:pPr lvl="1"/>
             <a:r>
               <a:rPr lang="en-US" dirty="0" smtClean="0"/>
-              <a:t>Cross platform app authorization</a:t>
-            </a:r>
-          </a:p>
-          <a:p>
+              <a:t>Client ID – generated during the registration process</a:t>
+            </a:r>
+          </a:p>
+          <a:p>
+            <a:pPr lvl="1"/>
             <a:r>
               <a:rPr lang="en-US" dirty="0" smtClean="0"/>
-              <a:t>Internet Standard supported by Azure, Facebook, Google, Twitter, and more</a:t>
+              <a:t>Client Secret – generated during the registration process</a:t>
+            </a:r>
+          </a:p>
+          <a:p>
+            <a:pPr lvl="1"/>
+            <a:r>
+              <a:rPr lang="en-US" dirty="0" smtClean="0"/>
+              <a:t>App Host Domain – the domain of the Azure web site hosting the app</a:t>
+            </a:r>
+          </a:p>
+          <a:p>
+            <a:pPr lvl="1"/>
+            <a:r>
+              <a:rPr lang="en-US" dirty="0" smtClean="0"/>
+              <a:t>Redirect URL – the URL of the return page after permissions are granted</a:t>
+            </a:r>
+          </a:p>
+          <a:p>
+            <a:r>
+              <a:rPr lang="en-US" dirty="0" smtClean="0"/>
+              <a:t>SharePoint provides registration management pages</a:t>
+            </a:r>
+          </a:p>
+          <a:p>
+            <a:pPr lvl="1"/>
+            <a:r>
+              <a:rPr lang="en-US" dirty="0" smtClean="0"/>
+              <a:t>AppRegNew.aspx – for registering a new app</a:t>
+            </a:r>
+          </a:p>
+          <a:p>
+            <a:pPr lvl="1"/>
+            <a:r>
+              <a:rPr lang="en-US" dirty="0" smtClean="0"/>
+              <a:t>AppInv.aspx – for updating registered apps</a:t>
+            </a:r>
+          </a:p>
+          <a:p>
+            <a:pPr lvl="1"/>
+            <a:r>
+              <a:rPr lang="en-US" dirty="0" smtClean="0"/>
+              <a:t>AppPrincipals.aspx – lists all registered apps</a:t>
             </a:r>
             <a:endParaRPr lang="en-US" dirty="0"/>
           </a:p>
@@ -16886,15 +16685,7 @@
           <a:p>
             <a:r>
               <a:rPr lang="en-US" dirty="0" smtClean="0"/>
-              <a:t>What is </a:t>
-            </a:r>
-            <a:r>
-              <a:rPr lang="en-US" dirty="0" err="1" smtClean="0"/>
-              <a:t>OAuth</a:t>
-            </a:r>
-            <a:r>
-              <a:rPr lang="en-US" dirty="0" smtClean="0"/>
-              <a:t> 2.0?</a:t>
+              <a:t>App Principals</a:t>
             </a:r>
             <a:endParaRPr lang="en-US" dirty="0"/>
           </a:p>
@@ -16927,7 +16718,7 @@
     </p:spTree>
     <p:extLst>
       <p:ext uri="{BB962C8B-B14F-4D97-AF65-F5344CB8AC3E}">
-        <p14:creationId xmlns:p14="http://schemas.microsoft.com/office/powerpoint/2010/main" val="3378559001"/>
+        <p14:creationId xmlns:p14="http://schemas.microsoft.com/office/powerpoint/2010/main" val="1557501063"/>
       </p:ext>
     </p:extLst>
   </p:cSld>
@@ -16959,73 +16750,22 @@
       </p:grpSpPr>
       <p:sp>
         <p:nvSpPr>
-          <p:cNvPr id="2" name="Text Placeholder 1"/>
+          <p:cNvPr id="2" name="Title 1"/>
           <p:cNvSpPr>
             <a:spLocks noGrp="1"/>
           </p:cNvSpPr>
           <p:nvPr>
-            <p:ph type="body" sz="quarter" idx="10"/>
-          </p:nvPr>
-        </p:nvSpPr>
-        <p:spPr>
-          <a:xfrm>
-            <a:off x="519112" y="1447799"/>
-            <a:ext cx="11149013" cy="4812324"/>
-          </a:xfrm>
-        </p:spPr>
+            <p:ph type="title"/>
+          </p:nvPr>
+        </p:nvSpPr>
+        <p:spPr/>
         <p:txBody>
           <a:bodyPr/>
           <a:lstStyle/>
           <a:p>
             <a:r>
               <a:rPr lang="en-US" dirty="0" smtClean="0"/>
-              <a:t>Context Token</a:t>
-            </a:r>
-          </a:p>
-          <a:p>
-            <a:pPr lvl="1"/>
-            <a:r>
-              <a:rPr lang="en-US" dirty="0" smtClean="0"/>
-              <a:t>Information about the Resources Owner and Client that can be used to get an Access Token later.</a:t>
-            </a:r>
-          </a:p>
-          <a:p>
-            <a:r>
-              <a:rPr lang="en-US" dirty="0" smtClean="0"/>
-              <a:t>Refresh Token</a:t>
-            </a:r>
-          </a:p>
-          <a:p>
-            <a:pPr lvl="1"/>
-            <a:r>
-              <a:rPr lang="en-US" dirty="0" smtClean="0"/>
-              <a:t>A token used to get an Access Token from the Authorization Server.</a:t>
-            </a:r>
-          </a:p>
-          <a:p>
-            <a:r>
-              <a:rPr lang="en-US" dirty="0" smtClean="0"/>
-              <a:t>Access Token</a:t>
-            </a:r>
-          </a:p>
-          <a:p>
-            <a:pPr lvl="1"/>
-            <a:r>
-              <a:rPr lang="en-US" dirty="0" smtClean="0"/>
-              <a:t>A token passed to the Resource Server authorizing the Client to access resources.</a:t>
-            </a:r>
-          </a:p>
-          <a:p>
-            <a:r>
-              <a:rPr lang="en-US" dirty="0" smtClean="0"/>
-              <a:t>Authorization Code</a:t>
-            </a:r>
-          </a:p>
-          <a:p>
-            <a:pPr lvl="1"/>
-            <a:r>
-              <a:rPr lang="en-US" dirty="0" smtClean="0"/>
-              <a:t>A code that can be used to register an app on-the-fly.</a:t>
+              <a:t>Registering a New App</a:t>
             </a:r>
             <a:endParaRPr lang="en-US" dirty="0"/>
           </a:p>
@@ -17033,34 +16773,7 @@
       </p:sp>
       <p:sp>
         <p:nvSpPr>
-          <p:cNvPr id="3" name="Title 2"/>
-          <p:cNvSpPr>
-            <a:spLocks noGrp="1"/>
-          </p:cNvSpPr>
-          <p:nvPr>
-            <p:ph type="title"/>
-          </p:nvPr>
-        </p:nvSpPr>
-        <p:spPr/>
-        <p:txBody>
-          <a:bodyPr/>
-          <a:lstStyle/>
-          <a:p>
-            <a:r>
-              <a:rPr lang="en-US" dirty="0" err="1" smtClean="0"/>
-              <a:t>OAuth</a:t>
-            </a:r>
-            <a:r>
-              <a:rPr lang="en-US" dirty="0" smtClean="0"/>
-              <a:t> 2.0 Tokens</a:t>
-            </a:r>
-            <a:endParaRPr lang="en-US" dirty="0"/>
-          </a:p>
-        </p:txBody>
-      </p:sp>
-      <p:sp>
-        <p:nvSpPr>
-          <p:cNvPr id="4" name="Slide Number Placeholder 3"/>
+          <p:cNvPr id="3" name="Slide Number Placeholder 2"/>
           <p:cNvSpPr>
             <a:spLocks noGrp="1"/>
           </p:cNvSpPr>
@@ -17077,249 +16790,6 @@
               <a:rPr lang="en-US" smtClean="0"/>
               <a:pPr/>
               <a:t>12</a:t>
-            </a:fld>
-            <a:endParaRPr lang="en-US" dirty="0"/>
-          </a:p>
-        </p:txBody>
-      </p:sp>
-    </p:spTree>
-    <p:extLst>
-      <p:ext uri="{BB962C8B-B14F-4D97-AF65-F5344CB8AC3E}">
-        <p14:creationId xmlns:p14="http://schemas.microsoft.com/office/powerpoint/2010/main" val="3533671556"/>
-      </p:ext>
-    </p:extLst>
-  </p:cSld>
-  <p:clrMapOvr>
-    <a:masterClrMapping/>
-  </p:clrMapOvr>
-  <p:transition>
-    <p:fade/>
-  </p:transition>
-</p:sld>
-</file>
-
-<file path=ppt/slides/slide13.xml><?xml version="1.0" encoding="utf-8"?>
-<p:sld xmlns:a="http://schemas.openxmlformats.org/drawingml/2006/main" xmlns:r="http://schemas.openxmlformats.org/officeDocument/2006/relationships" xmlns:p="http://schemas.openxmlformats.org/presentationml/2006/main">
-  <p:cSld>
-    <p:spTree>
-      <p:nvGrpSpPr>
-        <p:cNvPr id="1" name=""/>
-        <p:cNvGrpSpPr/>
-        <p:nvPr/>
-      </p:nvGrpSpPr>
-      <p:grpSpPr>
-        <a:xfrm>
-          <a:off x="0" y="0"/>
-          <a:ext cx="0" cy="0"/>
-          <a:chOff x="0" y="0"/>
-          <a:chExt cx="0" cy="0"/>
-        </a:xfrm>
-      </p:grpSpPr>
-      <p:sp>
-        <p:nvSpPr>
-          <p:cNvPr id="2" name="Text Placeholder 1"/>
-          <p:cNvSpPr>
-            <a:spLocks noGrp="1"/>
-          </p:cNvSpPr>
-          <p:nvPr>
-            <p:ph type="body" sz="quarter" idx="10"/>
-          </p:nvPr>
-        </p:nvSpPr>
-        <p:spPr>
-          <a:xfrm>
-            <a:off x="519112" y="1447798"/>
-            <a:ext cx="11149013" cy="4611357"/>
-          </a:xfrm>
-        </p:spPr>
-        <p:txBody>
-          <a:bodyPr/>
-          <a:lstStyle/>
-          <a:p>
-            <a:r>
-              <a:rPr lang="en-US" dirty="0" smtClean="0"/>
-              <a:t>Apps must be registered with SharePoint online</a:t>
-            </a:r>
-          </a:p>
-          <a:p>
-            <a:pPr lvl="1"/>
-            <a:r>
-              <a:rPr lang="en-US" dirty="0" smtClean="0"/>
-              <a:t>Client ID – generated during the registration process</a:t>
-            </a:r>
-          </a:p>
-          <a:p>
-            <a:pPr lvl="1"/>
-            <a:r>
-              <a:rPr lang="en-US" dirty="0" smtClean="0"/>
-              <a:t>Client Secret – generated during the registration process</a:t>
-            </a:r>
-          </a:p>
-          <a:p>
-            <a:pPr lvl="1"/>
-            <a:r>
-              <a:rPr lang="en-US" dirty="0" smtClean="0"/>
-              <a:t>App Host Domain – the domain of the Azure web site hosting the app</a:t>
-            </a:r>
-          </a:p>
-          <a:p>
-            <a:pPr lvl="1"/>
-            <a:r>
-              <a:rPr lang="en-US" dirty="0" smtClean="0"/>
-              <a:t>Redirect URL – the URL of the return page after permissions are granted</a:t>
-            </a:r>
-          </a:p>
-          <a:p>
-            <a:r>
-              <a:rPr lang="en-US" dirty="0" smtClean="0"/>
-              <a:t>SharePoint provides registration management pages</a:t>
-            </a:r>
-          </a:p>
-          <a:p>
-            <a:pPr lvl="1"/>
-            <a:r>
-              <a:rPr lang="en-US" dirty="0" smtClean="0"/>
-              <a:t>AppRegNew.aspx – for registering a new app</a:t>
-            </a:r>
-          </a:p>
-          <a:p>
-            <a:pPr lvl="1"/>
-            <a:r>
-              <a:rPr lang="en-US" dirty="0" smtClean="0"/>
-              <a:t>AppInv.aspx – for updating registered apps</a:t>
-            </a:r>
-          </a:p>
-          <a:p>
-            <a:pPr lvl="1"/>
-            <a:r>
-              <a:rPr lang="en-US" dirty="0" smtClean="0"/>
-              <a:t>AppPrincipals.aspx – lists all registered apps</a:t>
-            </a:r>
-            <a:endParaRPr lang="en-US" dirty="0"/>
-          </a:p>
-        </p:txBody>
-      </p:sp>
-      <p:sp>
-        <p:nvSpPr>
-          <p:cNvPr id="3" name="Title 2"/>
-          <p:cNvSpPr>
-            <a:spLocks noGrp="1"/>
-          </p:cNvSpPr>
-          <p:nvPr>
-            <p:ph type="title"/>
-          </p:nvPr>
-        </p:nvSpPr>
-        <p:spPr/>
-        <p:txBody>
-          <a:bodyPr/>
-          <a:lstStyle/>
-          <a:p>
-            <a:r>
-              <a:rPr lang="en-US" dirty="0" smtClean="0"/>
-              <a:t>App Principals</a:t>
-            </a:r>
-            <a:endParaRPr lang="en-US" dirty="0"/>
-          </a:p>
-        </p:txBody>
-      </p:sp>
-      <p:sp>
-        <p:nvSpPr>
-          <p:cNvPr id="4" name="Slide Number Placeholder 3"/>
-          <p:cNvSpPr>
-            <a:spLocks noGrp="1"/>
-          </p:cNvSpPr>
-          <p:nvPr>
-            <p:ph type="sldNum" sz="quarter" idx="12"/>
-          </p:nvPr>
-        </p:nvSpPr>
-        <p:spPr/>
-        <p:txBody>
-          <a:bodyPr/>
-          <a:lstStyle/>
-          <a:p>
-            <a:fld id="{727B4C2D-45E2-4621-8491-2995EB46A674}" type="slidenum">
-              <a:rPr lang="en-US" smtClean="0"/>
-              <a:pPr/>
-              <a:t>13</a:t>
-            </a:fld>
-            <a:endParaRPr lang="en-US" dirty="0"/>
-          </a:p>
-        </p:txBody>
-      </p:sp>
-    </p:spTree>
-    <p:extLst>
-      <p:ext uri="{BB962C8B-B14F-4D97-AF65-F5344CB8AC3E}">
-        <p14:creationId xmlns:p14="http://schemas.microsoft.com/office/powerpoint/2010/main" val="1557501063"/>
-      </p:ext>
-    </p:extLst>
-  </p:cSld>
-  <p:clrMapOvr>
-    <a:masterClrMapping/>
-  </p:clrMapOvr>
-  <p:transition>
-    <p:fade/>
-  </p:transition>
-</p:sld>
-</file>
-
-<file path=ppt/slides/slide14.xml><?xml version="1.0" encoding="utf-8"?>
-<p:sld xmlns:a="http://schemas.openxmlformats.org/drawingml/2006/main" xmlns:r="http://schemas.openxmlformats.org/officeDocument/2006/relationships" xmlns:p="http://schemas.openxmlformats.org/presentationml/2006/main">
-  <p:cSld>
-    <p:spTree>
-      <p:nvGrpSpPr>
-        <p:cNvPr id="1" name=""/>
-        <p:cNvGrpSpPr/>
-        <p:nvPr/>
-      </p:nvGrpSpPr>
-      <p:grpSpPr>
-        <a:xfrm>
-          <a:off x="0" y="0"/>
-          <a:ext cx="0" cy="0"/>
-          <a:chOff x="0" y="0"/>
-          <a:chExt cx="0" cy="0"/>
-        </a:xfrm>
-      </p:grpSpPr>
-      <p:sp>
-        <p:nvSpPr>
-          <p:cNvPr id="2" name="Title 1"/>
-          <p:cNvSpPr>
-            <a:spLocks noGrp="1"/>
-          </p:cNvSpPr>
-          <p:nvPr>
-            <p:ph type="title"/>
-          </p:nvPr>
-        </p:nvSpPr>
-        <p:spPr/>
-        <p:txBody>
-          <a:bodyPr/>
-          <a:lstStyle/>
-          <a:p>
-            <a:r>
-              <a:rPr lang="en-US" dirty="0" smtClean="0"/>
-              <a:t>Registering a New App</a:t>
-            </a:r>
-            <a:endParaRPr lang="en-US" dirty="0"/>
-          </a:p>
-        </p:txBody>
-      </p:sp>
-      <p:sp>
-        <p:nvSpPr>
-          <p:cNvPr id="3" name="Slide Number Placeholder 2"/>
-          <p:cNvSpPr>
-            <a:spLocks noGrp="1"/>
-          </p:cNvSpPr>
-          <p:nvPr>
-            <p:ph type="sldNum" sz="quarter" idx="12"/>
-          </p:nvPr>
-        </p:nvSpPr>
-        <p:spPr/>
-        <p:txBody>
-          <a:bodyPr/>
-          <a:lstStyle/>
-          <a:p>
-            <a:fld id="{727B4C2D-45E2-4621-8491-2995EB46A674}" type="slidenum">
-              <a:rPr lang="en-US" smtClean="0"/>
-              <a:pPr/>
-              <a:t>14</a:t>
             </a:fld>
             <a:endParaRPr lang="en-US" dirty="0"/>
           </a:p>
@@ -17551,7 +17021,7 @@
 </p:sld>
 </file>
 
-<file path=ppt/slides/slide15.xml><?xml version="1.0" encoding="utf-8"?>
+<file path=ppt/slides/slide13.xml><?xml version="1.0" encoding="utf-8"?>
 <p:sld xmlns:a="http://schemas.openxmlformats.org/drawingml/2006/main" xmlns:r="http://schemas.openxmlformats.org/officeDocument/2006/relationships" xmlns:p="http://schemas.openxmlformats.org/presentationml/2006/main">
   <p:cSld>
     <p:spTree>
@@ -17660,7 +17130,7 @@
             <a:fld id="{727B4C2D-45E2-4621-8491-2995EB46A674}" type="slidenum">
               <a:rPr lang="en-US" smtClean="0"/>
               <a:pPr/>
-              <a:t>15</a:t>
+              <a:t>13</a:t>
             </a:fld>
             <a:endParaRPr lang="en-US" dirty="0"/>
           </a:p>
@@ -17682,7 +17152,7 @@
 </p:sld>
 </file>
 
-<file path=ppt/slides/slide16.xml><?xml version="1.0" encoding="utf-8"?>
+<file path=ppt/slides/slide14.xml><?xml version="1.0" encoding="utf-8"?>
 <p:sld xmlns:a="http://schemas.openxmlformats.org/drawingml/2006/main" xmlns:r="http://schemas.openxmlformats.org/officeDocument/2006/relationships" xmlns:p="http://schemas.openxmlformats.org/presentationml/2006/main">
   <p:cSld>
     <p:spTree>
@@ -17744,7 +17214,7 @@
             <a:fld id="{727B4C2D-45E2-4621-8491-2995EB46A674}" type="slidenum">
               <a:rPr lang="en-US" smtClean="0"/>
               <a:pPr/>
-              <a:t>16</a:t>
+              <a:t>14</a:t>
             </a:fld>
             <a:endParaRPr lang="en-US" dirty="0"/>
           </a:p>
@@ -18168,7 +17638,7 @@
 </p:sld>
 </file>
 
-<file path=ppt/slides/slide17.xml><?xml version="1.0" encoding="utf-8"?>
+<file path=ppt/slides/slide15.xml><?xml version="1.0" encoding="utf-8"?>
 <p:sld xmlns:a="http://schemas.openxmlformats.org/drawingml/2006/main" xmlns:r="http://schemas.openxmlformats.org/officeDocument/2006/relationships" xmlns:p="http://schemas.openxmlformats.org/presentationml/2006/main">
   <p:cSld>
     <p:spTree>
@@ -18230,7 +17700,7 @@
             <a:fld id="{727B4C2D-45E2-4621-8491-2995EB46A674}" type="slidenum">
               <a:rPr lang="en-US" smtClean="0"/>
               <a:pPr/>
-              <a:t>17</a:t>
+              <a:t>15</a:t>
             </a:fld>
             <a:endParaRPr lang="en-US" dirty="0"/>
           </a:p>
@@ -18733,7 +18203,7 @@
 </p:sld>
 </file>
 
-<file path=ppt/slides/slide18.xml><?xml version="1.0" encoding="utf-8"?>
+<file path=ppt/slides/slide16.xml><?xml version="1.0" encoding="utf-8"?>
 <p:sld xmlns:a="http://schemas.openxmlformats.org/drawingml/2006/main" xmlns:r="http://schemas.openxmlformats.org/officeDocument/2006/relationships" xmlns:p="http://schemas.openxmlformats.org/presentationml/2006/main">
   <p:cSld>
     <p:spTree>
@@ -18795,7 +18265,7 @@
             <a:fld id="{727B4C2D-45E2-4621-8491-2995EB46A674}" type="slidenum">
               <a:rPr lang="en-US" smtClean="0"/>
               <a:pPr/>
-              <a:t>18</a:t>
+              <a:t>16</a:t>
             </a:fld>
             <a:endParaRPr lang="en-US" dirty="0"/>
           </a:p>
@@ -19317,7 +18787,7 @@
 </p:sld>
 </file>
 
-<file path=ppt/slides/slide19.xml><?xml version="1.0" encoding="utf-8"?>
+<file path=ppt/slides/slide17.xml><?xml version="1.0" encoding="utf-8"?>
 <p:sld xmlns:a="http://schemas.openxmlformats.org/drawingml/2006/main" xmlns:r="http://schemas.openxmlformats.org/officeDocument/2006/relationships" xmlns:p="http://schemas.openxmlformats.org/presentationml/2006/main">
   <p:cSld>
     <p:spTree>
@@ -19379,7 +18849,7 @@
             <a:fld id="{727B4C2D-45E2-4621-8491-2995EB46A674}" type="slidenum">
               <a:rPr lang="en-US" smtClean="0"/>
               <a:pPr/>
-              <a:t>19</a:t>
+              <a:t>17</a:t>
             </a:fld>
             <a:endParaRPr lang="en-US" dirty="0"/>
           </a:p>
@@ -19882,7 +19352,7 @@
 </p:sld>
 </file>
 
-<file path=ppt/slides/slide2.xml><?xml version="1.0" encoding="utf-8"?>
+<file path=ppt/slides/slide18.xml><?xml version="1.0" encoding="utf-8"?>
 <p:sld xmlns:a="http://schemas.openxmlformats.org/drawingml/2006/main" xmlns:r="http://schemas.openxmlformats.org/officeDocument/2006/relationships" xmlns:p="http://schemas.openxmlformats.org/presentationml/2006/main">
   <p:cSld>
     <p:spTree>
@@ -19901,299 +19371,6 @@
       </p:grpSpPr>
       <p:sp>
         <p:nvSpPr>
-          <p:cNvPr id="5" name="Title 4"/>
-          <p:cNvSpPr>
-            <a:spLocks noGrp="1"/>
-          </p:cNvSpPr>
-          <p:nvPr>
-            <p:ph type="title"/>
-          </p:nvPr>
-        </p:nvSpPr>
-        <p:spPr/>
-        <p:txBody>
-          <a:bodyPr/>
-          <a:lstStyle/>
-          <a:p>
-            <a:r>
-              <a:rPr lang="en-US" dirty="0" smtClean="0"/>
-              <a:t>Course Agenda</a:t>
-            </a:r>
-            <a:endParaRPr lang="en-US" dirty="0"/>
-          </a:p>
-        </p:txBody>
-      </p:sp>
-      <p:graphicFrame>
-        <p:nvGraphicFramePr>
-          <p:cNvPr id="10" name="Content Placeholder 9"/>
-          <p:cNvGraphicFramePr>
-            <a:graphicFrameLocks noGrp="1"/>
-          </p:cNvGraphicFramePr>
-          <p:nvPr>
-            <p:ph sz="quarter" idx="10"/>
-            <p:extLst>
-              <p:ext uri="{D42A27DB-BD31-4B8C-83A1-F6EECF244321}">
-                <p14:modId xmlns:p14="http://schemas.microsoft.com/office/powerpoint/2010/main" val="2679123538"/>
-              </p:ext>
-            </p:extLst>
-          </p:nvPr>
-        </p:nvGraphicFramePr>
-        <p:xfrm>
-          <a:off x="351383" y="1063255"/>
-          <a:ext cx="11225057" cy="3301434"/>
-        </p:xfrm>
-        <a:graphic>
-          <a:graphicData uri="http://schemas.openxmlformats.org/drawingml/2006/table">
-            <a:tbl>
-              <a:tblPr firstRow="1" bandRow="1">
-                <a:tableStyleId>{5C22544A-7EE6-4342-B048-85BDC9FD1C3A}</a:tableStyleId>
-              </a:tblPr>
-              <a:tblGrid>
-                <a:gridCol w="11225057">
-                  <a:extLst>
-                    <a:ext uri="{9D8B030D-6E8A-4147-A177-3AD203B41FA5}">
-                      <a16:colId xmlns:a16="http://schemas.microsoft.com/office/drawing/2014/main" xmlns="" val="1253488153"/>
-                    </a:ext>
-                  </a:extLst>
-                </a:gridCol>
-              </a:tblGrid>
-              <a:tr h="273317">
-                <a:tc>
-                  <a:txBody>
-                    <a:bodyPr/>
-                    <a:lstStyle/>
-                    <a:p>
-                      <a:r>
-                        <a:rPr lang="en-US" sz="2800" dirty="0" smtClean="0"/>
-                        <a:t>Office Camp</a:t>
-                      </a:r>
-                      <a:endParaRPr lang="en-US" sz="2800" dirty="0"/>
-                    </a:p>
-                  </a:txBody>
-                  <a:tcPr marL="91403" marR="91403" marT="45701" marB="45701" anchor="ctr"/>
-                </a:tc>
-                <a:extLst>
-                  <a:ext uri="{0D108BD9-81ED-4DB2-BD59-A6C34878D82A}">
-                    <a16:rowId xmlns:a16="http://schemas.microsoft.com/office/drawing/2014/main" xmlns="" val="829859176"/>
-                  </a:ext>
-                </a:extLst>
-              </a:tr>
-              <a:tr h="534826">
-                <a:tc>
-                  <a:txBody>
-                    <a:bodyPr/>
-                    <a:lstStyle/>
-                    <a:p>
-                      <a:r>
-                        <a:rPr lang="en-US" sz="2400" b="0" dirty="0" smtClean="0"/>
-                        <a:t>Module 1: Introduction to the Day</a:t>
-                      </a:r>
-                    </a:p>
-                  </a:txBody>
-                  <a:tcPr marL="91403" marR="91403" marT="45701" marB="45701" anchor="ctr"/>
-                </a:tc>
-                <a:extLst>
-                  <a:ext uri="{0D108BD9-81ED-4DB2-BD59-A6C34878D82A}">
-                    <a16:rowId xmlns:a16="http://schemas.microsoft.com/office/drawing/2014/main" xmlns="" val="1946132611"/>
-                  </a:ext>
-                </a:extLst>
-              </a:tr>
-              <a:tr h="340173">
-                <a:tc>
-                  <a:txBody>
-                    <a:bodyPr/>
-                    <a:lstStyle/>
-                    <a:p>
-                      <a:pPr marL="0" marR="0" indent="0" algn="l" defTabSz="932559" rtl="0" eaLnBrk="1" fontAlgn="auto" latinLnBrk="0" hangingPunct="1">
-                        <a:lnSpc>
-                          <a:spcPct val="100000"/>
-                        </a:lnSpc>
-                        <a:spcBef>
-                          <a:spcPts val="0"/>
-                        </a:spcBef>
-                        <a:spcAft>
-                          <a:spcPts val="0"/>
-                        </a:spcAft>
-                        <a:buClrTx/>
-                        <a:buSzTx/>
-                        <a:buFontTx/>
-                        <a:buNone/>
-                        <a:tabLst/>
-                        <a:defRPr/>
-                      </a:pPr>
-                      <a:r>
-                        <a:rPr lang="en-US" sz="2400" dirty="0" smtClean="0"/>
-                        <a:t>Module 2: Setting up the Environments</a:t>
-                      </a:r>
-                    </a:p>
-                  </a:txBody>
-                  <a:tcPr marL="91403" marR="91403" marT="45701" marB="45701" anchor="ctr"/>
-                </a:tc>
-                <a:extLst>
-                  <a:ext uri="{0D108BD9-81ED-4DB2-BD59-A6C34878D82A}">
-                    <a16:rowId xmlns:a16="http://schemas.microsoft.com/office/drawing/2014/main" xmlns="" val="3204002662"/>
-                  </a:ext>
-                </a:extLst>
-              </a:tr>
-              <a:tr h="534826">
-                <a:tc>
-                  <a:txBody>
-                    <a:bodyPr/>
-                    <a:lstStyle/>
-                    <a:p>
-                      <a:pPr marL="0" marR="0" indent="0" algn="l" defTabSz="914363" rtl="0" eaLnBrk="1" fontAlgn="auto" latinLnBrk="0" hangingPunct="1">
-                        <a:lnSpc>
-                          <a:spcPct val="100000"/>
-                        </a:lnSpc>
-                        <a:spcBef>
-                          <a:spcPts val="0"/>
-                        </a:spcBef>
-                        <a:spcAft>
-                          <a:spcPts val="0"/>
-                        </a:spcAft>
-                        <a:buClrTx/>
-                        <a:buSzTx/>
-                        <a:buFontTx/>
-                        <a:buNone/>
-                        <a:tabLst/>
-                        <a:defRPr/>
-                      </a:pPr>
-                      <a:r>
-                        <a:rPr lang="en-US" sz="2400" dirty="0" smtClean="0"/>
-                        <a:t>Module 3: Hook into Apps for SharePoint</a:t>
-                      </a:r>
-                    </a:p>
-                  </a:txBody>
-                  <a:tcPr marL="91403" marR="91403" marT="45701" marB="45701" anchor="ctr"/>
-                </a:tc>
-                <a:extLst>
-                  <a:ext uri="{0D108BD9-81ED-4DB2-BD59-A6C34878D82A}">
-                    <a16:rowId xmlns:a16="http://schemas.microsoft.com/office/drawing/2014/main" xmlns="" val="4266278162"/>
-                  </a:ext>
-                </a:extLst>
-              </a:tr>
-              <a:tr h="649320">
-                <a:tc>
-                  <a:txBody>
-                    <a:bodyPr/>
-                    <a:lstStyle/>
-                    <a:p>
-                      <a:pPr marL="0" marR="0" indent="0" algn="l" defTabSz="914363" rtl="0" eaLnBrk="1" fontAlgn="auto" latinLnBrk="0" hangingPunct="1">
-                        <a:lnSpc>
-                          <a:spcPct val="100000"/>
-                        </a:lnSpc>
-                        <a:spcBef>
-                          <a:spcPts val="0"/>
-                        </a:spcBef>
-                        <a:spcAft>
-                          <a:spcPts val="0"/>
-                        </a:spcAft>
-                        <a:buClrTx/>
-                        <a:buSzTx/>
-                        <a:buFontTx/>
-                        <a:buNone/>
-                        <a:tabLst/>
-                        <a:defRPr/>
-                      </a:pPr>
-                      <a:r>
-                        <a:rPr lang="en-US" sz="2400" b="0" dirty="0" smtClean="0"/>
-                        <a:t>Module 4: </a:t>
-                      </a:r>
-                      <a:r>
-                        <a:rPr lang="en-US" sz="2400" dirty="0" smtClean="0"/>
-                        <a:t>Hook into Office </a:t>
-                      </a:r>
-                      <a:r>
-                        <a:rPr lang="en-US" sz="2400" smtClean="0"/>
-                        <a:t>365 </a:t>
-                      </a:r>
-                      <a:r>
-                        <a:rPr lang="en-US" sz="2400" smtClean="0"/>
-                        <a:t>APIs</a:t>
-                      </a:r>
-                      <a:endParaRPr lang="en-US" sz="2400" dirty="0" smtClean="0"/>
-                    </a:p>
-                  </a:txBody>
-                  <a:tcPr marL="91403" marR="91403" marT="45701" marB="45701" anchor="ctr"/>
-                </a:tc>
-              </a:tr>
-              <a:tr h="607178">
-                <a:tc>
-                  <a:txBody>
-                    <a:bodyPr/>
-                    <a:lstStyle/>
-                    <a:p>
-                      <a:pPr marL="0" marR="0" indent="0" algn="l" defTabSz="914363" rtl="0" eaLnBrk="1" fontAlgn="auto" latinLnBrk="0" hangingPunct="1">
-                        <a:lnSpc>
-                          <a:spcPct val="100000"/>
-                        </a:lnSpc>
-                        <a:spcBef>
-                          <a:spcPts val="0"/>
-                        </a:spcBef>
-                        <a:spcAft>
-                          <a:spcPts val="0"/>
-                        </a:spcAft>
-                        <a:buClrTx/>
-                        <a:buSzTx/>
-                        <a:buFontTx/>
-                        <a:buNone/>
-                        <a:tabLst/>
-                        <a:defRPr/>
-                      </a:pPr>
-                      <a:r>
-                        <a:rPr lang="en-US" sz="2400" b="0" dirty="0" smtClean="0"/>
-                        <a:t>Module 5: Hook into Apps for Office</a:t>
-                      </a:r>
-                    </a:p>
-                  </a:txBody>
-                  <a:tcPr marL="91403" marR="91403" marT="45701" marB="45701" anchor="ctr"/>
-                </a:tc>
-              </a:tr>
-            </a:tbl>
-          </a:graphicData>
-        </a:graphic>
-      </p:graphicFrame>
-    </p:spTree>
-    <p:extLst>
-      <p:ext uri="{BB962C8B-B14F-4D97-AF65-F5344CB8AC3E}">
-        <p14:creationId xmlns:p14="http://schemas.microsoft.com/office/powerpoint/2010/main" val="2628257742"/>
-      </p:ext>
-    </p:extLst>
-  </p:cSld>
-  <p:clrMapOvr>
-    <a:masterClrMapping/>
-  </p:clrMapOvr>
-  <p:transition>
-    <p:fade/>
-  </p:transition>
-  <p:timing>
-    <p:tnLst>
-      <p:par>
-        <p:cTn id="1" dur="indefinite" restart="never" nodeType="tmRoot"/>
-      </p:par>
-    </p:tnLst>
-  </p:timing>
-</p:sld>
-</file>
-
-<file path=ppt/slides/slide20.xml><?xml version="1.0" encoding="utf-8"?>
-<p:sld xmlns:a="http://schemas.openxmlformats.org/drawingml/2006/main" xmlns:r="http://schemas.openxmlformats.org/officeDocument/2006/relationships" xmlns:p="http://schemas.openxmlformats.org/presentationml/2006/main">
-  <p:cSld>
-    <p:spTree>
-      <p:nvGrpSpPr>
-        <p:cNvPr id="1" name=""/>
-        <p:cNvGrpSpPr/>
-        <p:nvPr/>
-      </p:nvGrpSpPr>
-      <p:grpSpPr>
-        <a:xfrm>
-          <a:off x="0" y="0"/>
-          <a:ext cx="0" cy="0"/>
-          <a:chOff x="0" y="0"/>
-          <a:chExt cx="0" cy="0"/>
-        </a:xfrm>
-      </p:grpSpPr>
-      <p:sp>
-        <p:nvSpPr>
           <p:cNvPr id="2" name="Title 1"/>
           <p:cNvSpPr>
             <a:spLocks noGrp="1"/>
@@ -20237,7 +19414,7 @@
             <a:fld id="{727B4C2D-45E2-4621-8491-2995EB46A674}" type="slidenum">
               <a:rPr lang="en-US" smtClean="0"/>
               <a:pPr/>
-              <a:t>20</a:t>
+              <a:t>18</a:t>
             </a:fld>
             <a:endParaRPr lang="en-US" dirty="0"/>
           </a:p>
@@ -20812,7 +19989,7 @@
 </p:sld>
 </file>
 
-<file path=ppt/slides/slide21.xml><?xml version="1.0" encoding="utf-8"?>
+<file path=ppt/slides/slide19.xml><?xml version="1.0" encoding="utf-8"?>
 <p:sld xmlns:a="http://schemas.openxmlformats.org/drawingml/2006/main" xmlns:r="http://schemas.openxmlformats.org/officeDocument/2006/relationships" xmlns:p="http://schemas.openxmlformats.org/presentationml/2006/main">
   <p:cSld>
     <p:spTree>
@@ -20874,7 +20051,7 @@
             <a:fld id="{727B4C2D-45E2-4621-8491-2995EB46A674}" type="slidenum">
               <a:rPr lang="en-US" smtClean="0"/>
               <a:pPr/>
-              <a:t>21</a:t>
+              <a:t>19</a:t>
             </a:fld>
             <a:endParaRPr lang="en-US" dirty="0"/>
           </a:p>
@@ -21359,7 +20536,7 @@
 </p:sld>
 </file>
 
-<file path=ppt/slides/slide22.xml><?xml version="1.0" encoding="utf-8"?>
+<file path=ppt/slides/slide2.xml><?xml version="1.0" encoding="utf-8"?>
 <p:sld xmlns:a="http://schemas.openxmlformats.org/drawingml/2006/main" xmlns:r="http://schemas.openxmlformats.org/officeDocument/2006/relationships" xmlns:p="http://schemas.openxmlformats.org/presentationml/2006/main">
   <p:cSld>
     <p:spTree>
@@ -21378,6 +20555,154 @@
       </p:grpSpPr>
       <p:sp>
         <p:nvSpPr>
+          <p:cNvPr id="2" name="Text Placeholder 1"/>
+          <p:cNvSpPr>
+            <a:spLocks noGrp="1"/>
+          </p:cNvSpPr>
+          <p:nvPr>
+            <p:ph type="body" sz="quarter" idx="15"/>
+          </p:nvPr>
+        </p:nvSpPr>
+        <p:spPr>
+          <a:xfrm>
+            <a:off x="4570903" y="1814048"/>
+            <a:ext cx="7617922" cy="2881519"/>
+          </a:xfrm>
+        </p:spPr>
+        <p:txBody>
+          <a:bodyPr/>
+          <a:lstStyle/>
+          <a:p>
+            <a:r>
+              <a:rPr lang="en-US" dirty="0" smtClean="0"/>
+              <a:t>Introduction</a:t>
+            </a:r>
+          </a:p>
+          <a:p>
+            <a:r>
+              <a:rPr lang="en-US" dirty="0" smtClean="0"/>
+              <a:t>Programming </a:t>
+            </a:r>
+            <a:r>
+              <a:rPr lang="en-US" dirty="0" err="1" smtClean="0"/>
+              <a:t>OAuth</a:t>
+            </a:r>
+            <a:endParaRPr lang="en-US" dirty="0" smtClean="0"/>
+          </a:p>
+          <a:p>
+            <a:r>
+              <a:rPr lang="en-US" dirty="0" smtClean="0"/>
+              <a:t>Programming Cross-Domain Library</a:t>
+            </a:r>
+          </a:p>
+        </p:txBody>
+      </p:sp>
+      <p:pic>
+        <p:nvPicPr>
+          <p:cNvPr id="4" name="Picture Placeholder 3"/>
+          <p:cNvPicPr>
+            <a:picLocks noGrp="1" noChangeAspect="1"/>
+          </p:cNvPicPr>
+          <p:nvPr>
+            <p:ph type="pic" sz="quarter" idx="16"/>
+          </p:nvPr>
+        </p:nvPicPr>
+        <p:blipFill>
+          <a:blip r:embed="rId3">
+            <a:extLst>
+              <a:ext uri="{28A0092B-C50C-407E-A947-70E740481C1C}">
+                <a14:useLocalDpi xmlns:a14="http://schemas.microsoft.com/office/drawing/2010/main" val="0"/>
+              </a:ext>
+            </a:extLst>
+          </a:blip>
+          <a:stretch>
+            <a:fillRect/>
+          </a:stretch>
+        </p:blipFill>
+        <p:spPr>
+          <a:xfrm>
+            <a:off x="269169" y="1905492"/>
+            <a:ext cx="4301734" cy="2865616"/>
+          </a:xfrm>
+        </p:spPr>
+      </p:pic>
+      <p:sp>
+        <p:nvSpPr>
+          <p:cNvPr id="5" name="Title 4"/>
+          <p:cNvSpPr>
+            <a:spLocks noGrp="1"/>
+          </p:cNvSpPr>
+          <p:nvPr>
+            <p:ph type="title"/>
+          </p:nvPr>
+        </p:nvSpPr>
+        <p:spPr/>
+        <p:txBody>
+          <a:bodyPr/>
+          <a:lstStyle/>
+          <a:p>
+            <a:r>
+              <a:rPr lang="en-US" dirty="0" smtClean="0"/>
+              <a:t>Agenda</a:t>
+            </a:r>
+            <a:br>
+              <a:rPr lang="en-US" dirty="0" smtClean="0"/>
+            </a:br>
+            <a:endParaRPr lang="en-US" dirty="0"/>
+          </a:p>
+        </p:txBody>
+      </p:sp>
+    </p:spTree>
+    <p:extLst>
+      <p:ext uri="{BB962C8B-B14F-4D97-AF65-F5344CB8AC3E}">
+        <p14:creationId xmlns:p14="http://schemas.microsoft.com/office/powerpoint/2010/main" val="2395946767"/>
+      </p:ext>
+    </p:extLst>
+  </p:cSld>
+  <p:clrMapOvr>
+    <a:masterClrMapping/>
+  </p:clrMapOvr>
+  <mc:AlternateContent xmlns:mc="http://schemas.openxmlformats.org/markup-compatibility/2006" xmlns:p14="http://schemas.microsoft.com/office/powerpoint/2010/main">
+    <mc:Choice Requires="p14">
+      <p:transition spd="med" p14:dur="700">
+        <p:fade/>
+      </p:transition>
+    </mc:Choice>
+    <mc:Fallback xmlns="">
+      <p:transition spd="med">
+        <p:fade/>
+      </p:transition>
+    </mc:Fallback>
+  </mc:AlternateContent>
+  <p:timing>
+    <p:tnLst>
+      <p:par>
+        <p:cTn id="1" dur="indefinite" restart="never" nodeType="tmRoot"/>
+      </p:par>
+    </p:tnLst>
+  </p:timing>
+</p:sld>
+</file>
+
+<file path=ppt/slides/slide20.xml><?xml version="1.0" encoding="utf-8"?>
+<p:sld xmlns:a="http://schemas.openxmlformats.org/drawingml/2006/main" xmlns:r="http://schemas.openxmlformats.org/officeDocument/2006/relationships" xmlns:p="http://schemas.openxmlformats.org/presentationml/2006/main">
+  <p:cSld>
+    <p:spTree>
+      <p:nvGrpSpPr>
+        <p:cNvPr id="1" name=""/>
+        <p:cNvGrpSpPr/>
+        <p:nvPr/>
+      </p:nvGrpSpPr>
+      <p:grpSpPr>
+        <a:xfrm>
+          <a:off x="0" y="0"/>
+          <a:ext cx="0" cy="0"/>
+          <a:chOff x="0" y="0"/>
+          <a:chExt cx="0" cy="0"/>
+        </a:xfrm>
+      </p:grpSpPr>
+      <p:sp>
+        <p:nvSpPr>
           <p:cNvPr id="2" name="Title 1"/>
           <p:cNvSpPr>
             <a:spLocks noGrp="1"/>
@@ -21421,7 +20746,7 @@
             <a:fld id="{727B4C2D-45E2-4621-8491-2995EB46A674}" type="slidenum">
               <a:rPr lang="en-US" smtClean="0"/>
               <a:pPr/>
-              <a:t>22</a:t>
+              <a:t>20</a:t>
             </a:fld>
             <a:endParaRPr lang="en-US" dirty="0"/>
           </a:p>
@@ -21959,7 +21284,7 @@
 </p:sld>
 </file>
 
-<file path=ppt/slides/slide23.xml><?xml version="1.0" encoding="utf-8"?>
+<file path=ppt/slides/slide21.xml><?xml version="1.0" encoding="utf-8"?>
 <p:sld xmlns:a="http://schemas.openxmlformats.org/drawingml/2006/main" xmlns:r="http://schemas.openxmlformats.org/officeDocument/2006/relationships" xmlns:p="http://schemas.openxmlformats.org/presentationml/2006/main">
   <p:cSld>
     <p:spTree>
@@ -22021,7 +21346,7 @@
             <a:fld id="{727B4C2D-45E2-4621-8491-2995EB46A674}" type="slidenum">
               <a:rPr lang="en-US" smtClean="0"/>
               <a:pPr/>
-              <a:t>23</a:t>
+              <a:t>21</a:t>
             </a:fld>
             <a:endParaRPr lang="en-US" dirty="0"/>
           </a:p>
@@ -22524,7 +21849,7 @@
 </p:sld>
 </file>
 
-<file path=ppt/slides/slide24.xml><?xml version="1.0" encoding="utf-8"?>
+<file path=ppt/slides/slide22.xml><?xml version="1.0" encoding="utf-8"?>
 <p:sld xmlns:a="http://schemas.openxmlformats.org/drawingml/2006/main" xmlns:r="http://schemas.openxmlformats.org/officeDocument/2006/relationships" xmlns:p="http://schemas.openxmlformats.org/presentationml/2006/main">
   <p:cSld>
     <p:spTree>
@@ -22585,7 +21910,7 @@
             <a:fld id="{727B4C2D-45E2-4621-8491-2995EB46A674}" type="slidenum">
               <a:rPr lang="en-US" smtClean="0"/>
               <a:pPr/>
-              <a:t>24</a:t>
+              <a:t>22</a:t>
             </a:fld>
             <a:endParaRPr lang="en-US" dirty="0"/>
           </a:p>
@@ -23109,7 +22434,7 @@
 </p:sld>
 </file>
 
-<file path=ppt/slides/slide25.xml><?xml version="1.0" encoding="utf-8"?>
+<file path=ppt/slides/slide23.xml><?xml version="1.0" encoding="utf-8"?>
 <p:sld xmlns:a="http://schemas.openxmlformats.org/drawingml/2006/main" xmlns:r="http://schemas.openxmlformats.org/officeDocument/2006/relationships" xmlns:p="http://schemas.openxmlformats.org/presentationml/2006/main">
   <p:cSld>
     <p:spTree>
@@ -23170,7 +22495,7 @@
             <a:fld id="{727B4C2D-45E2-4621-8491-2995EB46A674}" type="slidenum">
               <a:rPr lang="en-US" smtClean="0"/>
               <a:pPr/>
-              <a:t>25</a:t>
+              <a:t>23</a:t>
             </a:fld>
             <a:endParaRPr lang="en-US" dirty="0"/>
           </a:p>
@@ -23673,7 +22998,7 @@
 </p:sld>
 </file>
 
-<file path=ppt/slides/slide26.xml><?xml version="1.0" encoding="utf-8"?>
+<file path=ppt/slides/slide24.xml><?xml version="1.0" encoding="utf-8"?>
 <p:sld xmlns:a="http://schemas.openxmlformats.org/drawingml/2006/main" xmlns:r="http://schemas.openxmlformats.org/officeDocument/2006/relationships" xmlns:p="http://schemas.openxmlformats.org/presentationml/2006/main">
   <p:cSld>
     <p:spTree>
@@ -23803,7 +23128,7 @@
             <a:fld id="{727B4C2D-45E2-4621-8491-2995EB46A674}" type="slidenum">
               <a:rPr lang="en-US" smtClean="0"/>
               <a:pPr/>
-              <a:t>26</a:t>
+              <a:t>24</a:t>
             </a:fld>
             <a:endParaRPr lang="en-US" dirty="0"/>
           </a:p>
@@ -23832,7 +23157,7 @@
 </p:sld>
 </file>
 
-<file path=ppt/slides/slide27.xml><?xml version="1.0" encoding="utf-8"?>
+<file path=ppt/slides/slide25.xml><?xml version="1.0" encoding="utf-8"?>
 <p:sld xmlns:a="http://schemas.openxmlformats.org/drawingml/2006/main" xmlns:r="http://schemas.openxmlformats.org/officeDocument/2006/relationships" xmlns:p="http://schemas.openxmlformats.org/presentationml/2006/main">
   <p:cSld>
     <p:spTree>
@@ -24057,7 +23382,7 @@
 </p:sld>
 </file>
 
-<file path=ppt/slides/slide28.xml><?xml version="1.0" encoding="utf-8"?>
+<file path=ppt/slides/slide26.xml><?xml version="1.0" encoding="utf-8"?>
 <p:sld xmlns:a="http://schemas.openxmlformats.org/drawingml/2006/main" xmlns:r="http://schemas.openxmlformats.org/officeDocument/2006/relationships" xmlns:p="http://schemas.openxmlformats.org/presentationml/2006/main">
   <p:cSld>
     <p:spTree>
@@ -24149,7 +23474,7 @@
 </p:sld>
 </file>
 
-<file path=ppt/slides/slide29.xml><?xml version="1.0" encoding="utf-8"?>
+<file path=ppt/slides/slide27.xml><?xml version="1.0" encoding="utf-8"?>
 <p:sld xmlns:a="http://schemas.openxmlformats.org/drawingml/2006/main" xmlns:r="http://schemas.openxmlformats.org/officeDocument/2006/relationships" xmlns:p="http://schemas.openxmlformats.org/presentationml/2006/main">
   <p:cSld>
     <p:spTree>
@@ -24241,7 +23566,7 @@
 </p:sld>
 </file>
 
-<file path=ppt/slides/slide3.xml><?xml version="1.0" encoding="utf-8"?>
+<file path=ppt/slides/slide28.xml><?xml version="1.0" encoding="utf-8"?>
 <p:sld xmlns:a="http://schemas.openxmlformats.org/drawingml/2006/main" xmlns:r="http://schemas.openxmlformats.org/officeDocument/2006/relationships" xmlns:p="http://schemas.openxmlformats.org/presentationml/2006/main">
   <p:cSld>
     <p:spTree>
@@ -24260,105 +23585,6 @@
       </p:grpSpPr>
       <p:sp>
         <p:nvSpPr>
-          <p:cNvPr id="4" name="Title 3"/>
-          <p:cNvSpPr>
-            <a:spLocks noGrp="1"/>
-          </p:cNvSpPr>
-          <p:nvPr>
-            <p:ph type="ctrTitle"/>
-          </p:nvPr>
-        </p:nvSpPr>
-        <p:spPr/>
-        <p:txBody>
-          <a:bodyPr/>
-          <a:lstStyle/>
-          <a:p>
-            <a:r>
-              <a:rPr lang="en-US" dirty="0"/>
-              <a:t>Hooking into Apps for SharePoint</a:t>
-            </a:r>
-          </a:p>
-        </p:txBody>
-      </p:sp>
-      <p:sp>
-        <p:nvSpPr>
-          <p:cNvPr id="5" name="Subtitle 4"/>
-          <p:cNvSpPr>
-            <a:spLocks noGrp="1"/>
-          </p:cNvSpPr>
-          <p:nvPr>
-            <p:ph type="subTitle" idx="1"/>
-          </p:nvPr>
-        </p:nvSpPr>
-        <p:spPr>
-          <a:xfrm>
-            <a:off x="532265" y="4735249"/>
-            <a:ext cx="7640611" cy="1878025"/>
-          </a:xfrm>
-        </p:spPr>
-        <p:txBody>
-          <a:bodyPr/>
-          <a:lstStyle/>
-          <a:p>
-            <a:r>
-              <a:rPr lang="en-US" dirty="0" smtClean="0"/>
-              <a:t>Speaker</a:t>
-            </a:r>
-          </a:p>
-          <a:p>
-            <a:endParaRPr lang="en-US" dirty="0" smtClean="0"/>
-          </a:p>
-          <a:p>
-            <a:r>
-              <a:rPr lang="en-US" dirty="0" smtClean="0"/>
-              <a:t>Speaker</a:t>
-            </a:r>
-            <a:endParaRPr lang="en-US" dirty="0"/>
-          </a:p>
-        </p:txBody>
-      </p:sp>
-    </p:spTree>
-    <p:extLst>
-      <p:ext uri="{BB962C8B-B14F-4D97-AF65-F5344CB8AC3E}">
-        <p14:creationId xmlns:p14="http://schemas.microsoft.com/office/powerpoint/2010/main" val="1233982471"/>
-      </p:ext>
-    </p:extLst>
-  </p:cSld>
-  <p:clrMapOvr>
-    <a:masterClrMapping/>
-  </p:clrMapOvr>
-  <p:transition>
-    <p:fade/>
-  </p:transition>
-  <p:timing>
-    <p:tnLst>
-      <p:par>
-        <p:cTn id="1" dur="indefinite" restart="never" nodeType="tmRoot"/>
-      </p:par>
-    </p:tnLst>
-  </p:timing>
-</p:sld>
-</file>
-
-<file path=ppt/slides/slide30.xml><?xml version="1.0" encoding="utf-8"?>
-<p:sld xmlns:a="http://schemas.openxmlformats.org/drawingml/2006/main" xmlns:r="http://schemas.openxmlformats.org/officeDocument/2006/relationships" xmlns:p="http://schemas.openxmlformats.org/presentationml/2006/main">
-  <p:cSld>
-    <p:spTree>
-      <p:nvGrpSpPr>
-        <p:cNvPr id="1" name=""/>
-        <p:cNvGrpSpPr/>
-        <p:nvPr/>
-      </p:nvGrpSpPr>
-      <p:grpSpPr>
-        <a:xfrm>
-          <a:off x="0" y="0"/>
-          <a:ext cx="0" cy="0"/>
-          <a:chOff x="0" y="0"/>
-          <a:chExt cx="0" cy="0"/>
-        </a:xfrm>
-      </p:grpSpPr>
-      <p:sp>
-        <p:nvSpPr>
           <p:cNvPr id="2" name="Title 1"/>
           <p:cNvSpPr>
             <a:spLocks noGrp="1"/>
@@ -24398,7 +23624,7 @@
             <a:fld id="{727B4C2D-45E2-4621-8491-2995EB46A674}" type="slidenum">
               <a:rPr lang="en-US" smtClean="0"/>
               <a:pPr/>
-              <a:t>30</a:t>
+              <a:t>28</a:t>
             </a:fld>
             <a:endParaRPr lang="en-US" dirty="0"/>
           </a:p>
@@ -24563,7 +23789,7 @@
 </p:sld>
 </file>
 
-<file path=ppt/slides/slide31.xml><?xml version="1.0" encoding="utf-8"?>
+<file path=ppt/slides/slide29.xml><?xml version="1.0" encoding="utf-8"?>
 <p:sld xmlns:a="http://schemas.openxmlformats.org/drawingml/2006/main" xmlns:r="http://schemas.openxmlformats.org/officeDocument/2006/relationships" xmlns:p="http://schemas.openxmlformats.org/presentationml/2006/main">
   <p:cSld>
     <p:spTree>
@@ -24733,7 +23959,7 @@
             <a:fld id="{727B4C2D-45E2-4621-8491-2995EB46A674}" type="slidenum">
               <a:rPr lang="en-US" smtClean="0"/>
               <a:pPr/>
-              <a:t>31</a:t>
+              <a:t>29</a:t>
             </a:fld>
             <a:endParaRPr lang="en-US" dirty="0"/>
           </a:p>
@@ -24762,7 +23988,7 @@
 </p:sld>
 </file>
 
-<file path=ppt/slides/slide32.xml><?xml version="1.0" encoding="utf-8"?>
+<file path=ppt/slides/slide3.xml><?xml version="1.0" encoding="utf-8"?>
 <p:sld xmlns:a="http://schemas.openxmlformats.org/drawingml/2006/main" xmlns:r="http://schemas.openxmlformats.org/officeDocument/2006/relationships" xmlns:p="http://schemas.openxmlformats.org/presentationml/2006/main">
   <p:cSld>
     <p:spTree>
@@ -24781,6 +24007,89 @@
       </p:grpSpPr>
       <p:sp>
         <p:nvSpPr>
+          <p:cNvPr id="4" name="Title 3"/>
+          <p:cNvSpPr>
+            <a:spLocks noGrp="1"/>
+          </p:cNvSpPr>
+          <p:nvPr>
+            <p:ph type="ctrTitle"/>
+          </p:nvPr>
+        </p:nvSpPr>
+        <p:spPr/>
+        <p:txBody>
+          <a:bodyPr/>
+          <a:lstStyle/>
+          <a:p>
+            <a:r>
+              <a:rPr lang="en-US" dirty="0" smtClean="0"/>
+              <a:t>Introduction</a:t>
+            </a:r>
+            <a:endParaRPr lang="en-US" dirty="0"/>
+          </a:p>
+        </p:txBody>
+      </p:sp>
+      <p:sp>
+        <p:nvSpPr>
+          <p:cNvPr id="9" name="Subtitle 4"/>
+          <p:cNvSpPr>
+            <a:spLocks noGrp="1"/>
+          </p:cNvSpPr>
+          <p:nvPr>
+            <p:ph type="subTitle" idx="1"/>
+          </p:nvPr>
+        </p:nvSpPr>
+        <p:spPr/>
+        <p:txBody>
+          <a:bodyPr/>
+          <a:lstStyle/>
+          <a:p>
+            <a:pPr lvl="0"/>
+            <a:endParaRPr lang="en-US" dirty="0"/>
+          </a:p>
+        </p:txBody>
+      </p:sp>
+    </p:spTree>
+    <p:extLst>
+      <p:ext uri="{BB962C8B-B14F-4D97-AF65-F5344CB8AC3E}">
+        <p14:creationId xmlns:p14="http://schemas.microsoft.com/office/powerpoint/2010/main" val="3852646005"/>
+      </p:ext>
+    </p:extLst>
+  </p:cSld>
+  <p:clrMapOvr>
+    <a:masterClrMapping/>
+  </p:clrMapOvr>
+  <p:transition>
+    <p:fade/>
+  </p:transition>
+  <p:timing>
+    <p:tnLst>
+      <p:par>
+        <p:cTn id="1" dur="indefinite" restart="never" nodeType="tmRoot"/>
+      </p:par>
+    </p:tnLst>
+  </p:timing>
+</p:sld>
+</file>
+
+<file path=ppt/slides/slide30.xml><?xml version="1.0" encoding="utf-8"?>
+<p:sld xmlns:a="http://schemas.openxmlformats.org/drawingml/2006/main" xmlns:r="http://schemas.openxmlformats.org/officeDocument/2006/relationships" xmlns:p="http://schemas.openxmlformats.org/presentationml/2006/main">
+  <p:cSld>
+    <p:spTree>
+      <p:nvGrpSpPr>
+        <p:cNvPr id="1" name=""/>
+        <p:cNvGrpSpPr/>
+        <p:nvPr/>
+      </p:nvGrpSpPr>
+      <p:grpSpPr>
+        <a:xfrm>
+          <a:off x="0" y="0"/>
+          <a:ext cx="0" cy="0"/>
+          <a:chOff x="0" y="0"/>
+          <a:chExt cx="0" cy="0"/>
+        </a:xfrm>
+      </p:grpSpPr>
+      <p:sp>
+        <p:nvSpPr>
           <p:cNvPr id="2" name="Text Placeholder 1"/>
           <p:cNvSpPr>
             <a:spLocks noGrp="1"/>
@@ -24917,7 +24226,7 @@
             <a:fld id="{727B4C2D-45E2-4621-8491-2995EB46A674}" type="slidenum">
               <a:rPr lang="en-US" smtClean="0"/>
               <a:pPr/>
-              <a:t>32</a:t>
+              <a:t>30</a:t>
             </a:fld>
             <a:endParaRPr lang="en-US" dirty="0"/>
           </a:p>
@@ -24946,7 +24255,7 @@
 </p:sld>
 </file>
 
-<file path=ppt/slides/slide33.xml><?xml version="1.0" encoding="utf-8"?>
+<file path=ppt/slides/slide31.xml><?xml version="1.0" encoding="utf-8"?>
 <p:sld xmlns:a="http://schemas.openxmlformats.org/drawingml/2006/main" xmlns:r="http://schemas.openxmlformats.org/officeDocument/2006/relationships" xmlns:p="http://schemas.openxmlformats.org/presentationml/2006/main">
   <p:cSld>
     <p:spTree>
@@ -25004,7 +24313,7 @@
             <a:fld id="{727B4C2D-45E2-4621-8491-2995EB46A674}" type="slidenum">
               <a:rPr lang="en-US" smtClean="0"/>
               <a:pPr/>
-              <a:t>33</a:t>
+              <a:t>31</a:t>
             </a:fld>
             <a:endParaRPr lang="en-US" dirty="0"/>
           </a:p>
@@ -25063,7 +24372,7 @@
 </p:sld>
 </file>
 
-<file path=ppt/slides/slide34.xml><?xml version="1.0" encoding="utf-8"?>
+<file path=ppt/slides/slide32.xml><?xml version="1.0" encoding="utf-8"?>
 <p:sld xmlns:a="http://schemas.openxmlformats.org/drawingml/2006/main" xmlns:r="http://schemas.openxmlformats.org/officeDocument/2006/relationships" xmlns:p="http://schemas.openxmlformats.org/presentationml/2006/main">
   <p:cSld>
     <p:spTree>
@@ -25121,7 +24430,7 @@
             <a:fld id="{727B4C2D-45E2-4621-8491-2995EB46A674}" type="slidenum">
               <a:rPr lang="en-US" smtClean="0"/>
               <a:pPr/>
-              <a:t>34</a:t>
+              <a:t>32</a:t>
             </a:fld>
             <a:endParaRPr lang="en-US" dirty="0"/>
           </a:p>
@@ -25180,7 +24489,7 @@
 </p:sld>
 </file>
 
-<file path=ppt/slides/slide35.xml><?xml version="1.0" encoding="utf-8"?>
+<file path=ppt/slides/slide33.xml><?xml version="1.0" encoding="utf-8"?>
 <p:sld xmlns:a="http://schemas.openxmlformats.org/drawingml/2006/main" xmlns:r="http://schemas.openxmlformats.org/officeDocument/2006/relationships" xmlns:p="http://schemas.openxmlformats.org/presentationml/2006/main">
   <p:cSld>
     <p:spTree>
@@ -25263,7 +24572,7 @@
 </p:sld>
 </file>
 
-<file path=ppt/slides/slide36.xml><?xml version="1.0" encoding="utf-8"?>
+<file path=ppt/slides/slide34.xml><?xml version="1.0" encoding="utf-8"?>
 <p:sld xmlns:a="http://schemas.openxmlformats.org/drawingml/2006/main" xmlns:r="http://schemas.openxmlformats.org/officeDocument/2006/relationships" xmlns:p="http://schemas.openxmlformats.org/presentationml/2006/main">
   <p:cSld>
     <p:spTree>
@@ -25362,7 +24671,7 @@
             <a:fld id="{727B4C2D-45E2-4621-8491-2995EB46A674}" type="slidenum">
               <a:rPr lang="en-US" smtClean="0"/>
               <a:pPr/>
-              <a:t>36</a:t>
+              <a:t>34</a:t>
             </a:fld>
             <a:endParaRPr lang="en-US" dirty="0"/>
           </a:p>
@@ -25391,7 +24700,7 @@
 </p:sld>
 </file>
 
-<file path=ppt/slides/slide37.xml><?xml version="1.0" encoding="utf-8"?>
+<file path=ppt/slides/slide35.xml><?xml version="1.0" encoding="utf-8"?>
 <p:sld xmlns:a="http://schemas.openxmlformats.org/drawingml/2006/main" xmlns:r="http://schemas.openxmlformats.org/officeDocument/2006/relationships" xmlns:p="http://schemas.openxmlformats.org/presentationml/2006/main">
   <p:cSld>
     <p:spTree>
@@ -25489,7 +24798,7 @@
             <a:fld id="{727B4C2D-45E2-4621-8491-2995EB46A674}" type="slidenum">
               <a:rPr lang="en-US" smtClean="0"/>
               <a:pPr/>
-              <a:t>37</a:t>
+              <a:t>35</a:t>
             </a:fld>
             <a:endParaRPr lang="en-US" dirty="0"/>
           </a:p>
@@ -25548,7 +24857,7 @@
 </p:sld>
 </file>
 
-<file path=ppt/slides/slide38.xml><?xml version="1.0" encoding="utf-8"?>
+<file path=ppt/slides/slide36.xml><?xml version="1.0" encoding="utf-8"?>
 <p:sld xmlns:a="http://schemas.openxmlformats.org/drawingml/2006/main" xmlns:r="http://schemas.openxmlformats.org/officeDocument/2006/relationships" xmlns:p="http://schemas.openxmlformats.org/presentationml/2006/main">
   <p:cSld>
     <p:spTree>
@@ -25606,7 +24915,7 @@
             <a:fld id="{727B4C2D-45E2-4621-8491-2995EB46A674}" type="slidenum">
               <a:rPr lang="en-US" smtClean="0"/>
               <a:pPr/>
-              <a:t>38</a:t>
+              <a:t>36</a:t>
             </a:fld>
             <a:endParaRPr lang="en-US" dirty="0"/>
           </a:p>
@@ -26763,7 +26072,7 @@
 </p:sld>
 </file>
 
-<file path=ppt/slides/slide39.xml><?xml version="1.0" encoding="utf-8"?>
+<file path=ppt/slides/slide37.xml><?xml version="1.0" encoding="utf-8"?>
 <p:sld xmlns:a="http://schemas.openxmlformats.org/drawingml/2006/main" xmlns:r="http://schemas.openxmlformats.org/officeDocument/2006/relationships" xmlns:p="http://schemas.openxmlformats.org/presentationml/2006/main">
   <p:cSld>
     <p:spTree>
@@ -26821,7 +26130,7 @@
             <a:fld id="{727B4C2D-45E2-4621-8491-2995EB46A674}" type="slidenum">
               <a:rPr lang="en-US" smtClean="0"/>
               <a:pPr/>
-              <a:t>39</a:t>
+              <a:t>37</a:t>
             </a:fld>
             <a:endParaRPr lang="en-US" dirty="0"/>
           </a:p>
@@ -27002,7 +26311,7 @@
 </p:sld>
 </file>
 
-<file path=ppt/slides/slide4.xml><?xml version="1.0" encoding="utf-8"?>
+<file path=ppt/slides/slide38.xml><?xml version="1.0" encoding="utf-8"?>
 <p:sld xmlns:a="http://schemas.openxmlformats.org/drawingml/2006/main" xmlns:r="http://schemas.openxmlformats.org/officeDocument/2006/relationships" xmlns:p="http://schemas.openxmlformats.org/presentationml/2006/main">
   <p:cSld>
     <p:spTree>
@@ -27021,154 +26330,6 @@
       </p:grpSpPr>
       <p:sp>
         <p:nvSpPr>
-          <p:cNvPr id="2" name="Text Placeholder 1"/>
-          <p:cNvSpPr>
-            <a:spLocks noGrp="1"/>
-          </p:cNvSpPr>
-          <p:nvPr>
-            <p:ph type="body" sz="quarter" idx="15"/>
-          </p:nvPr>
-        </p:nvSpPr>
-        <p:spPr>
-          <a:xfrm>
-            <a:off x="4570903" y="1814048"/>
-            <a:ext cx="7617922" cy="2881519"/>
-          </a:xfrm>
-        </p:spPr>
-        <p:txBody>
-          <a:bodyPr/>
-          <a:lstStyle/>
-          <a:p>
-            <a:r>
-              <a:rPr lang="en-US" dirty="0" smtClean="0"/>
-              <a:t>Introduction</a:t>
-            </a:r>
-          </a:p>
-          <a:p>
-            <a:r>
-              <a:rPr lang="en-US" dirty="0" smtClean="0"/>
-              <a:t>Programming </a:t>
-            </a:r>
-            <a:r>
-              <a:rPr lang="en-US" dirty="0" err="1" smtClean="0"/>
-              <a:t>OAuth</a:t>
-            </a:r>
-            <a:endParaRPr lang="en-US" dirty="0" smtClean="0"/>
-          </a:p>
-          <a:p>
-            <a:r>
-              <a:rPr lang="en-US" dirty="0" smtClean="0"/>
-              <a:t>Programming Cross-Domain Library</a:t>
-            </a:r>
-          </a:p>
-        </p:txBody>
-      </p:sp>
-      <p:pic>
-        <p:nvPicPr>
-          <p:cNvPr id="4" name="Picture Placeholder 3"/>
-          <p:cNvPicPr>
-            <a:picLocks noGrp="1" noChangeAspect="1"/>
-          </p:cNvPicPr>
-          <p:nvPr>
-            <p:ph type="pic" sz="quarter" idx="16"/>
-          </p:nvPr>
-        </p:nvPicPr>
-        <p:blipFill>
-          <a:blip r:embed="rId3">
-            <a:extLst>
-              <a:ext uri="{28A0092B-C50C-407E-A947-70E740481C1C}">
-                <a14:useLocalDpi xmlns:a14="http://schemas.microsoft.com/office/drawing/2010/main" val="0"/>
-              </a:ext>
-            </a:extLst>
-          </a:blip>
-          <a:stretch>
-            <a:fillRect/>
-          </a:stretch>
-        </p:blipFill>
-        <p:spPr>
-          <a:xfrm>
-            <a:off x="269169" y="1905492"/>
-            <a:ext cx="4301734" cy="2865616"/>
-          </a:xfrm>
-        </p:spPr>
-      </p:pic>
-      <p:sp>
-        <p:nvSpPr>
-          <p:cNvPr id="5" name="Title 4"/>
-          <p:cNvSpPr>
-            <a:spLocks noGrp="1"/>
-          </p:cNvSpPr>
-          <p:nvPr>
-            <p:ph type="title"/>
-          </p:nvPr>
-        </p:nvSpPr>
-        <p:spPr/>
-        <p:txBody>
-          <a:bodyPr/>
-          <a:lstStyle/>
-          <a:p>
-            <a:r>
-              <a:rPr lang="en-US" dirty="0" smtClean="0"/>
-              <a:t>Agenda</a:t>
-            </a:r>
-            <a:br>
-              <a:rPr lang="en-US" dirty="0" smtClean="0"/>
-            </a:br>
-            <a:endParaRPr lang="en-US" dirty="0"/>
-          </a:p>
-        </p:txBody>
-      </p:sp>
-    </p:spTree>
-    <p:extLst>
-      <p:ext uri="{BB962C8B-B14F-4D97-AF65-F5344CB8AC3E}">
-        <p14:creationId xmlns:p14="http://schemas.microsoft.com/office/powerpoint/2010/main" val="2395946767"/>
-      </p:ext>
-    </p:extLst>
-  </p:cSld>
-  <p:clrMapOvr>
-    <a:masterClrMapping/>
-  </p:clrMapOvr>
-  <mc:AlternateContent xmlns:mc="http://schemas.openxmlformats.org/markup-compatibility/2006" xmlns:p14="http://schemas.microsoft.com/office/powerpoint/2010/main">
-    <mc:Choice Requires="p14">
-      <p:transition spd="med" p14:dur="700">
-        <p:fade/>
-      </p:transition>
-    </mc:Choice>
-    <mc:Fallback xmlns="">
-      <p:transition spd="med">
-        <p:fade/>
-      </p:transition>
-    </mc:Fallback>
-  </mc:AlternateContent>
-  <p:timing>
-    <p:tnLst>
-      <p:par>
-        <p:cTn id="1" dur="indefinite" restart="never" nodeType="tmRoot"/>
-      </p:par>
-    </p:tnLst>
-  </p:timing>
-</p:sld>
-</file>
-
-<file path=ppt/slides/slide40.xml><?xml version="1.0" encoding="utf-8"?>
-<p:sld xmlns:a="http://schemas.openxmlformats.org/drawingml/2006/main" xmlns:r="http://schemas.openxmlformats.org/officeDocument/2006/relationships" xmlns:p="http://schemas.openxmlformats.org/presentationml/2006/main">
-  <p:cSld>
-    <p:spTree>
-      <p:nvGrpSpPr>
-        <p:cNvPr id="1" name=""/>
-        <p:cNvGrpSpPr/>
-        <p:nvPr/>
-      </p:nvGrpSpPr>
-      <p:grpSpPr>
-        <a:xfrm>
-          <a:off x="0" y="0"/>
-          <a:ext cx="0" cy="0"/>
-          <a:chOff x="0" y="0"/>
-          <a:chExt cx="0" cy="0"/>
-        </a:xfrm>
-      </p:grpSpPr>
-      <p:sp>
-        <p:nvSpPr>
           <p:cNvPr id="2" name="Title 1"/>
           <p:cNvSpPr>
             <a:spLocks noGrp="1"/>
@@ -27208,7 +26369,7 @@
             <a:fld id="{727B4C2D-45E2-4621-8491-2995EB46A674}" type="slidenum">
               <a:rPr lang="en-US" smtClean="0"/>
               <a:pPr/>
-              <a:t>40</a:t>
+              <a:t>38</a:t>
             </a:fld>
             <a:endParaRPr lang="en-US" dirty="0"/>
           </a:p>
@@ -27389,7 +26550,7 @@
 </p:sld>
 </file>
 
-<file path=ppt/slides/slide41.xml><?xml version="1.0" encoding="utf-8"?>
+<file path=ppt/slides/slide39.xml><?xml version="1.0" encoding="utf-8"?>
 <p:sld xmlns:a="http://schemas.openxmlformats.org/drawingml/2006/main" xmlns:r="http://schemas.openxmlformats.org/officeDocument/2006/relationships" xmlns:p="http://schemas.openxmlformats.org/presentationml/2006/main">
   <p:cSld>
     <p:spTree>
@@ -27537,475 +26698,7 @@
 </p:sld>
 </file>
 
-<file path=ppt/slides/slide42.xml><?xml version="1.0" encoding="utf-8"?>
-<p:sld xmlns:a="http://schemas.openxmlformats.org/drawingml/2006/main" xmlns:r="http://schemas.openxmlformats.org/officeDocument/2006/relationships" xmlns:p="http://schemas.openxmlformats.org/presentationml/2006/main">
-  <p:cSld>
-    <p:spTree>
-      <p:nvGrpSpPr>
-        <p:cNvPr id="1" name=""/>
-        <p:cNvGrpSpPr/>
-        <p:nvPr/>
-      </p:nvGrpSpPr>
-      <p:grpSpPr>
-        <a:xfrm>
-          <a:off x="0" y="0"/>
-          <a:ext cx="0" cy="0"/>
-          <a:chOff x="0" y="0"/>
-          <a:chExt cx="0" cy="0"/>
-        </a:xfrm>
-      </p:grpSpPr>
-      <p:sp>
-        <p:nvSpPr>
-          <p:cNvPr id="3" name="Text Box 3"/>
-          <p:cNvSpPr txBox="1">
-            <a:spLocks noChangeArrowheads="1"/>
-          </p:cNvSpPr>
-          <p:nvPr/>
-        </p:nvSpPr>
-        <p:spPr bwMode="blackWhite">
-          <a:xfrm>
-            <a:off x="520700" y="6298298"/>
-            <a:ext cx="11173090" cy="323165"/>
-          </a:xfrm>
-          <a:prstGeom prst="rect">
-            <a:avLst/>
-          </a:prstGeom>
-          <a:noFill/>
-          <a:ln w="12700">
-            <a:noFill/>
-            <a:miter lim="800000"/>
-            <a:headEnd type="none" w="sm" len="sm"/>
-            <a:tailEnd type="none" w="sm" len="sm"/>
-          </a:ln>
-          <a:effectLst/>
-        </p:spPr>
-        <p:txBody>
-          <a:bodyPr vert="horz" wrap="square" lIns="0" tIns="0" rIns="0" bIns="0" numCol="1" anchor="t" anchorCtr="0" compatLnSpc="1">
-            <a:prstTxWarp prst="textNoShape">
-              <a:avLst/>
-            </a:prstTxWarp>
-            <a:spAutoFit/>
-          </a:bodyPr>
-          <a:lstStyle/>
-          <a:p>
-            <a:pPr defTabSz="914099" eaLnBrk="0" hangingPunct="0"/>
-            <a:r>
-              <a:rPr lang="en-US" sz="700" dirty="0">
-                <a:gradFill>
-                  <a:gsLst>
-                    <a:gs pos="0">
-                      <a:schemeClr val="tx1"/>
-                    </a:gs>
-                    <a:gs pos="100000">
-                      <a:schemeClr val="tx1"/>
-                    </a:gs>
-                  </a:gsLst>
-                  <a:lin ang="5400000" scaled="0"/>
-                </a:gradFill>
-                <a:latin typeface="Segoe UI" pitchFamily="34" charset="0"/>
-                <a:ea typeface="Segoe UI" pitchFamily="34" charset="0"/>
-                <a:cs typeface="Segoe UI" pitchFamily="34" charset="0"/>
-              </a:rPr>
-              <a:t>© </a:t>
-            </a:r>
-            <a:r>
-              <a:rPr lang="en-US" sz="700" dirty="0" smtClean="0">
-                <a:gradFill>
-                  <a:gsLst>
-                    <a:gs pos="0">
-                      <a:schemeClr val="tx1"/>
-                    </a:gs>
-                    <a:gs pos="100000">
-                      <a:schemeClr val="tx1"/>
-                    </a:gs>
-                  </a:gsLst>
-                  <a:lin ang="5400000" scaled="0"/>
-                </a:gradFill>
-                <a:latin typeface="Segoe UI" pitchFamily="34" charset="0"/>
-                <a:ea typeface="Segoe UI" pitchFamily="34" charset="0"/>
-                <a:cs typeface="Segoe UI" pitchFamily="34" charset="0"/>
-              </a:rPr>
-              <a:t>2012 Microsoft </a:t>
-            </a:r>
-            <a:r>
-              <a:rPr lang="en-US" sz="700" dirty="0">
-                <a:gradFill>
-                  <a:gsLst>
-                    <a:gs pos="0">
-                      <a:schemeClr val="tx1"/>
-                    </a:gs>
-                    <a:gs pos="100000">
-                      <a:schemeClr val="tx1"/>
-                    </a:gs>
-                  </a:gsLst>
-                  <a:lin ang="5400000" scaled="0"/>
-                </a:gradFill>
-                <a:latin typeface="Segoe UI" pitchFamily="34" charset="0"/>
-                <a:ea typeface="Segoe UI" pitchFamily="34" charset="0"/>
-                <a:cs typeface="Segoe UI" pitchFamily="34" charset="0"/>
-              </a:rPr>
-              <a:t>Corporation. All rights reserved. Microsoft, Windows, </a:t>
-            </a:r>
-            <a:r>
-              <a:rPr lang="en-US" sz="700" dirty="0" smtClean="0">
-                <a:gradFill>
-                  <a:gsLst>
-                    <a:gs pos="0">
-                      <a:schemeClr val="tx1"/>
-                    </a:gs>
-                    <a:gs pos="100000">
-                      <a:schemeClr val="tx1"/>
-                    </a:gs>
-                  </a:gsLst>
-                  <a:lin ang="5400000" scaled="0"/>
-                </a:gradFill>
-                <a:latin typeface="Segoe UI" pitchFamily="34" charset="0"/>
-                <a:ea typeface="Segoe UI" pitchFamily="34" charset="0"/>
-                <a:cs typeface="Segoe UI" pitchFamily="34" charset="0"/>
-              </a:rPr>
-              <a:t>and </a:t>
-            </a:r>
-            <a:r>
-              <a:rPr lang="en-US" sz="700" dirty="0">
-                <a:gradFill>
-                  <a:gsLst>
-                    <a:gs pos="0">
-                      <a:schemeClr val="tx1"/>
-                    </a:gs>
-                    <a:gs pos="100000">
-                      <a:schemeClr val="tx1"/>
-                    </a:gs>
-                  </a:gsLst>
-                  <a:lin ang="5400000" scaled="0"/>
-                </a:gradFill>
-                <a:latin typeface="Segoe UI" pitchFamily="34" charset="0"/>
-                <a:ea typeface="Segoe UI" pitchFamily="34" charset="0"/>
-                <a:cs typeface="Segoe UI" pitchFamily="34" charset="0"/>
-              </a:rPr>
-              <a:t>other product names are or may be registered trademarks and/or trademarks in the U.S. and/or other countries.</a:t>
-            </a:r>
-          </a:p>
-          <a:p>
-            <a:pPr defTabSz="914099" eaLnBrk="0" hangingPunct="0"/>
-            <a:r>
-              <a:rPr lang="en-US" sz="700" dirty="0">
-                <a:gradFill>
-                  <a:gsLst>
-                    <a:gs pos="0">
-                      <a:schemeClr val="tx1"/>
-                    </a:gs>
-                    <a:gs pos="100000">
-                      <a:schemeClr val="tx1"/>
-                    </a:gs>
-                  </a:gsLst>
-                  <a:lin ang="5400000" scaled="0"/>
-                </a:gradFill>
-                <a:latin typeface="Segoe UI" pitchFamily="34" charset="0"/>
-                <a:ea typeface="Segoe UI" pitchFamily="34" charset="0"/>
-                <a:cs typeface="Segoe UI" pitchFamily="34" charset="0"/>
-              </a:rPr>
-              <a:t>The information herein is for informational purposes only and represents the current view of Microsoft Corporation as of the date of this presentation.  Because Microsoft must respond to changing market conditions, it should not be interpreted to be a commitment on the </a:t>
-            </a:r>
-            <a:r>
-              <a:rPr lang="en-US" sz="700" dirty="0" smtClean="0">
-                <a:gradFill>
-                  <a:gsLst>
-                    <a:gs pos="0">
-                      <a:schemeClr val="tx1"/>
-                    </a:gs>
-                    <a:gs pos="100000">
-                      <a:schemeClr val="tx1"/>
-                    </a:gs>
-                  </a:gsLst>
-                  <a:lin ang="5400000" scaled="0"/>
-                </a:gradFill>
-                <a:latin typeface="Segoe UI" pitchFamily="34" charset="0"/>
-                <a:ea typeface="Segoe UI" pitchFamily="34" charset="0"/>
-                <a:cs typeface="Segoe UI" pitchFamily="34" charset="0"/>
-              </a:rPr>
-              <a:t/>
-            </a:r>
-            <a:br>
-              <a:rPr lang="en-US" sz="700" dirty="0" smtClean="0">
-                <a:gradFill>
-                  <a:gsLst>
-                    <a:gs pos="0">
-                      <a:schemeClr val="tx1"/>
-                    </a:gs>
-                    <a:gs pos="100000">
-                      <a:schemeClr val="tx1"/>
-                    </a:gs>
-                  </a:gsLst>
-                  <a:lin ang="5400000" scaled="0"/>
-                </a:gradFill>
-                <a:latin typeface="Segoe UI" pitchFamily="34" charset="0"/>
-                <a:ea typeface="Segoe UI" pitchFamily="34" charset="0"/>
-                <a:cs typeface="Segoe UI" pitchFamily="34" charset="0"/>
-              </a:rPr>
-            </a:br>
-            <a:r>
-              <a:rPr lang="en-US" sz="700" dirty="0" smtClean="0">
-                <a:gradFill>
-                  <a:gsLst>
-                    <a:gs pos="0">
-                      <a:schemeClr val="tx1"/>
-                    </a:gs>
-                    <a:gs pos="100000">
-                      <a:schemeClr val="tx1"/>
-                    </a:gs>
-                  </a:gsLst>
-                  <a:lin ang="5400000" scaled="0"/>
-                </a:gradFill>
-                <a:latin typeface="Segoe UI" pitchFamily="34" charset="0"/>
-                <a:ea typeface="Segoe UI" pitchFamily="34" charset="0"/>
-                <a:cs typeface="Segoe UI" pitchFamily="34" charset="0"/>
-              </a:rPr>
-              <a:t>part </a:t>
-            </a:r>
-            <a:r>
-              <a:rPr lang="en-US" sz="700" dirty="0">
-                <a:gradFill>
-                  <a:gsLst>
-                    <a:gs pos="0">
-                      <a:schemeClr val="tx1"/>
-                    </a:gs>
-                    <a:gs pos="100000">
-                      <a:schemeClr val="tx1"/>
-                    </a:gs>
-                  </a:gsLst>
-                  <a:lin ang="5400000" scaled="0"/>
-                </a:gradFill>
-                <a:latin typeface="Segoe UI" pitchFamily="34" charset="0"/>
-                <a:ea typeface="Segoe UI" pitchFamily="34" charset="0"/>
-                <a:cs typeface="Segoe UI" pitchFamily="34" charset="0"/>
-              </a:rPr>
-              <a:t>of </a:t>
-            </a:r>
-            <a:r>
-              <a:rPr lang="en-US" sz="700" dirty="0" smtClean="0">
-                <a:gradFill>
-                  <a:gsLst>
-                    <a:gs pos="0">
-                      <a:schemeClr val="tx1"/>
-                    </a:gs>
-                    <a:gs pos="100000">
-                      <a:schemeClr val="tx1"/>
-                    </a:gs>
-                  </a:gsLst>
-                  <a:lin ang="5400000" scaled="0"/>
-                </a:gradFill>
-                <a:latin typeface="Segoe UI" pitchFamily="34" charset="0"/>
-                <a:ea typeface="Segoe UI" pitchFamily="34" charset="0"/>
-                <a:cs typeface="Segoe UI" pitchFamily="34" charset="0"/>
-              </a:rPr>
-              <a:t>Microsoft</a:t>
-            </a:r>
-            <a:r>
-              <a:rPr lang="en-US" sz="700" dirty="0">
-                <a:gradFill>
-                  <a:gsLst>
-                    <a:gs pos="0">
-                      <a:schemeClr val="tx1"/>
-                    </a:gs>
-                    <a:gs pos="100000">
-                      <a:schemeClr val="tx1"/>
-                    </a:gs>
-                  </a:gsLst>
-                  <a:lin ang="5400000" scaled="0"/>
-                </a:gradFill>
-                <a:latin typeface="Segoe UI" pitchFamily="34" charset="0"/>
-                <a:ea typeface="Segoe UI" pitchFamily="34" charset="0"/>
-                <a:cs typeface="Segoe UI" pitchFamily="34" charset="0"/>
-              </a:rPr>
-              <a:t>, and Microsoft cannot guarantee the accuracy of any information provided after the date of this presentation.  </a:t>
-            </a:r>
-            <a:r>
-              <a:rPr lang="en-US" sz="700" dirty="0" smtClean="0">
-                <a:gradFill>
-                  <a:gsLst>
-                    <a:gs pos="0">
-                      <a:schemeClr val="tx1"/>
-                    </a:gs>
-                    <a:gs pos="100000">
-                      <a:schemeClr val="tx1"/>
-                    </a:gs>
-                  </a:gsLst>
-                  <a:lin ang="5400000" scaled="0"/>
-                </a:gradFill>
-                <a:latin typeface="Segoe UI" pitchFamily="34" charset="0"/>
-                <a:ea typeface="Segoe UI" pitchFamily="34" charset="0"/>
-                <a:cs typeface="Segoe UI" pitchFamily="34" charset="0"/>
-              </a:rPr>
-              <a:t>MICROSOFT </a:t>
-            </a:r>
-            <a:r>
-              <a:rPr lang="en-US" sz="700" dirty="0">
-                <a:gradFill>
-                  <a:gsLst>
-                    <a:gs pos="0">
-                      <a:schemeClr val="tx1"/>
-                    </a:gs>
-                    <a:gs pos="100000">
-                      <a:schemeClr val="tx1"/>
-                    </a:gs>
-                  </a:gsLst>
-                  <a:lin ang="5400000" scaled="0"/>
-                </a:gradFill>
-                <a:latin typeface="Segoe UI" pitchFamily="34" charset="0"/>
-                <a:ea typeface="Segoe UI" pitchFamily="34" charset="0"/>
-                <a:cs typeface="Segoe UI" pitchFamily="34" charset="0"/>
-              </a:rPr>
-              <a:t>MAKES NO WARRANTIES, EXPRESS, IMPLIED OR STATUTORY, AS TO THE INFORMATION IN THIS PRESENTATION.</a:t>
-            </a:r>
-          </a:p>
-        </p:txBody>
-      </p:sp>
-      <p:pic>
-        <p:nvPicPr>
-          <p:cNvPr id="4" name="Picture 3"/>
-          <p:cNvPicPr>
-            <a:picLocks noChangeAspect="1"/>
-          </p:cNvPicPr>
-          <p:nvPr/>
-        </p:nvPicPr>
-        <p:blipFill>
-          <a:blip r:embed="rId3">
-            <a:extLst>
-              <a:ext uri="{28A0092B-C50C-407E-A947-70E740481C1C}">
-                <a14:useLocalDpi xmlns:a14="http://schemas.microsoft.com/office/drawing/2010/main" val="0"/>
-              </a:ext>
-            </a:extLst>
-          </a:blip>
-          <a:stretch>
-            <a:fillRect/>
-          </a:stretch>
-        </p:blipFill>
-        <p:spPr>
-          <a:xfrm>
-            <a:off x="9501" y="2452644"/>
-            <a:ext cx="3657600" cy="1401115"/>
-          </a:xfrm>
-          <a:prstGeom prst="rect">
-            <a:avLst/>
-          </a:prstGeom>
-        </p:spPr>
-      </p:pic>
-    </p:spTree>
-    <p:extLst>
-      <p:ext uri="{BB962C8B-B14F-4D97-AF65-F5344CB8AC3E}">
-        <p14:creationId xmlns:p14="http://schemas.microsoft.com/office/powerpoint/2010/main" val="1082261137"/>
-      </p:ext>
-    </p:extLst>
-  </p:cSld>
-  <p:clrMapOvr>
-    <a:masterClrMapping/>
-  </p:clrMapOvr>
-  <mc:AlternateContent xmlns:mc="http://schemas.openxmlformats.org/markup-compatibility/2006" xmlns:p14="http://schemas.microsoft.com/office/powerpoint/2010/main">
-    <mc:Choice Requires="p14">
-      <p:transition spd="slow" p14:dur="3400">
-        <p14:reveal/>
-      </p:transition>
-    </mc:Choice>
-    <mc:Fallback xmlns="">
-      <p:transition spd="slow">
-        <p:fade/>
-      </p:transition>
-    </mc:Fallback>
-  </mc:AlternateContent>
-  <p:timing>
-    <p:tnLst>
-      <p:par>
-        <p:cTn id="1" dur="indefinite" restart="never" nodeType="tmRoot"/>
-      </p:par>
-    </p:tnLst>
-  </p:timing>
-</p:sld>
-</file>
-
-<file path=ppt/slides/slide5.xml><?xml version="1.0" encoding="utf-8"?>
-<p:sld xmlns:a="http://schemas.openxmlformats.org/drawingml/2006/main" xmlns:r="http://schemas.openxmlformats.org/officeDocument/2006/relationships" xmlns:p="http://schemas.openxmlformats.org/presentationml/2006/main">
-  <p:cSld>
-    <p:spTree>
-      <p:nvGrpSpPr>
-        <p:cNvPr id="1" name=""/>
-        <p:cNvGrpSpPr/>
-        <p:nvPr/>
-      </p:nvGrpSpPr>
-      <p:grpSpPr>
-        <a:xfrm>
-          <a:off x="0" y="0"/>
-          <a:ext cx="0" cy="0"/>
-          <a:chOff x="0" y="0"/>
-          <a:chExt cx="0" cy="0"/>
-        </a:xfrm>
-      </p:grpSpPr>
-      <p:sp>
-        <p:nvSpPr>
-          <p:cNvPr id="4" name="Title 3"/>
-          <p:cNvSpPr>
-            <a:spLocks noGrp="1"/>
-          </p:cNvSpPr>
-          <p:nvPr>
-            <p:ph type="ctrTitle"/>
-          </p:nvPr>
-        </p:nvSpPr>
-        <p:spPr/>
-        <p:txBody>
-          <a:bodyPr/>
-          <a:lstStyle/>
-          <a:p>
-            <a:r>
-              <a:rPr lang="en-US" dirty="0" smtClean="0"/>
-              <a:t>Introduction</a:t>
-            </a:r>
-            <a:endParaRPr lang="en-US" dirty="0"/>
-          </a:p>
-        </p:txBody>
-      </p:sp>
-      <p:sp>
-        <p:nvSpPr>
-          <p:cNvPr id="9" name="Subtitle 4"/>
-          <p:cNvSpPr>
-            <a:spLocks noGrp="1"/>
-          </p:cNvSpPr>
-          <p:nvPr>
-            <p:ph type="subTitle" idx="1"/>
-          </p:nvPr>
-        </p:nvSpPr>
-        <p:spPr/>
-        <p:txBody>
-          <a:bodyPr/>
-          <a:lstStyle/>
-          <a:p>
-            <a:pPr lvl="0"/>
-            <a:endParaRPr lang="en-US" dirty="0"/>
-          </a:p>
-        </p:txBody>
-      </p:sp>
-    </p:spTree>
-    <p:extLst>
-      <p:ext uri="{BB962C8B-B14F-4D97-AF65-F5344CB8AC3E}">
-        <p14:creationId xmlns:p14="http://schemas.microsoft.com/office/powerpoint/2010/main" val="3852646005"/>
-      </p:ext>
-    </p:extLst>
-  </p:cSld>
-  <p:clrMapOvr>
-    <a:masterClrMapping/>
-  </p:clrMapOvr>
-  <p:transition>
-    <p:fade/>
-  </p:transition>
-  <p:timing>
-    <p:tnLst>
-      <p:par>
-        <p:cTn id="1" dur="indefinite" restart="never" nodeType="tmRoot"/>
-      </p:par>
-    </p:tnLst>
-  </p:timing>
-</p:sld>
-</file>
-
-<file path=ppt/slides/slide6.xml><?xml version="1.0" encoding="utf-8"?>
+<file path=ppt/slides/slide4.xml><?xml version="1.0" encoding="utf-8"?>
 <p:sld xmlns:a="http://schemas.openxmlformats.org/drawingml/2006/main" xmlns:r="http://schemas.openxmlformats.org/officeDocument/2006/relationships" xmlns:p="http://schemas.openxmlformats.org/presentationml/2006/main">
   <p:cSld>
     <p:spTree>
@@ -28136,7 +26829,7 @@
             <a:fld id="{727B4C2D-45E2-4621-8491-2995EB46A674}" type="slidenum">
               <a:rPr lang="en-US" smtClean="0"/>
               <a:pPr/>
-              <a:t>6</a:t>
+              <a:t>4</a:t>
             </a:fld>
             <a:endParaRPr lang="en-US" dirty="0"/>
           </a:p>
@@ -29214,7 +27907,7 @@
 </p:sld>
 </file>
 
-<file path=ppt/slides/slide7.xml><?xml version="1.0" encoding="utf-8"?>
+<file path=ppt/slides/slide40.xml><?xml version="1.0" encoding="utf-8"?>
 <p:sld xmlns:a="http://schemas.openxmlformats.org/drawingml/2006/main" xmlns:r="http://schemas.openxmlformats.org/officeDocument/2006/relationships" xmlns:p="http://schemas.openxmlformats.org/presentationml/2006/main">
   <p:cSld>
     <p:spTree>
@@ -29233,6 +27926,391 @@
       </p:grpSpPr>
       <p:sp>
         <p:nvSpPr>
+          <p:cNvPr id="3" name="Text Box 3"/>
+          <p:cNvSpPr txBox="1">
+            <a:spLocks noChangeArrowheads="1"/>
+          </p:cNvSpPr>
+          <p:nvPr/>
+        </p:nvSpPr>
+        <p:spPr bwMode="blackWhite">
+          <a:xfrm>
+            <a:off x="520700" y="6298298"/>
+            <a:ext cx="11173090" cy="323165"/>
+          </a:xfrm>
+          <a:prstGeom prst="rect">
+            <a:avLst/>
+          </a:prstGeom>
+          <a:noFill/>
+          <a:ln w="12700">
+            <a:noFill/>
+            <a:miter lim="800000"/>
+            <a:headEnd type="none" w="sm" len="sm"/>
+            <a:tailEnd type="none" w="sm" len="sm"/>
+          </a:ln>
+          <a:effectLst/>
+        </p:spPr>
+        <p:txBody>
+          <a:bodyPr vert="horz" wrap="square" lIns="0" tIns="0" rIns="0" bIns="0" numCol="1" anchor="t" anchorCtr="0" compatLnSpc="1">
+            <a:prstTxWarp prst="textNoShape">
+              <a:avLst/>
+            </a:prstTxWarp>
+            <a:spAutoFit/>
+          </a:bodyPr>
+          <a:lstStyle/>
+          <a:p>
+            <a:pPr defTabSz="914099" eaLnBrk="0" hangingPunct="0"/>
+            <a:r>
+              <a:rPr lang="en-US" sz="700" dirty="0">
+                <a:gradFill>
+                  <a:gsLst>
+                    <a:gs pos="0">
+                      <a:schemeClr val="tx1"/>
+                    </a:gs>
+                    <a:gs pos="100000">
+                      <a:schemeClr val="tx1"/>
+                    </a:gs>
+                  </a:gsLst>
+                  <a:lin ang="5400000" scaled="0"/>
+                </a:gradFill>
+                <a:latin typeface="Segoe UI" pitchFamily="34" charset="0"/>
+                <a:ea typeface="Segoe UI" pitchFamily="34" charset="0"/>
+                <a:cs typeface="Segoe UI" pitchFamily="34" charset="0"/>
+              </a:rPr>
+              <a:t>© </a:t>
+            </a:r>
+            <a:r>
+              <a:rPr lang="en-US" sz="700" dirty="0" smtClean="0">
+                <a:gradFill>
+                  <a:gsLst>
+                    <a:gs pos="0">
+                      <a:schemeClr val="tx1"/>
+                    </a:gs>
+                    <a:gs pos="100000">
+                      <a:schemeClr val="tx1"/>
+                    </a:gs>
+                  </a:gsLst>
+                  <a:lin ang="5400000" scaled="0"/>
+                </a:gradFill>
+                <a:latin typeface="Segoe UI" pitchFamily="34" charset="0"/>
+                <a:ea typeface="Segoe UI" pitchFamily="34" charset="0"/>
+                <a:cs typeface="Segoe UI" pitchFamily="34" charset="0"/>
+              </a:rPr>
+              <a:t>2012 Microsoft </a:t>
+            </a:r>
+            <a:r>
+              <a:rPr lang="en-US" sz="700" dirty="0">
+                <a:gradFill>
+                  <a:gsLst>
+                    <a:gs pos="0">
+                      <a:schemeClr val="tx1"/>
+                    </a:gs>
+                    <a:gs pos="100000">
+                      <a:schemeClr val="tx1"/>
+                    </a:gs>
+                  </a:gsLst>
+                  <a:lin ang="5400000" scaled="0"/>
+                </a:gradFill>
+                <a:latin typeface="Segoe UI" pitchFamily="34" charset="0"/>
+                <a:ea typeface="Segoe UI" pitchFamily="34" charset="0"/>
+                <a:cs typeface="Segoe UI" pitchFamily="34" charset="0"/>
+              </a:rPr>
+              <a:t>Corporation. All rights reserved. Microsoft, Windows, </a:t>
+            </a:r>
+            <a:r>
+              <a:rPr lang="en-US" sz="700" dirty="0" smtClean="0">
+                <a:gradFill>
+                  <a:gsLst>
+                    <a:gs pos="0">
+                      <a:schemeClr val="tx1"/>
+                    </a:gs>
+                    <a:gs pos="100000">
+                      <a:schemeClr val="tx1"/>
+                    </a:gs>
+                  </a:gsLst>
+                  <a:lin ang="5400000" scaled="0"/>
+                </a:gradFill>
+                <a:latin typeface="Segoe UI" pitchFamily="34" charset="0"/>
+                <a:ea typeface="Segoe UI" pitchFamily="34" charset="0"/>
+                <a:cs typeface="Segoe UI" pitchFamily="34" charset="0"/>
+              </a:rPr>
+              <a:t>and </a:t>
+            </a:r>
+            <a:r>
+              <a:rPr lang="en-US" sz="700" dirty="0">
+                <a:gradFill>
+                  <a:gsLst>
+                    <a:gs pos="0">
+                      <a:schemeClr val="tx1"/>
+                    </a:gs>
+                    <a:gs pos="100000">
+                      <a:schemeClr val="tx1"/>
+                    </a:gs>
+                  </a:gsLst>
+                  <a:lin ang="5400000" scaled="0"/>
+                </a:gradFill>
+                <a:latin typeface="Segoe UI" pitchFamily="34" charset="0"/>
+                <a:ea typeface="Segoe UI" pitchFamily="34" charset="0"/>
+                <a:cs typeface="Segoe UI" pitchFamily="34" charset="0"/>
+              </a:rPr>
+              <a:t>other product names are or may be registered trademarks and/or trademarks in the U.S. and/or other countries.</a:t>
+            </a:r>
+          </a:p>
+          <a:p>
+            <a:pPr defTabSz="914099" eaLnBrk="0" hangingPunct="0"/>
+            <a:r>
+              <a:rPr lang="en-US" sz="700" dirty="0">
+                <a:gradFill>
+                  <a:gsLst>
+                    <a:gs pos="0">
+                      <a:schemeClr val="tx1"/>
+                    </a:gs>
+                    <a:gs pos="100000">
+                      <a:schemeClr val="tx1"/>
+                    </a:gs>
+                  </a:gsLst>
+                  <a:lin ang="5400000" scaled="0"/>
+                </a:gradFill>
+                <a:latin typeface="Segoe UI" pitchFamily="34" charset="0"/>
+                <a:ea typeface="Segoe UI" pitchFamily="34" charset="0"/>
+                <a:cs typeface="Segoe UI" pitchFamily="34" charset="0"/>
+              </a:rPr>
+              <a:t>The information herein is for informational purposes only and represents the current view of Microsoft Corporation as of the date of this presentation.  Because Microsoft must respond to changing market conditions, it should not be interpreted to be a commitment on the </a:t>
+            </a:r>
+            <a:r>
+              <a:rPr lang="en-US" sz="700" dirty="0" smtClean="0">
+                <a:gradFill>
+                  <a:gsLst>
+                    <a:gs pos="0">
+                      <a:schemeClr val="tx1"/>
+                    </a:gs>
+                    <a:gs pos="100000">
+                      <a:schemeClr val="tx1"/>
+                    </a:gs>
+                  </a:gsLst>
+                  <a:lin ang="5400000" scaled="0"/>
+                </a:gradFill>
+                <a:latin typeface="Segoe UI" pitchFamily="34" charset="0"/>
+                <a:ea typeface="Segoe UI" pitchFamily="34" charset="0"/>
+                <a:cs typeface="Segoe UI" pitchFamily="34" charset="0"/>
+              </a:rPr>
+              <a:t/>
+            </a:r>
+            <a:br>
+              <a:rPr lang="en-US" sz="700" dirty="0" smtClean="0">
+                <a:gradFill>
+                  <a:gsLst>
+                    <a:gs pos="0">
+                      <a:schemeClr val="tx1"/>
+                    </a:gs>
+                    <a:gs pos="100000">
+                      <a:schemeClr val="tx1"/>
+                    </a:gs>
+                  </a:gsLst>
+                  <a:lin ang="5400000" scaled="0"/>
+                </a:gradFill>
+                <a:latin typeface="Segoe UI" pitchFamily="34" charset="0"/>
+                <a:ea typeface="Segoe UI" pitchFamily="34" charset="0"/>
+                <a:cs typeface="Segoe UI" pitchFamily="34" charset="0"/>
+              </a:rPr>
+            </a:br>
+            <a:r>
+              <a:rPr lang="en-US" sz="700" dirty="0" smtClean="0">
+                <a:gradFill>
+                  <a:gsLst>
+                    <a:gs pos="0">
+                      <a:schemeClr val="tx1"/>
+                    </a:gs>
+                    <a:gs pos="100000">
+                      <a:schemeClr val="tx1"/>
+                    </a:gs>
+                  </a:gsLst>
+                  <a:lin ang="5400000" scaled="0"/>
+                </a:gradFill>
+                <a:latin typeface="Segoe UI" pitchFamily="34" charset="0"/>
+                <a:ea typeface="Segoe UI" pitchFamily="34" charset="0"/>
+                <a:cs typeface="Segoe UI" pitchFamily="34" charset="0"/>
+              </a:rPr>
+              <a:t>part </a:t>
+            </a:r>
+            <a:r>
+              <a:rPr lang="en-US" sz="700" dirty="0">
+                <a:gradFill>
+                  <a:gsLst>
+                    <a:gs pos="0">
+                      <a:schemeClr val="tx1"/>
+                    </a:gs>
+                    <a:gs pos="100000">
+                      <a:schemeClr val="tx1"/>
+                    </a:gs>
+                  </a:gsLst>
+                  <a:lin ang="5400000" scaled="0"/>
+                </a:gradFill>
+                <a:latin typeface="Segoe UI" pitchFamily="34" charset="0"/>
+                <a:ea typeface="Segoe UI" pitchFamily="34" charset="0"/>
+                <a:cs typeface="Segoe UI" pitchFamily="34" charset="0"/>
+              </a:rPr>
+              <a:t>of </a:t>
+            </a:r>
+            <a:r>
+              <a:rPr lang="en-US" sz="700" dirty="0" smtClean="0">
+                <a:gradFill>
+                  <a:gsLst>
+                    <a:gs pos="0">
+                      <a:schemeClr val="tx1"/>
+                    </a:gs>
+                    <a:gs pos="100000">
+                      <a:schemeClr val="tx1"/>
+                    </a:gs>
+                  </a:gsLst>
+                  <a:lin ang="5400000" scaled="0"/>
+                </a:gradFill>
+                <a:latin typeface="Segoe UI" pitchFamily="34" charset="0"/>
+                <a:ea typeface="Segoe UI" pitchFamily="34" charset="0"/>
+                <a:cs typeface="Segoe UI" pitchFamily="34" charset="0"/>
+              </a:rPr>
+              <a:t>Microsoft</a:t>
+            </a:r>
+            <a:r>
+              <a:rPr lang="en-US" sz="700" dirty="0">
+                <a:gradFill>
+                  <a:gsLst>
+                    <a:gs pos="0">
+                      <a:schemeClr val="tx1"/>
+                    </a:gs>
+                    <a:gs pos="100000">
+                      <a:schemeClr val="tx1"/>
+                    </a:gs>
+                  </a:gsLst>
+                  <a:lin ang="5400000" scaled="0"/>
+                </a:gradFill>
+                <a:latin typeface="Segoe UI" pitchFamily="34" charset="0"/>
+                <a:ea typeface="Segoe UI" pitchFamily="34" charset="0"/>
+                <a:cs typeface="Segoe UI" pitchFamily="34" charset="0"/>
+              </a:rPr>
+              <a:t>, and Microsoft cannot guarantee the accuracy of any information provided after the date of this presentation.  </a:t>
+            </a:r>
+            <a:r>
+              <a:rPr lang="en-US" sz="700" dirty="0" smtClean="0">
+                <a:gradFill>
+                  <a:gsLst>
+                    <a:gs pos="0">
+                      <a:schemeClr val="tx1"/>
+                    </a:gs>
+                    <a:gs pos="100000">
+                      <a:schemeClr val="tx1"/>
+                    </a:gs>
+                  </a:gsLst>
+                  <a:lin ang="5400000" scaled="0"/>
+                </a:gradFill>
+                <a:latin typeface="Segoe UI" pitchFamily="34" charset="0"/>
+                <a:ea typeface="Segoe UI" pitchFamily="34" charset="0"/>
+                <a:cs typeface="Segoe UI" pitchFamily="34" charset="0"/>
+              </a:rPr>
+              <a:t>MICROSOFT </a:t>
+            </a:r>
+            <a:r>
+              <a:rPr lang="en-US" sz="700" dirty="0">
+                <a:gradFill>
+                  <a:gsLst>
+                    <a:gs pos="0">
+                      <a:schemeClr val="tx1"/>
+                    </a:gs>
+                    <a:gs pos="100000">
+                      <a:schemeClr val="tx1"/>
+                    </a:gs>
+                  </a:gsLst>
+                  <a:lin ang="5400000" scaled="0"/>
+                </a:gradFill>
+                <a:latin typeface="Segoe UI" pitchFamily="34" charset="0"/>
+                <a:ea typeface="Segoe UI" pitchFamily="34" charset="0"/>
+                <a:cs typeface="Segoe UI" pitchFamily="34" charset="0"/>
+              </a:rPr>
+              <a:t>MAKES NO WARRANTIES, EXPRESS, IMPLIED OR STATUTORY, AS TO THE INFORMATION IN THIS PRESENTATION.</a:t>
+            </a:r>
+          </a:p>
+        </p:txBody>
+      </p:sp>
+      <p:pic>
+        <p:nvPicPr>
+          <p:cNvPr id="4" name="Picture 3"/>
+          <p:cNvPicPr>
+            <a:picLocks noChangeAspect="1"/>
+          </p:cNvPicPr>
+          <p:nvPr/>
+        </p:nvPicPr>
+        <p:blipFill>
+          <a:blip r:embed="rId3">
+            <a:extLst>
+              <a:ext uri="{28A0092B-C50C-407E-A947-70E740481C1C}">
+                <a14:useLocalDpi xmlns:a14="http://schemas.microsoft.com/office/drawing/2010/main" val="0"/>
+              </a:ext>
+            </a:extLst>
+          </a:blip>
+          <a:stretch>
+            <a:fillRect/>
+          </a:stretch>
+        </p:blipFill>
+        <p:spPr>
+          <a:xfrm>
+            <a:off x="9501" y="2452644"/>
+            <a:ext cx="3657600" cy="1401115"/>
+          </a:xfrm>
+          <a:prstGeom prst="rect">
+            <a:avLst/>
+          </a:prstGeom>
+        </p:spPr>
+      </p:pic>
+    </p:spTree>
+    <p:extLst>
+      <p:ext uri="{BB962C8B-B14F-4D97-AF65-F5344CB8AC3E}">
+        <p14:creationId xmlns:p14="http://schemas.microsoft.com/office/powerpoint/2010/main" val="1082261137"/>
+      </p:ext>
+    </p:extLst>
+  </p:cSld>
+  <p:clrMapOvr>
+    <a:masterClrMapping/>
+  </p:clrMapOvr>
+  <mc:AlternateContent xmlns:mc="http://schemas.openxmlformats.org/markup-compatibility/2006" xmlns:p14="http://schemas.microsoft.com/office/powerpoint/2010/main">
+    <mc:Choice Requires="p14">
+      <p:transition spd="slow" p14:dur="3400">
+        <p14:reveal/>
+      </p:transition>
+    </mc:Choice>
+    <mc:Fallback xmlns="">
+      <p:transition spd="slow">
+        <p:fade/>
+      </p:transition>
+    </mc:Fallback>
+  </mc:AlternateContent>
+  <p:timing>
+    <p:tnLst>
+      <p:par>
+        <p:cTn id="1" dur="indefinite" restart="never" nodeType="tmRoot"/>
+      </p:par>
+    </p:tnLst>
+  </p:timing>
+</p:sld>
+</file>
+
+<file path=ppt/slides/slide5.xml><?xml version="1.0" encoding="utf-8"?>
+<p:sld xmlns:a="http://schemas.openxmlformats.org/drawingml/2006/main" xmlns:r="http://schemas.openxmlformats.org/officeDocument/2006/relationships" xmlns:p="http://schemas.openxmlformats.org/presentationml/2006/main">
+  <p:cSld>
+    <p:spTree>
+      <p:nvGrpSpPr>
+        <p:cNvPr id="1" name=""/>
+        <p:cNvGrpSpPr/>
+        <p:nvPr/>
+      </p:nvGrpSpPr>
+      <p:grpSpPr>
+        <a:xfrm>
+          <a:off x="0" y="0"/>
+          <a:ext cx="0" cy="0"/>
+          <a:chOff x="0" y="0"/>
+          <a:chExt cx="0" cy="0"/>
+        </a:xfrm>
+      </p:grpSpPr>
+      <p:sp>
+        <p:nvSpPr>
           <p:cNvPr id="2" name="Text Placeholder 1"/>
           <p:cNvSpPr>
             <a:spLocks noGrp="1"/>
@@ -29312,7 +28390,7 @@
             <a:fld id="{727B4C2D-45E2-4621-8491-2995EB46A674}" type="slidenum">
               <a:rPr lang="en-US" smtClean="0"/>
               <a:pPr/>
-              <a:t>7</a:t>
+              <a:t>5</a:t>
             </a:fld>
             <a:endParaRPr lang="en-US" dirty="0"/>
           </a:p>
@@ -29341,7 +28419,7 @@
 </p:sld>
 </file>
 
-<file path=ppt/slides/slide8.xml><?xml version="1.0" encoding="utf-8"?>
+<file path=ppt/slides/slide6.xml><?xml version="1.0" encoding="utf-8"?>
 <p:sld xmlns:a="http://schemas.openxmlformats.org/drawingml/2006/main" xmlns:r="http://schemas.openxmlformats.org/officeDocument/2006/relationships" xmlns:p="http://schemas.openxmlformats.org/presentationml/2006/main">
   <p:cSld>
     <p:spTree>
@@ -29455,7 +28533,7 @@
             <a:fld id="{727B4C2D-45E2-4621-8491-2995EB46A674}" type="slidenum">
               <a:rPr lang="en-US" smtClean="0"/>
               <a:pPr/>
-              <a:t>8</a:t>
+              <a:t>6</a:t>
             </a:fld>
             <a:endParaRPr lang="en-US" dirty="0"/>
           </a:p>
@@ -29544,7 +28622,7 @@
 </p:sld>
 </file>
 
-<file path=ppt/slides/slide9.xml><?xml version="1.0" encoding="utf-8"?>
+<file path=ppt/slides/slide7.xml><?xml version="1.0" encoding="utf-8"?>
 <p:sld xmlns:a="http://schemas.openxmlformats.org/drawingml/2006/main" xmlns:r="http://schemas.openxmlformats.org/officeDocument/2006/relationships" xmlns:p="http://schemas.openxmlformats.org/presentationml/2006/main">
   <p:cSld>
     <p:spTree>
@@ -29695,7 +28773,7 @@
             <a:fld id="{727B4C2D-45E2-4621-8491-2995EB46A674}" type="slidenum">
               <a:rPr lang="en-US" smtClean="0"/>
               <a:pPr/>
-              <a:t>9</a:t>
+              <a:t>7</a:t>
             </a:fld>
             <a:endParaRPr lang="en-US" dirty="0"/>
           </a:p>
@@ -29721,6 +28799,221 @@
       </p:par>
     </p:tnLst>
   </p:timing>
+</p:sld>
+</file>
+
+<file path=ppt/slides/slide8.xml><?xml version="1.0" encoding="utf-8"?>
+<p:sld xmlns:a="http://schemas.openxmlformats.org/drawingml/2006/main" xmlns:r="http://schemas.openxmlformats.org/officeDocument/2006/relationships" xmlns:p="http://schemas.openxmlformats.org/presentationml/2006/main">
+  <p:cSld>
+    <p:spTree>
+      <p:nvGrpSpPr>
+        <p:cNvPr id="1" name=""/>
+        <p:cNvGrpSpPr/>
+        <p:nvPr/>
+      </p:nvGrpSpPr>
+      <p:grpSpPr>
+        <a:xfrm>
+          <a:off x="0" y="0"/>
+          <a:ext cx="0" cy="0"/>
+          <a:chOff x="0" y="0"/>
+          <a:chExt cx="0" cy="0"/>
+        </a:xfrm>
+      </p:grpSpPr>
+      <p:sp>
+        <p:nvSpPr>
+          <p:cNvPr id="4" name="Title 3"/>
+          <p:cNvSpPr>
+            <a:spLocks noGrp="1"/>
+          </p:cNvSpPr>
+          <p:nvPr>
+            <p:ph type="ctrTitle"/>
+          </p:nvPr>
+        </p:nvSpPr>
+        <p:spPr/>
+        <p:txBody>
+          <a:bodyPr/>
+          <a:lstStyle/>
+          <a:p>
+            <a:r>
+              <a:rPr lang="en-US" dirty="0" smtClean="0"/>
+              <a:t>Programming </a:t>
+            </a:r>
+            <a:r>
+              <a:rPr lang="en-US" dirty="0" err="1" smtClean="0"/>
+              <a:t>OAuth</a:t>
+            </a:r>
+            <a:endParaRPr lang="en-US" dirty="0"/>
+          </a:p>
+        </p:txBody>
+      </p:sp>
+      <p:sp>
+        <p:nvSpPr>
+          <p:cNvPr id="9" name="Subtitle 4"/>
+          <p:cNvSpPr>
+            <a:spLocks noGrp="1"/>
+          </p:cNvSpPr>
+          <p:nvPr>
+            <p:ph type="subTitle" idx="1"/>
+          </p:nvPr>
+        </p:nvSpPr>
+        <p:spPr/>
+        <p:txBody>
+          <a:bodyPr/>
+          <a:lstStyle/>
+          <a:p>
+            <a:pPr lvl="0"/>
+            <a:endParaRPr lang="en-US" dirty="0"/>
+          </a:p>
+        </p:txBody>
+      </p:sp>
+    </p:spTree>
+    <p:extLst>
+      <p:ext uri="{BB962C8B-B14F-4D97-AF65-F5344CB8AC3E}">
+        <p14:creationId xmlns:p14="http://schemas.microsoft.com/office/powerpoint/2010/main" val="1268031970"/>
+      </p:ext>
+    </p:extLst>
+  </p:cSld>
+  <p:clrMapOvr>
+    <a:masterClrMapping/>
+  </p:clrMapOvr>
+  <p:transition>
+    <p:fade/>
+  </p:transition>
+  <p:timing>
+    <p:tnLst>
+      <p:par>
+        <p:cTn id="1" dur="indefinite" restart="never" nodeType="tmRoot"/>
+      </p:par>
+    </p:tnLst>
+  </p:timing>
+</p:sld>
+</file>
+
+<file path=ppt/slides/slide9.xml><?xml version="1.0" encoding="utf-8"?>
+<p:sld xmlns:a="http://schemas.openxmlformats.org/drawingml/2006/main" xmlns:r="http://schemas.openxmlformats.org/officeDocument/2006/relationships" xmlns:p="http://schemas.openxmlformats.org/presentationml/2006/main">
+  <p:cSld>
+    <p:spTree>
+      <p:nvGrpSpPr>
+        <p:cNvPr id="1" name=""/>
+        <p:cNvGrpSpPr/>
+        <p:nvPr/>
+      </p:nvGrpSpPr>
+      <p:grpSpPr>
+        <a:xfrm>
+          <a:off x="0" y="0"/>
+          <a:ext cx="0" cy="0"/>
+          <a:chOff x="0" y="0"/>
+          <a:chExt cx="0" cy="0"/>
+        </a:xfrm>
+      </p:grpSpPr>
+      <p:sp>
+        <p:nvSpPr>
+          <p:cNvPr id="2" name="Text Placeholder 1"/>
+          <p:cNvSpPr>
+            <a:spLocks noGrp="1"/>
+          </p:cNvSpPr>
+          <p:nvPr>
+            <p:ph type="body" sz="quarter" idx="10"/>
+          </p:nvPr>
+        </p:nvSpPr>
+        <p:spPr>
+          <a:xfrm>
+            <a:off x="519112" y="1447798"/>
+            <a:ext cx="11149013" cy="4159181"/>
+          </a:xfrm>
+        </p:spPr>
+        <p:txBody>
+          <a:bodyPr/>
+          <a:lstStyle/>
+          <a:p>
+            <a:r>
+              <a:rPr lang="en-US" dirty="0" smtClean="0"/>
+              <a:t>Simple mechanism to grant a third party access to a user’s resources without sharing the user’s password.</a:t>
+            </a:r>
+          </a:p>
+          <a:p>
+            <a:r>
+              <a:rPr lang="en-US" dirty="0" smtClean="0"/>
+              <a:t>Cross platform app authorization</a:t>
+            </a:r>
+          </a:p>
+          <a:p>
+            <a:r>
+              <a:rPr lang="en-US" dirty="0" smtClean="0"/>
+              <a:t>Internet Standard supported by Azure, Facebook, Google, Twitter, and more</a:t>
+            </a:r>
+            <a:endParaRPr lang="en-US" dirty="0"/>
+          </a:p>
+        </p:txBody>
+      </p:sp>
+      <p:sp>
+        <p:nvSpPr>
+          <p:cNvPr id="3" name="Title 2"/>
+          <p:cNvSpPr>
+            <a:spLocks noGrp="1"/>
+          </p:cNvSpPr>
+          <p:nvPr>
+            <p:ph type="title"/>
+          </p:nvPr>
+        </p:nvSpPr>
+        <p:spPr/>
+        <p:txBody>
+          <a:bodyPr/>
+          <a:lstStyle/>
+          <a:p>
+            <a:r>
+              <a:rPr lang="en-US" dirty="0" smtClean="0"/>
+              <a:t>What is </a:t>
+            </a:r>
+            <a:r>
+              <a:rPr lang="en-US" dirty="0" err="1" smtClean="0"/>
+              <a:t>OAuth</a:t>
+            </a:r>
+            <a:r>
+              <a:rPr lang="en-US" dirty="0" smtClean="0"/>
+              <a:t> 2.0?</a:t>
+            </a:r>
+            <a:endParaRPr lang="en-US" dirty="0"/>
+          </a:p>
+        </p:txBody>
+      </p:sp>
+      <p:sp>
+        <p:nvSpPr>
+          <p:cNvPr id="4" name="Slide Number Placeholder 3"/>
+          <p:cNvSpPr>
+            <a:spLocks noGrp="1"/>
+          </p:cNvSpPr>
+          <p:nvPr>
+            <p:ph type="sldNum" sz="quarter" idx="12"/>
+          </p:nvPr>
+        </p:nvSpPr>
+        <p:spPr/>
+        <p:txBody>
+          <a:bodyPr/>
+          <a:lstStyle/>
+          <a:p>
+            <a:fld id="{727B4C2D-45E2-4621-8491-2995EB46A674}" type="slidenum">
+              <a:rPr lang="en-US" smtClean="0"/>
+              <a:pPr/>
+              <a:t>9</a:t>
+            </a:fld>
+            <a:endParaRPr lang="en-US" dirty="0"/>
+          </a:p>
+        </p:txBody>
+      </p:sp>
+    </p:spTree>
+    <p:extLst>
+      <p:ext uri="{BB962C8B-B14F-4D97-AF65-F5344CB8AC3E}">
+        <p14:creationId xmlns:p14="http://schemas.microsoft.com/office/powerpoint/2010/main" val="3378559001"/>
+      </p:ext>
+    </p:extLst>
+  </p:cSld>
+  <p:clrMapOvr>
+    <a:masterClrMapping/>
+  </p:clrMapOvr>
+  <p:transition>
+    <p:fade/>
+  </p:transition>
 </p:sld>
 </file>
 
@@ -30877,9 +30170,12 @@
 </file>
 
 <file path=customXml/item1.xml><?xml version="1.0" encoding="utf-8"?>
-<p:properties xmlns:p="http://schemas.microsoft.com/office/2006/metadata/properties" xmlns:xsi="http://www.w3.org/2001/XMLSchema-instance" xmlns:pc="http://schemas.microsoft.com/office/infopath/2007/PartnerControls">
-  <documentManagement/>
-</p:properties>
+<?mso-contentType ?>
+<FormTemplates xmlns="http://schemas.microsoft.com/sharepoint/v3/contenttype/forms">
+  <Display>DocumentLibraryForm</Display>
+  <Edit>DocumentLibraryForm</Edit>
+  <New>DocumentLibraryForm</New>
+</FormTemplates>
 </file>
 
 <file path=customXml/item2.xml><?xml version="1.0" encoding="utf-8"?>
@@ -31023,26 +30319,15 @@
 </file>
 
 <file path=customXml/item3.xml><?xml version="1.0" encoding="utf-8"?>
-<?mso-contentType ?>
-<FormTemplates xmlns="http://schemas.microsoft.com/sharepoint/v3/contenttype/forms">
-  <Display>DocumentLibraryForm</Display>
-  <Edit>DocumentLibraryForm</Edit>
-  <New>DocumentLibraryForm</New>
-</FormTemplates>
+<p:properties xmlns:p="http://schemas.microsoft.com/office/2006/metadata/properties" xmlns:xsi="http://www.w3.org/2001/XMLSchema-instance" xmlns:pc="http://schemas.microsoft.com/office/infopath/2007/PartnerControls">
+  <documentManagement/>
+</p:properties>
 </file>
 
 <file path=customXml/itemProps1.xml><?xml version="1.0" encoding="utf-8"?>
-<ds:datastoreItem xmlns:ds="http://schemas.openxmlformats.org/officeDocument/2006/customXml" ds:itemID="{DA593625-DB14-4FB0-B5A9-3269FA9C120B}">
+<ds:datastoreItem xmlns:ds="http://schemas.openxmlformats.org/officeDocument/2006/customXml" ds:itemID="{E1E0CE18-CA03-4891-9CD8-3448778E3D53}">
   <ds:schemaRefs>
-    <ds:schemaRef ds:uri="http://schemas.microsoft.com/office/2006/documentManagement/types"/>
-    <ds:schemaRef ds:uri="http://purl.org/dc/elements/1.1/"/>
-    <ds:schemaRef ds:uri="http://schemas.microsoft.com/office/2006/metadata/properties"/>
-    <ds:schemaRef ds:uri="5fad15d0-477e-40da-a20d-40d4ca777cbd"/>
-    <ds:schemaRef ds:uri="http://www.w3.org/XML/1998/namespace"/>
-    <ds:schemaRef ds:uri="http://schemas.microsoft.com/office/infopath/2007/PartnerControls"/>
-    <ds:schemaRef ds:uri="http://purl.org/dc/dcmitype/"/>
-    <ds:schemaRef ds:uri="http://schemas.openxmlformats.org/package/2006/metadata/core-properties"/>
-    <ds:schemaRef ds:uri="http://purl.org/dc/terms/"/>
+    <ds:schemaRef ds:uri="http://schemas.microsoft.com/sharepoint/v3/contenttype/forms"/>
   </ds:schemaRefs>
 </ds:datastoreItem>
 </file>
@@ -31066,9 +30351,17 @@
 </file>
 
 <file path=customXml/itemProps3.xml><?xml version="1.0" encoding="utf-8"?>
-<ds:datastoreItem xmlns:ds="http://schemas.openxmlformats.org/officeDocument/2006/customXml" ds:itemID="{E1E0CE18-CA03-4891-9CD8-3448778E3D53}">
+<ds:datastoreItem xmlns:ds="http://schemas.openxmlformats.org/officeDocument/2006/customXml" ds:itemID="{DA593625-DB14-4FB0-B5A9-3269FA9C120B}">
   <ds:schemaRefs>
-    <ds:schemaRef ds:uri="http://schemas.microsoft.com/sharepoint/v3/contenttype/forms"/>
+    <ds:schemaRef ds:uri="http://schemas.microsoft.com/office/2006/documentManagement/types"/>
+    <ds:schemaRef ds:uri="http://purl.org/dc/elements/1.1/"/>
+    <ds:schemaRef ds:uri="http://schemas.microsoft.com/office/2006/metadata/properties"/>
+    <ds:schemaRef ds:uri="5fad15d0-477e-40da-a20d-40d4ca777cbd"/>
+    <ds:schemaRef ds:uri="http://www.w3.org/XML/1998/namespace"/>
+    <ds:schemaRef ds:uri="http://schemas.microsoft.com/office/infopath/2007/PartnerControls"/>
+    <ds:schemaRef ds:uri="http://purl.org/dc/dcmitype/"/>
+    <ds:schemaRef ds:uri="http://schemas.openxmlformats.org/package/2006/metadata/core-properties"/>
+    <ds:schemaRef ds:uri="http://purl.org/dc/terms/"/>
   </ds:schemaRefs>
 </ds:datastoreItem>
 </file>